--- a/slides/Kylo配置与使用.pptx
+++ b/slides/Kylo配置与使用.pptx
@@ -5,10 +5,10 @@
     <p:sldMasterId id="2147483648" r:id="rId1"/>
   </p:sldMasterIdLst>
   <p:notesMasterIdLst>
-    <p:notesMasterId r:id="rId22"/>
+    <p:notesMasterId r:id="rId23"/>
   </p:notesMasterIdLst>
   <p:handoutMasterIdLst>
-    <p:handoutMasterId r:id="rId23"/>
+    <p:handoutMasterId r:id="rId24"/>
   </p:handoutMasterIdLst>
   <p:sldIdLst>
     <p:sldId id="376" r:id="rId2"/>
@@ -27,10 +27,11 @@
     <p:sldId id="392" r:id="rId15"/>
     <p:sldId id="393" r:id="rId16"/>
     <p:sldId id="394" r:id="rId17"/>
-    <p:sldId id="379" r:id="rId18"/>
-    <p:sldId id="395" r:id="rId19"/>
-    <p:sldId id="364" r:id="rId20"/>
-    <p:sldId id="276" r:id="rId21"/>
+    <p:sldId id="396" r:id="rId18"/>
+    <p:sldId id="379" r:id="rId19"/>
+    <p:sldId id="395" r:id="rId20"/>
+    <p:sldId id="364" r:id="rId21"/>
+    <p:sldId id="276" r:id="rId22"/>
   </p:sldIdLst>
   <p:sldSz cx="9144000" cy="5143500" type="screen16x9"/>
   <p:notesSz cx="6858000" cy="9144000"/>
@@ -38514,7 +38515,7 @@
         </p:nvSpPr>
         <p:spPr bwMode="gray">
           <a:xfrm>
-            <a:off x="457199" y="-131497"/>
+            <a:off x="306887" y="-131497"/>
             <a:ext cx="8230965" cy="613818"/>
           </a:xfrm>
           <a:prstGeom prst="rect">
@@ -38546,16 +38547,16 @@
           </a:lstStyle>
           <a:p>
             <a:r>
-              <a:rPr lang="en-US" dirty="0" smtClean="0"/>
-              <a:t>Kylo Data </a:t>
-            </a:r>
-            <a:r>
-              <a:rPr lang="en-US" dirty="0"/>
-              <a:t>Lake Foundation </a:t>
+              <a:rPr lang="en-US" dirty="0" err="1" smtClean="0"/>
+              <a:t>Kylo</a:t>
             </a:r>
             <a:r>
               <a:rPr lang="en-US" dirty="0" smtClean="0"/>
-              <a:t>Framework</a:t>
+              <a:t> </a:t>
+            </a:r>
+            <a:r>
+              <a:rPr lang="zh-CN" altLang="en-US" dirty="0" smtClean="0"/>
+              <a:t>数据湖基础框架</a:t>
             </a:r>
             <a:endParaRPr lang="en-US" dirty="0"/>
           </a:p>
@@ -41331,7 +41332,7 @@
           <a:bodyPr/>
           <a:lstStyle/>
           <a:p>
-            <a:endParaRPr kumimoji="1" lang="zh-CN" altLang="en-US"/>
+            <a:endParaRPr kumimoji="1" lang="zh-CN" altLang="en-US" dirty="0"/>
           </a:p>
         </p:txBody>
       </p:sp>
@@ -41436,7 +41437,131 @@
           <a:bodyPr/>
           <a:lstStyle/>
           <a:p>
-            <a:endParaRPr kumimoji="1" lang="zh-CN" altLang="en-US"/>
+            <a:r>
+              <a:rPr kumimoji="1" lang="zh-CN" altLang="en-US" dirty="0" smtClean="0"/>
+              <a:t>安装</a:t>
+            </a:r>
+            <a:r>
+              <a:rPr kumimoji="1" lang="en-US" altLang="zh-CN" dirty="0" err="1" smtClean="0"/>
+              <a:t>Rhel</a:t>
+            </a:r>
+            <a:r>
+              <a:rPr kumimoji="1" lang="zh-CN" altLang="en-US" dirty="0" smtClean="0"/>
+              <a:t> </a:t>
+            </a:r>
+            <a:r>
+              <a:rPr kumimoji="1" lang="en-US" altLang="zh-CN" dirty="0" smtClean="0"/>
+              <a:t>7.3</a:t>
+            </a:r>
+            <a:r>
+              <a:rPr kumimoji="1" lang="zh-CN" altLang="en-US" dirty="0" smtClean="0"/>
+              <a:t>的网络包：</a:t>
+            </a:r>
+            <a:endParaRPr kumimoji="1" lang="en-US" altLang="zh-CN" dirty="0" smtClean="0"/>
+          </a:p>
+          <a:p>
+            <a:pPr marL="0" indent="0">
+              <a:buNone/>
+            </a:pPr>
+            <a:r>
+              <a:rPr kumimoji="1" lang="en-US" altLang="zh-CN" dirty="0" smtClean="0">
+                <a:solidFill>
+                  <a:srgbClr val="1343DB"/>
+                </a:solidFill>
+              </a:rPr>
+              <a:t>#yum install net-tools</a:t>
+            </a:r>
+            <a:endParaRPr kumimoji="1" lang="en-US" altLang="zh-CN" dirty="0">
+              <a:solidFill>
+                <a:srgbClr val="1343DB"/>
+              </a:solidFill>
+            </a:endParaRPr>
+          </a:p>
+          <a:p>
+            <a:endParaRPr kumimoji="1" lang="en-US" altLang="zh-CN" dirty="0" smtClean="0"/>
+          </a:p>
+          <a:p>
+            <a:r>
+              <a:rPr kumimoji="1" lang="zh-CN" altLang="en-US" dirty="0" smtClean="0"/>
+              <a:t>手动修改网络配置</a:t>
+            </a:r>
+            <a:r>
+              <a:rPr kumimoji="1" lang="en-US" altLang="zh-CN" dirty="0" smtClean="0"/>
+              <a:t>(/</a:t>
+            </a:r>
+            <a:r>
+              <a:rPr kumimoji="1" lang="en-US" altLang="zh-CN" dirty="0" err="1" smtClean="0"/>
+              <a:t>etc</a:t>
+            </a:r>
+            <a:r>
+              <a:rPr kumimoji="1" lang="en-US" altLang="zh-CN" dirty="0" smtClean="0"/>
+              <a:t>/</a:t>
+            </a:r>
+            <a:r>
+              <a:rPr kumimoji="1" lang="en-US" altLang="zh-CN" dirty="0" err="1" smtClean="0"/>
+              <a:t>sysconfig</a:t>
+            </a:r>
+            <a:r>
+              <a:rPr kumimoji="1" lang="en-US" altLang="zh-CN" dirty="0" smtClean="0"/>
+              <a:t>/network-scripts/ifcfg-enp0s3)</a:t>
+            </a:r>
+          </a:p>
+          <a:p>
+            <a:pPr marL="0" indent="0">
+              <a:buNone/>
+            </a:pPr>
+            <a:r>
+              <a:rPr kumimoji="1" lang="en-US" altLang="zh-CN" dirty="0" smtClean="0">
+                <a:solidFill>
+                  <a:srgbClr val="1343DB"/>
+                </a:solidFill>
+              </a:rPr>
+              <a:t>BOOTPROTO=”static”</a:t>
+            </a:r>
+          </a:p>
+          <a:p>
+            <a:pPr marL="0" indent="0">
+              <a:buNone/>
+            </a:pPr>
+            <a:r>
+              <a:rPr kumimoji="1" lang="en-US" altLang="zh-CN" dirty="0" smtClean="0">
+                <a:solidFill>
+                  <a:srgbClr val="1343DB"/>
+                </a:solidFill>
+              </a:rPr>
+              <a:t>IPADDR=153.65.129.233</a:t>
+            </a:r>
+          </a:p>
+          <a:p>
+            <a:pPr marL="0" indent="0">
+              <a:buNone/>
+            </a:pPr>
+            <a:r>
+              <a:rPr kumimoji="1" lang="en-US" altLang="zh-CN" dirty="0" smtClean="0">
+                <a:solidFill>
+                  <a:srgbClr val="1343DB"/>
+                </a:solidFill>
+              </a:rPr>
+              <a:t>NETMASK=255.255.255.0</a:t>
+            </a:r>
+          </a:p>
+          <a:p>
+            <a:pPr marL="0" indent="0">
+              <a:buNone/>
+            </a:pPr>
+            <a:r>
+              <a:rPr kumimoji="1" lang="en-US" altLang="zh-CN" dirty="0" smtClean="0">
+                <a:solidFill>
+                  <a:srgbClr val="1343DB"/>
+                </a:solidFill>
+              </a:rPr>
+              <a:t>ONBOOT=“yes”</a:t>
+            </a:r>
+            <a:endParaRPr kumimoji="1" lang="zh-CN" altLang="en-US" dirty="0">
+              <a:solidFill>
+                <a:srgbClr val="1343DB"/>
+              </a:solidFill>
+            </a:endParaRPr>
           </a:p>
         </p:txBody>
       </p:sp>
@@ -41536,7 +41661,7 @@
             <p:ph idx="1"/>
             <p:extLst>
               <p:ext uri="{D42A27DB-BD31-4B8C-83A1-F6EECF244321}">
-                <p14:modId xmlns:p14="http://schemas.microsoft.com/office/powerpoint/2010/main" val="1764791024"/>
+                <p14:modId xmlns:p14="http://schemas.microsoft.com/office/powerpoint/2010/main" val="850620993"/>
               </p:ext>
             </p:extLst>
           </p:nvPr>
@@ -41767,6 +41892,18 @@
                     <a:bodyPr/>
                     <a:lstStyle/>
                     <a:p>
+                      <a:r>
+                        <a:rPr lang="en-US" altLang="zh-CN" dirty="0" err="1" smtClean="0"/>
+                        <a:t>dladmin</a:t>
+                      </a:r>
+                      <a:r>
+                        <a:rPr lang="en-US" altLang="zh-CN" dirty="0" smtClean="0"/>
+                        <a:t>/</a:t>
+                      </a:r>
+                      <a:r>
+                        <a:rPr lang="en-US" altLang="zh-CN" dirty="0" err="1" smtClean="0"/>
+                        <a:t>thinkbig</a:t>
+                      </a:r>
                       <a:endParaRPr lang="zh-CN" altLang="en-US" dirty="0"/>
                     </a:p>
                   </a:txBody>
@@ -41777,6 +41914,14 @@
                     <a:bodyPr/>
                     <a:lstStyle/>
                     <a:p>
+                      <a:r>
+                        <a:rPr lang="en-US" altLang="zh-CN" dirty="0" err="1" smtClean="0"/>
+                        <a:t>Kylo</a:t>
+                      </a:r>
+                      <a:r>
+                        <a:rPr lang="zh-CN" altLang="en-US" dirty="0" smtClean="0"/>
+                        <a:t>管理帐号</a:t>
+                      </a:r>
                       <a:endParaRPr lang="zh-CN" altLang="en-US" dirty="0"/>
                     </a:p>
                   </a:txBody>
@@ -41831,6 +41976,14 @@
                     <a:bodyPr/>
                     <a:lstStyle/>
                     <a:p>
+                      <a:r>
+                        <a:rPr lang="en-US" altLang="zh-CN" dirty="0" smtClean="0"/>
+                        <a:t>Hadoop</a:t>
+                      </a:r>
+                      <a:r>
+                        <a:rPr lang="zh-CN" altLang="en-US" dirty="0" smtClean="0"/>
+                        <a:t>集群管理</a:t>
+                      </a:r>
                       <a:endParaRPr lang="zh-CN" altLang="en-US" dirty="0"/>
                     </a:p>
                   </a:txBody>
@@ -41881,7 +42034,7 @@
                     <a:bodyPr/>
                     <a:lstStyle/>
                     <a:p>
-                      <a:endParaRPr lang="zh-CN" altLang="en-US"/>
+                      <a:endParaRPr lang="zh-CN" altLang="en-US" dirty="0"/>
                     </a:p>
                   </a:txBody>
                   <a:tcPr/>
@@ -41921,7 +42074,32 @@
                     <a:bodyPr/>
                     <a:lstStyle/>
                     <a:p>
-                      <a:endParaRPr lang="zh-CN" altLang="en-US" dirty="0"/>
+                      <a:pPr marL="0" marR="0" indent="0" algn="l" defTabSz="914400" rtl="0" eaLnBrk="1" fontAlgn="auto" latinLnBrk="0" hangingPunct="1">
+                        <a:lnSpc>
+                          <a:spcPct val="100000"/>
+                        </a:lnSpc>
+                        <a:spcBef>
+                          <a:spcPts val="0"/>
+                        </a:spcBef>
+                        <a:spcAft>
+                          <a:spcPts val="0"/>
+                        </a:spcAft>
+                        <a:buClrTx/>
+                        <a:buSzTx/>
+                        <a:buFontTx/>
+                        <a:buNone/>
+                        <a:tabLst/>
+                        <a:defRPr/>
+                      </a:pPr>
+                      <a:r>
+                        <a:rPr lang="en-US" altLang="zh-CN" dirty="0" err="1" smtClean="0"/>
+                        <a:t>mysql</a:t>
+                      </a:r>
+                      <a:r>
+                        <a:rPr lang="en-US" altLang="zh-CN" dirty="0" smtClean="0"/>
+                        <a:t> –u root</a:t>
+                      </a:r>
+                      <a:endParaRPr lang="zh-CN" altLang="en-US" dirty="0" smtClean="0"/>
                     </a:p>
                   </a:txBody>
                   <a:tcPr/>
@@ -42035,6 +42213,18 @@
                     <a:bodyPr/>
                     <a:lstStyle/>
                     <a:p>
+                      <a:r>
+                        <a:rPr lang="en-US" altLang="zh-CN" dirty="0" smtClean="0"/>
+                        <a:t>Web</a:t>
+                      </a:r>
+                      <a:r>
+                        <a:rPr lang="zh-CN" altLang="en-US" dirty="0" smtClean="0"/>
+                        <a:t>端方问</a:t>
+                      </a:r>
+                      <a:r>
+                        <a:rPr lang="en-US" altLang="zh-CN" dirty="0" smtClean="0"/>
+                        <a:t>HDFS</a:t>
+                      </a:r>
                       <a:endParaRPr lang="zh-CN" altLang="en-US" dirty="0"/>
                     </a:p>
                   </a:txBody>
@@ -42144,6 +42334,215 @@
       </p:grpSpPr>
       <p:sp>
         <p:nvSpPr>
+          <p:cNvPr id="2" name="内容占位符 1"/>
+          <p:cNvSpPr>
+            <a:spLocks noGrp="1"/>
+          </p:cNvSpPr>
+          <p:nvPr>
+            <p:ph idx="1"/>
+          </p:nvPr>
+        </p:nvSpPr>
+        <p:spPr/>
+        <p:txBody>
+          <a:bodyPr/>
+          <a:lstStyle/>
+          <a:p>
+            <a:pPr marR="0" lvl="0" defTabSz="914400" eaLnBrk="1" fontAlgn="auto" latinLnBrk="0" hangingPunct="1">
+              <a:lnSpc>
+                <a:spcPct val="100000"/>
+              </a:lnSpc>
+              <a:spcBef>
+                <a:spcPts val="0"/>
+              </a:spcBef>
+              <a:spcAft>
+                <a:spcPts val="0"/>
+              </a:spcAft>
+              <a:buClrTx/>
+              <a:buSzTx/>
+              <a:buFont typeface="Wingdings" charset="2"/>
+              <a:buChar char="ü"/>
+              <a:tabLst/>
+              <a:defRPr/>
+            </a:pPr>
+            <a:r>
+              <a:rPr kumimoji="1" lang="zh-CN" altLang="en-US" dirty="0" smtClean="0"/>
+              <a:t>安装</a:t>
+            </a:r>
+            <a:r>
+              <a:rPr kumimoji="1" lang="en-US" altLang="zh-CN" dirty="0" smtClean="0"/>
+              <a:t>JDK</a:t>
+            </a:r>
+          </a:p>
+          <a:p>
+            <a:pPr marR="0" lvl="0" defTabSz="914400" eaLnBrk="1" fontAlgn="auto" latinLnBrk="0" hangingPunct="1">
+              <a:lnSpc>
+                <a:spcPct val="100000"/>
+              </a:lnSpc>
+              <a:spcBef>
+                <a:spcPts val="0"/>
+              </a:spcBef>
+              <a:spcAft>
+                <a:spcPts val="0"/>
+              </a:spcAft>
+              <a:buClrTx/>
+              <a:buSzTx/>
+              <a:buFont typeface="Wingdings" charset="2"/>
+              <a:buChar char="ü"/>
+              <a:tabLst/>
+              <a:defRPr/>
+            </a:pPr>
+            <a:r>
+              <a:rPr kumimoji="1" lang="zh-CN" altLang="en-US" dirty="0" smtClean="0"/>
+              <a:t>安装</a:t>
+            </a:r>
+            <a:r>
+              <a:rPr kumimoji="1" lang="en-US" altLang="zh-CN" dirty="0" err="1" smtClean="0"/>
+              <a:t>Dbeaver</a:t>
+            </a:r>
+            <a:endParaRPr kumimoji="1" lang="en-US" altLang="zh-CN" dirty="0" smtClean="0"/>
+          </a:p>
+          <a:p>
+            <a:pPr marR="0" lvl="0" defTabSz="914400" eaLnBrk="1" fontAlgn="auto" latinLnBrk="0" hangingPunct="1">
+              <a:lnSpc>
+                <a:spcPct val="100000"/>
+              </a:lnSpc>
+              <a:spcBef>
+                <a:spcPts val="0"/>
+              </a:spcBef>
+              <a:spcAft>
+                <a:spcPts val="0"/>
+              </a:spcAft>
+              <a:buClrTx/>
+              <a:buSzTx/>
+              <a:buFont typeface="Wingdings" charset="2"/>
+              <a:buChar char="ü"/>
+              <a:tabLst/>
+              <a:defRPr/>
+            </a:pPr>
+            <a:r>
+              <a:rPr kumimoji="1" lang="zh-CN" altLang="en-US" dirty="0" smtClean="0"/>
+              <a:t>下载</a:t>
+            </a:r>
+            <a:r>
+              <a:rPr kumimoji="1" lang="en-US" altLang="zh-CN" dirty="0" smtClean="0"/>
+              <a:t>&amp;</a:t>
+            </a:r>
+            <a:r>
+              <a:rPr kumimoji="1" lang="zh-CN" altLang="en-US" dirty="0" smtClean="0"/>
+              <a:t>安装</a:t>
+            </a:r>
+            <a:r>
+              <a:rPr kumimoji="1" lang="en-US" altLang="zh-CN" dirty="0" smtClean="0"/>
+              <a:t>Hive JDBC</a:t>
+            </a:r>
+            <a:r>
+              <a:rPr kumimoji="1" lang="zh-CN" altLang="en-US" dirty="0" smtClean="0"/>
+              <a:t>驱动</a:t>
+            </a:r>
+            <a:endParaRPr kumimoji="1" lang="zh-CN" altLang="en-US" dirty="0"/>
+          </a:p>
+        </p:txBody>
+      </p:sp>
+      <p:sp>
+        <p:nvSpPr>
+          <p:cNvPr id="3" name="标题 2"/>
+          <p:cNvSpPr>
+            <a:spLocks noGrp="1"/>
+          </p:cNvSpPr>
+          <p:nvPr>
+            <p:ph type="title"/>
+          </p:nvPr>
+        </p:nvSpPr>
+        <p:spPr/>
+        <p:txBody>
+          <a:bodyPr/>
+          <a:lstStyle/>
+          <a:p>
+            <a:r>
+              <a:rPr kumimoji="1" lang="zh-CN" altLang="en-US" dirty="0" smtClean="0"/>
+              <a:t>配置</a:t>
+            </a:r>
+            <a:r>
+              <a:rPr kumimoji="1" lang="en-US" altLang="zh-CN" dirty="0" err="1" smtClean="0"/>
+              <a:t>Dbeaver</a:t>
+            </a:r>
+            <a:r>
+              <a:rPr kumimoji="1" lang="zh-CN" altLang="en-US" dirty="0" smtClean="0"/>
+              <a:t>访问</a:t>
+            </a:r>
+            <a:r>
+              <a:rPr kumimoji="1" lang="en-US" altLang="zh-CN" dirty="0" smtClean="0"/>
+              <a:t>Hive</a:t>
+            </a:r>
+            <a:endParaRPr kumimoji="1" lang="zh-CN" altLang="en-US" dirty="0"/>
+          </a:p>
+        </p:txBody>
+      </p:sp>
+      <p:sp>
+        <p:nvSpPr>
+          <p:cNvPr id="4" name="日期占位符 3"/>
+          <p:cNvSpPr>
+            <a:spLocks noGrp="1"/>
+          </p:cNvSpPr>
+          <p:nvPr>
+            <p:ph type="dt" sz="half" idx="10"/>
+          </p:nvPr>
+        </p:nvSpPr>
+        <p:spPr/>
+        <p:txBody>
+          <a:bodyPr/>
+          <a:lstStyle/>
+          <a:p>
+            <a:r>
+              <a:rPr lang="en-US" smtClean="0"/>
+              <a:t>© 2016 Teradata</a:t>
+            </a:r>
+            <a:endParaRPr lang="en-US" dirty="0" smtClean="0"/>
+          </a:p>
+        </p:txBody>
+      </p:sp>
+    </p:spTree>
+    <p:extLst>
+      <p:ext uri="{BB962C8B-B14F-4D97-AF65-F5344CB8AC3E}">
+        <p14:creationId xmlns:p14="http://schemas.microsoft.com/office/powerpoint/2010/main" val="986843205"/>
+      </p:ext>
+    </p:extLst>
+  </p:cSld>
+  <p:clrMapOvr>
+    <a:masterClrMapping/>
+  </p:clrMapOvr>
+  <p:transition spd="med">
+    <p:fade/>
+  </p:transition>
+  <p:timing>
+    <p:tnLst>
+      <p:par>
+        <p:cTn id="1" dur="indefinite" restart="never" nodeType="tmRoot"/>
+      </p:par>
+    </p:tnLst>
+  </p:timing>
+</p:sld>
+</file>
+
+<file path=ppt/slides/slide18.xml><?xml version="1.0" encoding="utf-8"?>
+<p:sld xmlns:a="http://schemas.openxmlformats.org/drawingml/2006/main" xmlns:r="http://schemas.openxmlformats.org/officeDocument/2006/relationships" xmlns:p="http://schemas.openxmlformats.org/presentationml/2006/main">
+  <p:cSld>
+    <p:spTree>
+      <p:nvGrpSpPr>
+        <p:cNvPr id="1" name=""/>
+        <p:cNvGrpSpPr/>
+        <p:nvPr/>
+      </p:nvGrpSpPr>
+      <p:grpSpPr>
+        <a:xfrm>
+          <a:off x="0" y="0"/>
+          <a:ext cx="0" cy="0"/>
+          <a:chOff x="0" y="0"/>
+          <a:chExt cx="0" cy="0"/>
+        </a:xfrm>
+      </p:grpSpPr>
+      <p:sp>
+        <p:nvSpPr>
           <p:cNvPr id="4" name="Date Placeholder 3"/>
           <p:cNvSpPr>
             <a:spLocks noGrp="1"/>
@@ -42223,7 +42622,7 @@
 </p:sld>
 </file>
 
-<file path=ppt/slides/slide18.xml><?xml version="1.0" encoding="utf-8"?>
+<file path=ppt/slides/slide19.xml><?xml version="1.0" encoding="utf-8"?>
 <p:sld xmlns:a="http://schemas.openxmlformats.org/drawingml/2006/main" xmlns:r="http://schemas.openxmlformats.org/officeDocument/2006/relationships" xmlns:p="http://schemas.openxmlformats.org/presentationml/2006/main">
   <p:cSld>
     <p:spTree>
@@ -42401,7 +42800,307 @@
 </p:sld>
 </file>
 
-<file path=ppt/slides/slide19.xml><?xml version="1.0" encoding="utf-8"?>
+<file path=ppt/slides/slide2.xml><?xml version="1.0" encoding="utf-8"?>
+<p:sld xmlns:a="http://schemas.openxmlformats.org/drawingml/2006/main" xmlns:r="http://schemas.openxmlformats.org/officeDocument/2006/relationships" xmlns:p="http://schemas.openxmlformats.org/presentationml/2006/main">
+  <p:cSld>
+    <p:spTree>
+      <p:nvGrpSpPr>
+        <p:cNvPr id="1" name=""/>
+        <p:cNvGrpSpPr/>
+        <p:nvPr/>
+      </p:nvGrpSpPr>
+      <p:grpSpPr>
+        <a:xfrm>
+          <a:off x="0" y="0"/>
+          <a:ext cx="0" cy="0"/>
+          <a:chOff x="0" y="0"/>
+          <a:chExt cx="0" cy="0"/>
+        </a:xfrm>
+      </p:grpSpPr>
+      <p:sp>
+        <p:nvSpPr>
+          <p:cNvPr id="2" name="Content Placeholder 1"/>
+          <p:cNvSpPr>
+            <a:spLocks noGrp="1"/>
+          </p:cNvSpPr>
+          <p:nvPr>
+            <p:ph idx="1"/>
+          </p:nvPr>
+        </p:nvSpPr>
+        <p:spPr>
+          <a:xfrm>
+            <a:off x="4800600" y="1158875"/>
+            <a:ext cx="3886200" cy="1484117"/>
+          </a:xfrm>
+        </p:spPr>
+        <p:txBody>
+          <a:bodyPr/>
+          <a:lstStyle/>
+          <a:p>
+            <a:pPr lvl="3"/>
+            <a:r>
+              <a:rPr lang="en-US" altLang="zh-CN" dirty="0" err="1" smtClean="0">
+                <a:latin typeface="Microsoft YaHei" charset="-122"/>
+                <a:ea typeface="Microsoft YaHei" charset="-122"/>
+                <a:cs typeface="Microsoft YaHei" charset="-122"/>
+              </a:rPr>
+              <a:t>Kylo</a:t>
+            </a:r>
+            <a:r>
+              <a:rPr lang="zh-CN" altLang="en-US" dirty="0" smtClean="0">
+                <a:latin typeface="Microsoft YaHei" charset="-122"/>
+                <a:ea typeface="Microsoft YaHei" charset="-122"/>
+                <a:cs typeface="Microsoft YaHei" charset="-122"/>
+              </a:rPr>
+              <a:t> 架构功能介绍</a:t>
+            </a:r>
+            <a:endParaRPr lang="en-US" dirty="0" smtClean="0">
+              <a:latin typeface="Microsoft YaHei" charset="-122"/>
+              <a:ea typeface="Microsoft YaHei" charset="-122"/>
+              <a:cs typeface="Microsoft YaHei" charset="-122"/>
+            </a:endParaRPr>
+          </a:p>
+          <a:p>
+            <a:pPr lvl="3"/>
+            <a:r>
+              <a:rPr lang="en-US" dirty="0" err="1" smtClean="0">
+                <a:latin typeface="Microsoft YaHei" charset="-122"/>
+                <a:ea typeface="Microsoft YaHei" charset="-122"/>
+                <a:cs typeface="Microsoft YaHei" charset="-122"/>
+              </a:rPr>
+              <a:t>Kylo</a:t>
+            </a:r>
+            <a:r>
+              <a:rPr lang="en-US" dirty="0">
+                <a:latin typeface="Microsoft YaHei" charset="-122"/>
+                <a:ea typeface="Microsoft YaHei" charset="-122"/>
+                <a:cs typeface="Microsoft YaHei" charset="-122"/>
+              </a:rPr>
+              <a:t> </a:t>
+            </a:r>
+            <a:r>
+              <a:rPr lang="zh-CN" altLang="en-US" dirty="0" smtClean="0">
+                <a:latin typeface="Microsoft YaHei" charset="-122"/>
+                <a:ea typeface="Microsoft YaHei" charset="-122"/>
+                <a:cs typeface="Microsoft YaHei" charset="-122"/>
+              </a:rPr>
+              <a:t>虚机环境配置</a:t>
+            </a:r>
+            <a:endParaRPr lang="en-US" altLang="zh-CN" dirty="0">
+              <a:latin typeface="Microsoft YaHei" charset="-122"/>
+              <a:ea typeface="Microsoft YaHei" charset="-122"/>
+              <a:cs typeface="Microsoft YaHei" charset="-122"/>
+            </a:endParaRPr>
+          </a:p>
+          <a:p>
+            <a:pPr lvl="3"/>
+            <a:r>
+              <a:rPr lang="en-US" dirty="0" err="1" smtClean="0">
+                <a:latin typeface="Microsoft YaHei" charset="-122"/>
+                <a:ea typeface="Microsoft YaHei" charset="-122"/>
+                <a:cs typeface="Microsoft YaHei" charset="-122"/>
+              </a:rPr>
+              <a:t>Kylo</a:t>
+            </a:r>
+            <a:r>
+              <a:rPr lang="en-US" dirty="0" smtClean="0">
+                <a:latin typeface="Microsoft YaHei" charset="-122"/>
+                <a:ea typeface="Microsoft YaHei" charset="-122"/>
+                <a:cs typeface="Microsoft YaHei" charset="-122"/>
+              </a:rPr>
+              <a:t> </a:t>
+            </a:r>
+            <a:r>
+              <a:rPr lang="zh-CN" altLang="en-US" dirty="0" smtClean="0">
+                <a:latin typeface="Microsoft YaHei" charset="-122"/>
+                <a:ea typeface="Microsoft YaHei" charset="-122"/>
+                <a:cs typeface="Microsoft YaHei" charset="-122"/>
+              </a:rPr>
+              <a:t>操作过程演示</a:t>
+            </a:r>
+            <a:endParaRPr lang="en-US" altLang="zh-CN" dirty="0" smtClean="0">
+              <a:latin typeface="Microsoft YaHei" charset="-122"/>
+              <a:ea typeface="Microsoft YaHei" charset="-122"/>
+              <a:cs typeface="Microsoft YaHei" charset="-122"/>
+            </a:endParaRPr>
+          </a:p>
+          <a:p>
+            <a:pPr lvl="3"/>
+            <a:r>
+              <a:rPr lang="zh-CN" altLang="en-US" dirty="0" smtClean="0">
+                <a:latin typeface="Microsoft YaHei" charset="-122"/>
+                <a:ea typeface="Microsoft YaHei" charset="-122"/>
+                <a:cs typeface="Microsoft YaHei" charset="-122"/>
+              </a:rPr>
+              <a:t>学习进阶资源</a:t>
+            </a:r>
+            <a:endParaRPr lang="en-US" dirty="0" smtClean="0">
+              <a:latin typeface="Microsoft YaHei" charset="-122"/>
+              <a:ea typeface="Microsoft YaHei" charset="-122"/>
+              <a:cs typeface="Microsoft YaHei" charset="-122"/>
+            </a:endParaRPr>
+          </a:p>
+          <a:p>
+            <a:endParaRPr lang="en-US" dirty="0">
+              <a:latin typeface="Microsoft YaHei" charset="-122"/>
+              <a:ea typeface="Microsoft YaHei" charset="-122"/>
+              <a:cs typeface="Microsoft YaHei" charset="-122"/>
+            </a:endParaRPr>
+          </a:p>
+        </p:txBody>
+      </p:sp>
+      <p:sp>
+        <p:nvSpPr>
+          <p:cNvPr id="4" name="Title 3"/>
+          <p:cNvSpPr>
+            <a:spLocks noGrp="1"/>
+          </p:cNvSpPr>
+          <p:nvPr>
+            <p:ph type="title"/>
+          </p:nvPr>
+        </p:nvSpPr>
+        <p:spPr>
+          <a:xfrm>
+            <a:off x="4800600" y="0"/>
+            <a:ext cx="3886200" cy="669481"/>
+          </a:xfrm>
+        </p:spPr>
+        <p:txBody>
+          <a:bodyPr/>
+          <a:lstStyle/>
+          <a:p>
+            <a:r>
+              <a:rPr lang="zh-CN" altLang="en-US" dirty="0" smtClean="0">
+                <a:latin typeface="Microsoft YaHei" charset="-122"/>
+                <a:ea typeface="Microsoft YaHei" charset="-122"/>
+                <a:cs typeface="Microsoft YaHei" charset="-122"/>
+              </a:rPr>
+              <a:t>目录</a:t>
+            </a:r>
+            <a:endParaRPr lang="en-US" dirty="0">
+              <a:latin typeface="Microsoft YaHei" charset="-122"/>
+              <a:ea typeface="Microsoft YaHei" charset="-122"/>
+              <a:cs typeface="Microsoft YaHei" charset="-122"/>
+            </a:endParaRPr>
+          </a:p>
+        </p:txBody>
+      </p:sp>
+      <p:sp>
+        <p:nvSpPr>
+          <p:cNvPr id="6" name="Date Placeholder 5"/>
+          <p:cNvSpPr>
+            <a:spLocks noGrp="1"/>
+          </p:cNvSpPr>
+          <p:nvPr>
+            <p:ph type="dt" sz="half" idx="14"/>
+          </p:nvPr>
+        </p:nvSpPr>
+        <p:spPr/>
+        <p:txBody>
+          <a:bodyPr/>
+          <a:lstStyle/>
+          <a:p>
+            <a:r>
+              <a:rPr lang="en-US" smtClean="0"/>
+              <a:t>© 2016 Teradata</a:t>
+            </a:r>
+            <a:endParaRPr lang="en-US" dirty="0" smtClean="0"/>
+          </a:p>
+        </p:txBody>
+      </p:sp>
+      <p:sp>
+        <p:nvSpPr>
+          <p:cNvPr id="19" name="TextBox 18"/>
+          <p:cNvSpPr txBox="1"/>
+          <p:nvPr/>
+        </p:nvSpPr>
+        <p:spPr>
+          <a:xfrm>
+            <a:off x="226058" y="4918131"/>
+            <a:ext cx="60410" cy="130805"/>
+          </a:xfrm>
+          <a:prstGeom prst="rect">
+            <a:avLst/>
+          </a:prstGeom>
+          <a:noFill/>
+        </p:spPr>
+        <p:txBody>
+          <a:bodyPr wrap="none" lIns="0" tIns="0" rIns="0" bIns="0" rtlCol="0">
+            <a:spAutoFit/>
+          </a:bodyPr>
+          <a:lstStyle/>
+          <a:p>
+            <a:pPr algn="r"/>
+            <a:fld id="{0C8E8817-043E-4BA1-A90E-6FB9FA409362}" type="slidenum">
+              <a:rPr lang="en-US" sz="850" smtClean="0">
+                <a:solidFill>
+                  <a:schemeClr val="bg2">
+                    <a:lumMod val="50000"/>
+                  </a:schemeClr>
+                </a:solidFill>
+              </a:rPr>
+              <a:pPr algn="r"/>
+              <a:t>2</a:t>
+            </a:fld>
+            <a:endParaRPr lang="en-US" sz="850" dirty="0">
+              <a:solidFill>
+                <a:schemeClr val="bg2">
+                  <a:lumMod val="50000"/>
+                </a:schemeClr>
+              </a:solidFill>
+            </a:endParaRPr>
+          </a:p>
+        </p:txBody>
+      </p:sp>
+      <p:pic>
+        <p:nvPicPr>
+          <p:cNvPr id="9" name="图片占位符 8"/>
+          <p:cNvPicPr>
+            <a:picLocks noGrp="1" noChangeAspect="1"/>
+          </p:cNvPicPr>
+          <p:nvPr>
+            <p:ph type="pic" sz="quarter" idx="13"/>
+          </p:nvPr>
+        </p:nvPicPr>
+        <p:blipFill>
+          <a:blip r:embed="rId2">
+            <a:extLst>
+              <a:ext uri="{28A0092B-C50C-407E-A947-70E740481C1C}">
+                <a14:useLocalDpi xmlns:a14="http://schemas.microsoft.com/office/drawing/2010/main" val="0"/>
+              </a:ext>
+            </a:extLst>
+          </a:blip>
+          <a:srcRect l="22049" r="22049"/>
+          <a:stretch>
+            <a:fillRect/>
+          </a:stretch>
+        </p:blipFill>
+        <p:spPr/>
+      </p:pic>
+    </p:spTree>
+    <p:extLst>
+      <p:ext uri="{BB962C8B-B14F-4D97-AF65-F5344CB8AC3E}">
+        <p14:creationId xmlns:p14="http://schemas.microsoft.com/office/powerpoint/2010/main" val="4023765832"/>
+      </p:ext>
+    </p:extLst>
+  </p:cSld>
+  <p:clrMapOvr>
+    <a:masterClrMapping/>
+  </p:clrMapOvr>
+  <p:transition spd="med">
+    <p:fade/>
+  </p:transition>
+  <p:timing>
+    <p:tnLst>
+      <p:par>
+        <p:cTn id="1" dur="indefinite" restart="never" nodeType="tmRoot"/>
+      </p:par>
+    </p:tnLst>
+  </p:timing>
+</p:sld>
+</file>
+
+<file path=ppt/slides/slide20.xml><?xml version="1.0" encoding="utf-8"?>
 <p:sld xmlns:a="http://schemas.openxmlformats.org/drawingml/2006/main" xmlns:r="http://schemas.openxmlformats.org/officeDocument/2006/relationships" xmlns:p="http://schemas.openxmlformats.org/presentationml/2006/main">
   <p:cSld>
     <p:spTree>
@@ -42819,323 +43518,7 @@
 </p:sld>
 </file>
 
-<file path=ppt/slides/slide2.xml><?xml version="1.0" encoding="utf-8"?>
-<p:sld xmlns:a="http://schemas.openxmlformats.org/drawingml/2006/main" xmlns:r="http://schemas.openxmlformats.org/officeDocument/2006/relationships" xmlns:p="http://schemas.openxmlformats.org/presentationml/2006/main">
-  <p:cSld>
-    <p:spTree>
-      <p:nvGrpSpPr>
-        <p:cNvPr id="1" name=""/>
-        <p:cNvGrpSpPr/>
-        <p:nvPr/>
-      </p:nvGrpSpPr>
-      <p:grpSpPr>
-        <a:xfrm>
-          <a:off x="0" y="0"/>
-          <a:ext cx="0" cy="0"/>
-          <a:chOff x="0" y="0"/>
-          <a:chExt cx="0" cy="0"/>
-        </a:xfrm>
-      </p:grpSpPr>
-      <p:sp>
-        <p:nvSpPr>
-          <p:cNvPr id="2" name="Content Placeholder 1"/>
-          <p:cNvSpPr>
-            <a:spLocks noGrp="1"/>
-          </p:cNvSpPr>
-          <p:nvPr>
-            <p:ph idx="1"/>
-          </p:nvPr>
-        </p:nvSpPr>
-        <p:spPr>
-          <a:xfrm>
-            <a:off x="4800600" y="1158875"/>
-            <a:ext cx="3886200" cy="1484117"/>
-          </a:xfrm>
-        </p:spPr>
-        <p:txBody>
-          <a:bodyPr/>
-          <a:lstStyle/>
-          <a:p>
-            <a:pPr lvl="3"/>
-            <a:r>
-              <a:rPr lang="en-US" altLang="zh-CN" dirty="0" err="1" smtClean="0">
-                <a:latin typeface="Microsoft YaHei" charset="-122"/>
-                <a:ea typeface="Microsoft YaHei" charset="-122"/>
-                <a:cs typeface="Microsoft YaHei" charset="-122"/>
-              </a:rPr>
-              <a:t>Kylo</a:t>
-            </a:r>
-            <a:r>
-              <a:rPr lang="zh-CN" altLang="en-US" dirty="0" smtClean="0">
-                <a:latin typeface="Microsoft YaHei" charset="-122"/>
-                <a:ea typeface="Microsoft YaHei" charset="-122"/>
-                <a:cs typeface="Microsoft YaHei" charset="-122"/>
-              </a:rPr>
-              <a:t> 架构功能介绍</a:t>
-            </a:r>
-            <a:endParaRPr lang="en-US" dirty="0" smtClean="0">
-              <a:latin typeface="Microsoft YaHei" charset="-122"/>
-              <a:ea typeface="Microsoft YaHei" charset="-122"/>
-              <a:cs typeface="Microsoft YaHei" charset="-122"/>
-            </a:endParaRPr>
-          </a:p>
-          <a:p>
-            <a:pPr lvl="3"/>
-            <a:r>
-              <a:rPr lang="en-US" dirty="0" err="1" smtClean="0">
-                <a:latin typeface="Microsoft YaHei" charset="-122"/>
-                <a:ea typeface="Microsoft YaHei" charset="-122"/>
-                <a:cs typeface="Microsoft YaHei" charset="-122"/>
-              </a:rPr>
-              <a:t>Kylo</a:t>
-            </a:r>
-            <a:r>
-              <a:rPr lang="en-US" dirty="0">
-                <a:latin typeface="Microsoft YaHei" charset="-122"/>
-                <a:ea typeface="Microsoft YaHei" charset="-122"/>
-                <a:cs typeface="Microsoft YaHei" charset="-122"/>
-              </a:rPr>
-              <a:t> </a:t>
-            </a:r>
-            <a:r>
-              <a:rPr lang="zh-CN" altLang="en-US" dirty="0" smtClean="0">
-                <a:latin typeface="Microsoft YaHei" charset="-122"/>
-                <a:ea typeface="Microsoft YaHei" charset="-122"/>
-                <a:cs typeface="Microsoft YaHei" charset="-122"/>
-              </a:rPr>
-              <a:t>虚机环境配置</a:t>
-            </a:r>
-            <a:endParaRPr lang="en-US" altLang="zh-CN" dirty="0">
-              <a:latin typeface="Microsoft YaHei" charset="-122"/>
-              <a:ea typeface="Microsoft YaHei" charset="-122"/>
-              <a:cs typeface="Microsoft YaHei" charset="-122"/>
-            </a:endParaRPr>
-          </a:p>
-          <a:p>
-            <a:pPr lvl="3"/>
-            <a:r>
-              <a:rPr lang="en-US" dirty="0" err="1" smtClean="0">
-                <a:latin typeface="Microsoft YaHei" charset="-122"/>
-                <a:ea typeface="Microsoft YaHei" charset="-122"/>
-                <a:cs typeface="Microsoft YaHei" charset="-122"/>
-              </a:rPr>
-              <a:t>Kylo</a:t>
-            </a:r>
-            <a:r>
-              <a:rPr lang="en-US" dirty="0" smtClean="0">
-                <a:latin typeface="Microsoft YaHei" charset="-122"/>
-                <a:ea typeface="Microsoft YaHei" charset="-122"/>
-                <a:cs typeface="Microsoft YaHei" charset="-122"/>
-              </a:rPr>
-              <a:t> </a:t>
-            </a:r>
-            <a:r>
-              <a:rPr lang="zh-CN" altLang="en-US" dirty="0" smtClean="0">
-                <a:latin typeface="Microsoft YaHei" charset="-122"/>
-                <a:ea typeface="Microsoft YaHei" charset="-122"/>
-                <a:cs typeface="Microsoft YaHei" charset="-122"/>
-              </a:rPr>
-              <a:t>操作</a:t>
-            </a:r>
-            <a:r>
-              <a:rPr lang="zh-CN" altLang="en-US" dirty="0" smtClean="0">
-                <a:latin typeface="Microsoft YaHei" charset="-122"/>
-                <a:ea typeface="Microsoft YaHei" charset="-122"/>
-                <a:cs typeface="Microsoft YaHei" charset="-122"/>
-              </a:rPr>
-              <a:t>过程</a:t>
-            </a:r>
-            <a:r>
-              <a:rPr lang="zh-CN" altLang="en-US" dirty="0" smtClean="0">
-                <a:latin typeface="Microsoft YaHei" charset="-122"/>
-                <a:ea typeface="Microsoft YaHei" charset="-122"/>
-                <a:cs typeface="Microsoft YaHei" charset="-122"/>
-              </a:rPr>
-              <a:t>演示</a:t>
-            </a:r>
-            <a:endParaRPr lang="en-US" altLang="zh-CN" dirty="0" smtClean="0">
-              <a:latin typeface="Microsoft YaHei" charset="-122"/>
-              <a:ea typeface="Microsoft YaHei" charset="-122"/>
-              <a:cs typeface="Microsoft YaHei" charset="-122"/>
-            </a:endParaRPr>
-          </a:p>
-          <a:p>
-            <a:pPr lvl="3"/>
-            <a:r>
-              <a:rPr lang="zh-CN" altLang="en-US" dirty="0" smtClean="0">
-                <a:latin typeface="Microsoft YaHei" charset="-122"/>
-                <a:ea typeface="Microsoft YaHei" charset="-122"/>
-                <a:cs typeface="Microsoft YaHei" charset="-122"/>
-              </a:rPr>
-              <a:t>学习进阶资源</a:t>
-            </a:r>
-            <a:endParaRPr lang="en-US" dirty="0" smtClean="0">
-              <a:latin typeface="Microsoft YaHei" charset="-122"/>
-              <a:ea typeface="Microsoft YaHei" charset="-122"/>
-              <a:cs typeface="Microsoft YaHei" charset="-122"/>
-            </a:endParaRPr>
-          </a:p>
-          <a:p>
-            <a:endParaRPr lang="en-US" dirty="0">
-              <a:latin typeface="Microsoft YaHei" charset="-122"/>
-              <a:ea typeface="Microsoft YaHei" charset="-122"/>
-              <a:cs typeface="Microsoft YaHei" charset="-122"/>
-            </a:endParaRPr>
-          </a:p>
-        </p:txBody>
-      </p:sp>
-      <p:sp>
-        <p:nvSpPr>
-          <p:cNvPr id="4" name="Title 3"/>
-          <p:cNvSpPr>
-            <a:spLocks noGrp="1"/>
-          </p:cNvSpPr>
-          <p:nvPr>
-            <p:ph type="title"/>
-          </p:nvPr>
-        </p:nvSpPr>
-        <p:spPr>
-          <a:xfrm>
-            <a:off x="4800600" y="0"/>
-            <a:ext cx="3886200" cy="669481"/>
-          </a:xfrm>
-        </p:spPr>
-        <p:txBody>
-          <a:bodyPr/>
-          <a:lstStyle/>
-          <a:p>
-            <a:r>
-              <a:rPr lang="zh-CN" altLang="en-US" dirty="0" smtClean="0">
-                <a:latin typeface="Microsoft YaHei" charset="-122"/>
-                <a:ea typeface="Microsoft YaHei" charset="-122"/>
-                <a:cs typeface="Microsoft YaHei" charset="-122"/>
-              </a:rPr>
-              <a:t>目录</a:t>
-            </a:r>
-            <a:endParaRPr lang="en-US" dirty="0">
-              <a:latin typeface="Microsoft YaHei" charset="-122"/>
-              <a:ea typeface="Microsoft YaHei" charset="-122"/>
-              <a:cs typeface="Microsoft YaHei" charset="-122"/>
-            </a:endParaRPr>
-          </a:p>
-        </p:txBody>
-      </p:sp>
-      <p:sp>
-        <p:nvSpPr>
-          <p:cNvPr id="6" name="Date Placeholder 5"/>
-          <p:cNvSpPr>
-            <a:spLocks noGrp="1"/>
-          </p:cNvSpPr>
-          <p:nvPr>
-            <p:ph type="dt" sz="half" idx="14"/>
-          </p:nvPr>
-        </p:nvSpPr>
-        <p:spPr/>
-        <p:txBody>
-          <a:bodyPr/>
-          <a:lstStyle/>
-          <a:p>
-            <a:r>
-              <a:rPr lang="en-US" smtClean="0"/>
-              <a:t>© 2016 Teradata</a:t>
-            </a:r>
-            <a:endParaRPr lang="en-US" dirty="0" smtClean="0"/>
-          </a:p>
-        </p:txBody>
-      </p:sp>
-      <p:sp>
-        <p:nvSpPr>
-          <p:cNvPr id="19" name="TextBox 18"/>
-          <p:cNvSpPr txBox="1"/>
-          <p:nvPr/>
-        </p:nvSpPr>
-        <p:spPr>
-          <a:xfrm>
-            <a:off x="226058" y="4918131"/>
-            <a:ext cx="60410" cy="130805"/>
-          </a:xfrm>
-          <a:prstGeom prst="rect">
-            <a:avLst/>
-          </a:prstGeom>
-          <a:noFill/>
-        </p:spPr>
-        <p:txBody>
-          <a:bodyPr wrap="none" lIns="0" tIns="0" rIns="0" bIns="0" rtlCol="0">
-            <a:spAutoFit/>
-          </a:bodyPr>
-          <a:lstStyle/>
-          <a:p>
-            <a:pPr algn="r"/>
-            <a:fld id="{0C8E8817-043E-4BA1-A90E-6FB9FA409362}" type="slidenum">
-              <a:rPr lang="en-US" sz="850" smtClean="0">
-                <a:solidFill>
-                  <a:schemeClr val="bg2">
-                    <a:lumMod val="50000"/>
-                  </a:schemeClr>
-                </a:solidFill>
-              </a:rPr>
-              <a:pPr algn="r"/>
-              <a:t>2</a:t>
-            </a:fld>
-            <a:endParaRPr lang="en-US" sz="850" dirty="0">
-              <a:solidFill>
-                <a:schemeClr val="bg2">
-                  <a:lumMod val="50000"/>
-                </a:schemeClr>
-              </a:solidFill>
-            </a:endParaRPr>
-          </a:p>
-        </p:txBody>
-      </p:sp>
-      <p:pic>
-        <p:nvPicPr>
-          <p:cNvPr id="9" name="图片占位符 8"/>
-          <p:cNvPicPr>
-            <a:picLocks noGrp="1" noChangeAspect="1"/>
-          </p:cNvPicPr>
-          <p:nvPr>
-            <p:ph type="pic" sz="quarter" idx="13"/>
-          </p:nvPr>
-        </p:nvPicPr>
-        <p:blipFill>
-          <a:blip r:embed="rId2">
-            <a:extLst>
-              <a:ext uri="{28A0092B-C50C-407E-A947-70E740481C1C}">
-                <a14:useLocalDpi xmlns:a14="http://schemas.microsoft.com/office/drawing/2010/main" val="0"/>
-              </a:ext>
-            </a:extLst>
-          </a:blip>
-          <a:srcRect l="22049" r="22049"/>
-          <a:stretch>
-            <a:fillRect/>
-          </a:stretch>
-        </p:blipFill>
-        <p:spPr/>
-      </p:pic>
-    </p:spTree>
-    <p:extLst>
-      <p:ext uri="{BB962C8B-B14F-4D97-AF65-F5344CB8AC3E}">
-        <p14:creationId xmlns:p14="http://schemas.microsoft.com/office/powerpoint/2010/main" val="4023765832"/>
-      </p:ext>
-    </p:extLst>
-  </p:cSld>
-  <p:clrMapOvr>
-    <a:masterClrMapping/>
-  </p:clrMapOvr>
-  <p:transition spd="med">
-    <p:fade/>
-  </p:transition>
-  <p:timing>
-    <p:tnLst>
-      <p:par>
-        <p:cTn id="1" dur="indefinite" restart="never" nodeType="tmRoot"/>
-      </p:par>
-    </p:tnLst>
-  </p:timing>
-</p:sld>
-</file>
-
-<file path=ppt/slides/slide20.xml><?xml version="1.0" encoding="utf-8"?>
+<file path=ppt/slides/slide21.xml><?xml version="1.0" encoding="utf-8"?>
 <p:sld xmlns:a="http://schemas.openxmlformats.org/drawingml/2006/main" xmlns:r="http://schemas.openxmlformats.org/officeDocument/2006/relationships" xmlns:p="http://schemas.openxmlformats.org/presentationml/2006/main">
   <p:cSld>
     <p:spTree>
@@ -43267,8 +43650,16 @@
               <a:rPr lang="en-US" dirty="0" smtClean="0"/>
             </a:br>
             <a:r>
+              <a:rPr lang="zh-CN" altLang="en-US" dirty="0" smtClean="0"/>
+              <a:t>建设</a:t>
+            </a:r>
+            <a:r>
               <a:rPr lang="en-US" dirty="0" smtClean="0"/>
-              <a:t>Hadoop Data Lake challenges</a:t>
+              <a:t>Hadoop</a:t>
+            </a:r>
+            <a:r>
+              <a:rPr lang="zh-CN" altLang="en-US" dirty="0" smtClean="0"/>
+              <a:t>数据湖所面临的挑战</a:t>
             </a:r>
             <a:endParaRPr lang="en-US" dirty="0"/>
           </a:p>
@@ -43498,6 +43889,54 @@
               <a:buChar char="§"/>
             </a:pPr>
             <a:r>
+              <a:rPr lang="zh-CN" altLang="en-US" sz="1700" dirty="0" smtClean="0">
+                <a:solidFill>
+                  <a:schemeClr val="tx1">
+                    <a:lumMod val="50000"/>
+                  </a:schemeClr>
+                </a:solidFill>
+              </a:rPr>
+              <a:t>技术上需要极度依赖有经验的软件工程师</a:t>
+            </a:r>
+            <a:endParaRPr lang="en-US" altLang="zh-CN" sz="1700" dirty="0" smtClean="0">
+              <a:solidFill>
+                <a:schemeClr val="tx1">
+                  <a:lumMod val="50000"/>
+                </a:schemeClr>
+              </a:solidFill>
+            </a:endParaRPr>
+          </a:p>
+          <a:p>
+            <a:pPr>
+              <a:lnSpc>
+                <a:spcPct val="150000"/>
+              </a:lnSpc>
+              <a:buClr>
+                <a:schemeClr val="accent1"/>
+              </a:buClr>
+              <a:buFont typeface="Wingdings" charset="2"/>
+              <a:buChar char="§"/>
+            </a:pPr>
+            <a:endParaRPr lang="en-US" sz="1700" dirty="0" smtClean="0">
+              <a:solidFill>
+                <a:schemeClr val="tx1">
+                  <a:lumMod val="50000"/>
+                </a:schemeClr>
+              </a:solidFill>
+            </a:endParaRPr>
+          </a:p>
+          <a:p>
+            <a:pPr>
+              <a:lnSpc>
+                <a:spcPct val="150000"/>
+              </a:lnSpc>
+              <a:buClr>
+                <a:schemeClr val="accent1"/>
+              </a:buClr>
+              <a:buFont typeface="Wingdings" charset="2"/>
+              <a:buChar char="§"/>
+            </a:pPr>
+            <a:r>
               <a:rPr lang="en-US" sz="1700" dirty="0" smtClean="0">
                 <a:solidFill>
                   <a:schemeClr val="tx1">
@@ -43505,7 +43944,17 @@
                   </a:schemeClr>
                 </a:solidFill>
               </a:rPr>
-              <a:t>Technology relies heavily on skilled software engineers</a:t>
+              <a:t>Technology </a:t>
+            </a:r>
+            <a:r>
+              <a:rPr lang="en-US" sz="1700" dirty="0" smtClean="0">
+                <a:solidFill>
+                  <a:schemeClr val="tx1">
+                    <a:lumMod val="50000"/>
+                  </a:schemeClr>
+                </a:solidFill>
+              </a:rPr>
+              <a:t>relies heavily on skilled software engineers</a:t>
             </a:r>
           </a:p>
           <a:p>
@@ -55266,16 +55715,16 @@
           </a:lstStyle>
           <a:p>
             <a:r>
-              <a:rPr lang="en-US" dirty="0" smtClean="0"/>
-              <a:t>Kylo Data </a:t>
-            </a:r>
-            <a:r>
-              <a:rPr lang="en-US" dirty="0"/>
-              <a:t>Lake Foundation </a:t>
+              <a:rPr lang="en-US" dirty="0" err="1" smtClean="0"/>
+              <a:t>Kylo</a:t>
             </a:r>
             <a:r>
               <a:rPr lang="en-US" dirty="0" smtClean="0"/>
-              <a:t>Framework</a:t>
+              <a:t> </a:t>
+            </a:r>
+            <a:r>
+              <a:rPr lang="zh-CN" altLang="en-US" dirty="0" smtClean="0"/>
+              <a:t>数据湖基础框架</a:t>
             </a:r>
             <a:endParaRPr lang="en-US" dirty="0"/>
           </a:p>

--- a/slides/Kylo配置与使用.pptx
+++ b/slides/Kylo配置与使用.pptx
@@ -5,10 +5,10 @@
     <p:sldMasterId id="2147483648" r:id="rId1"/>
   </p:sldMasterIdLst>
   <p:notesMasterIdLst>
-    <p:notesMasterId r:id="rId23"/>
+    <p:notesMasterId r:id="rId22"/>
   </p:notesMasterIdLst>
   <p:handoutMasterIdLst>
-    <p:handoutMasterId r:id="rId24"/>
+    <p:handoutMasterId r:id="rId23"/>
   </p:handoutMasterIdLst>
   <p:sldIdLst>
     <p:sldId id="376" r:id="rId2"/>
@@ -17,21 +17,20 @@
     <p:sldId id="382" r:id="rId5"/>
     <p:sldId id="384" r:id="rId6"/>
     <p:sldId id="385" r:id="rId7"/>
-    <p:sldId id="386" r:id="rId8"/>
-    <p:sldId id="387" r:id="rId9"/>
-    <p:sldId id="388" r:id="rId10"/>
-    <p:sldId id="389" r:id="rId11"/>
-    <p:sldId id="390" r:id="rId12"/>
-    <p:sldId id="377" r:id="rId13"/>
-    <p:sldId id="391" r:id="rId14"/>
-    <p:sldId id="392" r:id="rId15"/>
-    <p:sldId id="393" r:id="rId16"/>
-    <p:sldId id="394" r:id="rId17"/>
-    <p:sldId id="396" r:id="rId18"/>
-    <p:sldId id="379" r:id="rId19"/>
-    <p:sldId id="395" r:id="rId20"/>
-    <p:sldId id="364" r:id="rId21"/>
-    <p:sldId id="276" r:id="rId22"/>
+    <p:sldId id="387" r:id="rId8"/>
+    <p:sldId id="388" r:id="rId9"/>
+    <p:sldId id="389" r:id="rId10"/>
+    <p:sldId id="390" r:id="rId11"/>
+    <p:sldId id="377" r:id="rId12"/>
+    <p:sldId id="391" r:id="rId13"/>
+    <p:sldId id="392" r:id="rId14"/>
+    <p:sldId id="393" r:id="rId15"/>
+    <p:sldId id="394" r:id="rId16"/>
+    <p:sldId id="396" r:id="rId17"/>
+    <p:sldId id="379" r:id="rId18"/>
+    <p:sldId id="395" r:id="rId19"/>
+    <p:sldId id="364" r:id="rId20"/>
+    <p:sldId id="276" r:id="rId21"/>
   </p:sldIdLst>
   <p:sldSz cx="9144000" cy="5143500" type="screen16x9"/>
   <p:notesSz cx="6858000" cy="9144000"/>
@@ -37454,1159 +37453,6 @@
           <a:chExt cx="0" cy="0"/>
         </a:xfrm>
       </p:grpSpPr>
-      <p:grpSp>
-        <p:nvGrpSpPr>
-          <p:cNvPr id="4" name="Group 3"/>
-          <p:cNvGrpSpPr/>
-          <p:nvPr/>
-        </p:nvGrpSpPr>
-        <p:grpSpPr>
-          <a:xfrm>
-            <a:off x="972181" y="749019"/>
-            <a:ext cx="6253315" cy="4243755"/>
-            <a:chOff x="972181" y="749019"/>
-            <a:chExt cx="6253315" cy="4243755"/>
-          </a:xfrm>
-        </p:grpSpPr>
-        <p:pic>
-          <p:nvPicPr>
-            <p:cNvPr id="30" name="Picture 29" descr="Screen Shot 2016-06-27 at 1.49.51 PM.png"/>
-            <p:cNvPicPr>
-              <a:picLocks noChangeAspect="1"/>
-            </p:cNvPicPr>
-            <p:nvPr/>
-          </p:nvPicPr>
-          <p:blipFill>
-            <a:blip r:embed="rId3">
-              <a:extLst>
-                <a:ext uri="{28A0092B-C50C-407E-A947-70E740481C1C}">
-                  <a14:useLocalDpi xmlns:a14="http://schemas.microsoft.com/office/drawing/2010/main" val="0"/>
-                </a:ext>
-              </a:extLst>
-            </a:blip>
-            <a:stretch>
-              <a:fillRect/>
-            </a:stretch>
-          </p:blipFill>
-          <p:spPr>
-            <a:xfrm>
-              <a:off x="972181" y="749019"/>
-              <a:ext cx="6253315" cy="4243755"/>
-            </a:xfrm>
-            <a:prstGeom prst="rect">
-              <a:avLst/>
-            </a:prstGeom>
-          </p:spPr>
-        </p:pic>
-        <p:pic>
-          <p:nvPicPr>
-            <p:cNvPr id="38" name="Picture 4" descr="Microsoft Azure Logo.svg"/>
-            <p:cNvPicPr>
-              <a:picLocks noChangeAspect="1" noChangeArrowheads="1"/>
-            </p:cNvPicPr>
-            <p:nvPr/>
-          </p:nvPicPr>
-          <p:blipFill>
-            <a:blip r:embed="rId4">
-              <a:extLst>
-                <a:ext uri="{28A0092B-C50C-407E-A947-70E740481C1C}">
-                  <a14:useLocalDpi xmlns:a14="http://schemas.microsoft.com/office/drawing/2010/main" val="0"/>
-                </a:ext>
-              </a:extLst>
-            </a:blip>
-            <a:srcRect/>
-            <a:stretch>
-              <a:fillRect/>
-            </a:stretch>
-          </p:blipFill>
-          <p:spPr bwMode="auto">
-            <a:xfrm>
-              <a:off x="3414574" y="4318141"/>
-              <a:ext cx="1198110" cy="143773"/>
-            </a:xfrm>
-            <a:prstGeom prst="rect">
-              <a:avLst/>
-            </a:prstGeom>
-            <a:noFill/>
-            <a:extLst>
-              <a:ext uri="{909E8E84-426E-40DD-AFC4-6F175D3DCCD1}">
-                <a14:hiddenFill xmlns:a14="http://schemas.microsoft.com/office/drawing/2010/main">
-                  <a:solidFill>
-                    <a:srgbClr val="FFFFFF"/>
-                  </a:solidFill>
-                </a14:hiddenFill>
-              </a:ext>
-            </a:extLst>
-          </p:spPr>
-        </p:pic>
-      </p:grpSp>
-      <p:sp>
-        <p:nvSpPr>
-          <p:cNvPr id="2" name="Rectangle 1"/>
-          <p:cNvSpPr/>
-          <p:nvPr/>
-        </p:nvSpPr>
-        <p:spPr>
-          <a:xfrm>
-            <a:off x="7369175" y="1741753"/>
-            <a:ext cx="1634067" cy="685800"/>
-          </a:xfrm>
-          <a:prstGeom prst="rect">
-            <a:avLst/>
-          </a:prstGeom>
-          <a:solidFill>
-            <a:srgbClr val="1F5689"/>
-          </a:solidFill>
-          <a:ln w="9525">
-            <a:noFill/>
-            <a:miter lim="800000"/>
-            <a:headEnd/>
-            <a:tailEnd/>
-          </a:ln>
-          <a:effectLst/>
-        </p:spPr>
-        <p:txBody>
-          <a:bodyPr wrap="square" tIns="91440" bIns="91440" rtlCol="0" anchor="t">
-            <a:prstTxWarp prst="textNoShape">
-              <a:avLst/>
-            </a:prstTxWarp>
-            <a:noAutofit/>
-          </a:bodyPr>
-          <a:lstStyle/>
-          <a:p>
-            <a:pPr algn="ctr"/>
-            <a:endParaRPr lang="en-US" kern="0" dirty="0" err="1" smtClean="0">
-              <a:solidFill>
-                <a:prstClr val="white"/>
-              </a:solidFill>
-            </a:endParaRPr>
-          </a:p>
-        </p:txBody>
-      </p:sp>
-      <p:sp>
-        <p:nvSpPr>
-          <p:cNvPr id="3" name="TextBox 2"/>
-          <p:cNvSpPr txBox="1"/>
-          <p:nvPr/>
-        </p:nvSpPr>
-        <p:spPr>
-          <a:xfrm>
-            <a:off x="7383992" y="1748868"/>
-            <a:ext cx="1600200" cy="664156"/>
-          </a:xfrm>
-          <a:prstGeom prst="rect">
-            <a:avLst/>
-          </a:prstGeom>
-          <a:solidFill>
-            <a:schemeClr val="bg1"/>
-          </a:solidFill>
-          <a:ln>
-            <a:solidFill>
-              <a:schemeClr val="tx1"/>
-            </a:solidFill>
-          </a:ln>
-        </p:spPr>
-        <p:txBody>
-          <a:bodyPr wrap="square" rtlCol="0">
-            <a:spAutoFit/>
-          </a:bodyPr>
-          <a:lstStyle/>
-          <a:p>
-            <a:pPr>
-              <a:lnSpc>
-                <a:spcPct val="95000"/>
-              </a:lnSpc>
-              <a:spcBef>
-                <a:spcPts val="400"/>
-              </a:spcBef>
-            </a:pPr>
-            <a:r>
-              <a:rPr lang="en-US" sz="1300" dirty="0" smtClean="0">
-                <a:solidFill>
-                  <a:srgbClr val="231F20"/>
-                </a:solidFill>
-              </a:rPr>
-              <a:t>features tailored to organizational users</a:t>
-            </a:r>
-            <a:endParaRPr lang="en-US" sz="1300" dirty="0">
-              <a:solidFill>
-                <a:srgbClr val="231F20"/>
-              </a:solidFill>
-            </a:endParaRPr>
-          </a:p>
-        </p:txBody>
-      </p:sp>
-      <p:cxnSp>
-        <p:nvCxnSpPr>
-          <p:cNvPr id="7" name="Straight Connector 6"/>
-          <p:cNvCxnSpPr/>
-          <p:nvPr/>
-        </p:nvCxnSpPr>
-        <p:spPr>
-          <a:xfrm flipH="1" flipV="1">
-            <a:off x="7841442" y="1233460"/>
-            <a:ext cx="350058" cy="504061"/>
-          </a:xfrm>
-          <a:prstGeom prst="line">
-            <a:avLst/>
-          </a:prstGeom>
-          <a:ln w="12700">
-            <a:solidFill>
-              <a:srgbClr val="4876AD"/>
-            </a:solidFill>
-          </a:ln>
-        </p:spPr>
-        <p:style>
-          <a:lnRef idx="1">
-            <a:schemeClr val="accent1"/>
-          </a:lnRef>
-          <a:fillRef idx="0">
-            <a:schemeClr val="accent1"/>
-          </a:fillRef>
-          <a:effectRef idx="0">
-            <a:schemeClr val="accent1"/>
-          </a:effectRef>
-          <a:fontRef idx="minor">
-            <a:schemeClr val="tx1"/>
-          </a:fontRef>
-        </p:style>
-      </p:cxnSp>
-      <p:cxnSp>
-        <p:nvCxnSpPr>
-          <p:cNvPr id="15" name="Straight Connector 14"/>
-          <p:cNvCxnSpPr/>
-          <p:nvPr/>
-        </p:nvCxnSpPr>
-        <p:spPr>
-          <a:xfrm flipH="1">
-            <a:off x="7184308" y="1233460"/>
-            <a:ext cx="667560" cy="0"/>
-          </a:xfrm>
-          <a:prstGeom prst="line">
-            <a:avLst/>
-          </a:prstGeom>
-          <a:ln w="12700">
-            <a:solidFill>
-              <a:srgbClr val="4876AD"/>
-            </a:solidFill>
-          </a:ln>
-        </p:spPr>
-        <p:style>
-          <a:lnRef idx="1">
-            <a:schemeClr val="accent1"/>
-          </a:lnRef>
-          <a:fillRef idx="0">
-            <a:schemeClr val="accent1"/>
-          </a:fillRef>
-          <a:effectRef idx="0">
-            <a:schemeClr val="accent1"/>
-          </a:effectRef>
-          <a:fontRef idx="minor">
-            <a:schemeClr val="tx1"/>
-          </a:fontRef>
-        </p:style>
-      </p:cxnSp>
-      <p:cxnSp>
-        <p:nvCxnSpPr>
-          <p:cNvPr id="21" name="Straight Connector 20"/>
-          <p:cNvCxnSpPr/>
-          <p:nvPr/>
-        </p:nvCxnSpPr>
-        <p:spPr>
-          <a:xfrm flipH="1" flipV="1">
-            <a:off x="7085792" y="2697140"/>
-            <a:ext cx="305608" cy="384170"/>
-          </a:xfrm>
-          <a:prstGeom prst="line">
-            <a:avLst/>
-          </a:prstGeom>
-          <a:ln w="12700">
-            <a:solidFill>
-              <a:srgbClr val="4876AD"/>
-            </a:solidFill>
-          </a:ln>
-        </p:spPr>
-        <p:style>
-          <a:lnRef idx="1">
-            <a:schemeClr val="accent1"/>
-          </a:lnRef>
-          <a:fillRef idx="0">
-            <a:schemeClr val="accent1"/>
-          </a:fillRef>
-          <a:effectRef idx="0">
-            <a:schemeClr val="accent1"/>
-          </a:effectRef>
-          <a:fontRef idx="minor">
-            <a:schemeClr val="tx1"/>
-          </a:fontRef>
-        </p:style>
-      </p:cxnSp>
-      <p:cxnSp>
-        <p:nvCxnSpPr>
-          <p:cNvPr id="22" name="Straight Connector 21"/>
-          <p:cNvCxnSpPr/>
-          <p:nvPr/>
-        </p:nvCxnSpPr>
-        <p:spPr>
-          <a:xfrm flipH="1">
-            <a:off x="6417733" y="2697138"/>
-            <a:ext cx="678485" cy="0"/>
-          </a:xfrm>
-          <a:prstGeom prst="line">
-            <a:avLst/>
-          </a:prstGeom>
-          <a:ln w="12700">
-            <a:solidFill>
-              <a:srgbClr val="4876AD"/>
-            </a:solidFill>
-          </a:ln>
-        </p:spPr>
-        <p:style>
-          <a:lnRef idx="1">
-            <a:schemeClr val="accent1"/>
-          </a:lnRef>
-          <a:fillRef idx="0">
-            <a:schemeClr val="accent1"/>
-          </a:fillRef>
-          <a:effectRef idx="0">
-            <a:schemeClr val="accent1"/>
-          </a:effectRef>
-          <a:fontRef idx="minor">
-            <a:schemeClr val="tx1"/>
-          </a:fontRef>
-        </p:style>
-      </p:cxnSp>
-      <p:sp>
-        <p:nvSpPr>
-          <p:cNvPr id="26" name="TextBox 25"/>
-          <p:cNvSpPr txBox="1"/>
-          <p:nvPr/>
-        </p:nvSpPr>
-        <p:spPr>
-          <a:xfrm>
-            <a:off x="7404100" y="2641846"/>
-            <a:ext cx="1600200" cy="912814"/>
-          </a:xfrm>
-          <a:prstGeom prst="rect">
-            <a:avLst/>
-          </a:prstGeom>
-          <a:solidFill>
-            <a:schemeClr val="bg1"/>
-          </a:solidFill>
-          <a:ln>
-            <a:solidFill>
-              <a:schemeClr val="tx1"/>
-            </a:solidFill>
-          </a:ln>
-        </p:spPr>
-        <p:txBody>
-          <a:bodyPr wrap="square" rtlCol="0">
-            <a:spAutoFit/>
-          </a:bodyPr>
-          <a:lstStyle/>
-          <a:p>
-            <a:pPr>
-              <a:lnSpc>
-                <a:spcPct val="95000"/>
-              </a:lnSpc>
-              <a:spcBef>
-                <a:spcPts val="400"/>
-              </a:spcBef>
-            </a:pPr>
-            <a:r>
-              <a:rPr lang="en-US" sz="1400" dirty="0" smtClean="0">
-                <a:solidFill>
-                  <a:srgbClr val="231F20"/>
-                </a:solidFill>
-              </a:rPr>
-              <a:t>visual pipeline development</a:t>
-            </a:r>
-            <a:endParaRPr lang="en-US" sz="1400" dirty="0">
-              <a:solidFill>
-                <a:srgbClr val="231F20"/>
-              </a:solidFill>
-            </a:endParaRPr>
-          </a:p>
-          <a:p>
-            <a:pPr>
-              <a:lnSpc>
-                <a:spcPct val="95000"/>
-              </a:lnSpc>
-            </a:pPr>
-            <a:r>
-              <a:rPr lang="en-US" sz="1400" dirty="0" smtClean="0">
-                <a:solidFill>
-                  <a:srgbClr val="231F20"/>
-                </a:solidFill>
-              </a:rPr>
-              <a:t>streaming or batch feeds</a:t>
-            </a:r>
-            <a:endParaRPr lang="en-US" sz="1400" dirty="0">
-              <a:solidFill>
-                <a:srgbClr val="231F20"/>
-              </a:solidFill>
-            </a:endParaRPr>
-          </a:p>
-        </p:txBody>
-      </p:sp>
-      <p:sp>
-        <p:nvSpPr>
-          <p:cNvPr id="28" name="TextBox 27"/>
-          <p:cNvSpPr txBox="1"/>
-          <p:nvPr/>
-        </p:nvSpPr>
-        <p:spPr>
-          <a:xfrm>
-            <a:off x="6949578" y="3794903"/>
-            <a:ext cx="1600200" cy="708143"/>
-          </a:xfrm>
-          <a:prstGeom prst="rect">
-            <a:avLst/>
-          </a:prstGeom>
-          <a:solidFill>
-            <a:schemeClr val="bg1"/>
-          </a:solidFill>
-          <a:ln>
-            <a:solidFill>
-              <a:schemeClr val="tx1"/>
-            </a:solidFill>
-          </a:ln>
-        </p:spPr>
-        <p:txBody>
-          <a:bodyPr wrap="square" rtlCol="0">
-            <a:spAutoFit/>
-          </a:bodyPr>
-          <a:lstStyle/>
-          <a:p>
-            <a:pPr>
-              <a:lnSpc>
-                <a:spcPct val="95000"/>
-              </a:lnSpc>
-              <a:spcBef>
-                <a:spcPts val="400"/>
-              </a:spcBef>
-            </a:pPr>
-            <a:r>
-              <a:rPr lang="en-US" sz="1400" dirty="0" smtClean="0">
-                <a:solidFill>
-                  <a:srgbClr val="231F20"/>
-                </a:solidFill>
-              </a:rPr>
-              <a:t>scalable, </a:t>
-            </a:r>
-            <a:br>
-              <a:rPr lang="en-US" sz="1400" dirty="0" smtClean="0">
-                <a:solidFill>
-                  <a:srgbClr val="231F20"/>
-                </a:solidFill>
-              </a:rPr>
-            </a:br>
-            <a:r>
-              <a:rPr lang="en-US" sz="1400" dirty="0" smtClean="0">
-                <a:solidFill>
-                  <a:srgbClr val="231F20"/>
-                </a:solidFill>
-              </a:rPr>
-              <a:t>open-source architecture</a:t>
-            </a:r>
-            <a:endParaRPr lang="en-US" sz="1400" dirty="0">
-              <a:solidFill>
-                <a:srgbClr val="231F20"/>
-              </a:solidFill>
-            </a:endParaRPr>
-          </a:p>
-        </p:txBody>
-      </p:sp>
-      <p:cxnSp>
-        <p:nvCxnSpPr>
-          <p:cNvPr id="29" name="Straight Connector 28"/>
-          <p:cNvCxnSpPr/>
-          <p:nvPr/>
-        </p:nvCxnSpPr>
-        <p:spPr>
-          <a:xfrm flipH="1" flipV="1">
-            <a:off x="6921188" y="3611902"/>
-            <a:ext cx="350058" cy="183001"/>
-          </a:xfrm>
-          <a:prstGeom prst="line">
-            <a:avLst/>
-          </a:prstGeom>
-          <a:ln w="12700">
-            <a:solidFill>
-              <a:srgbClr val="4876AD"/>
-            </a:solidFill>
-          </a:ln>
-        </p:spPr>
-        <p:style>
-          <a:lnRef idx="1">
-            <a:schemeClr val="accent1"/>
-          </a:lnRef>
-          <a:fillRef idx="0">
-            <a:schemeClr val="accent1"/>
-          </a:fillRef>
-          <a:effectRef idx="0">
-            <a:schemeClr val="accent1"/>
-          </a:effectRef>
-          <a:fontRef idx="minor">
-            <a:schemeClr val="tx1"/>
-          </a:fontRef>
-        </p:style>
-      </p:cxnSp>
-      <p:cxnSp>
-        <p:nvCxnSpPr>
-          <p:cNvPr id="31" name="Straight Connector 30"/>
-          <p:cNvCxnSpPr/>
-          <p:nvPr/>
-        </p:nvCxnSpPr>
-        <p:spPr>
-          <a:xfrm flipH="1">
-            <a:off x="6239933" y="3611900"/>
-            <a:ext cx="691681" cy="0"/>
-          </a:xfrm>
-          <a:prstGeom prst="line">
-            <a:avLst/>
-          </a:prstGeom>
-          <a:ln w="12700">
-            <a:solidFill>
-              <a:srgbClr val="4876AD"/>
-            </a:solidFill>
-          </a:ln>
-        </p:spPr>
-        <p:style>
-          <a:lnRef idx="1">
-            <a:schemeClr val="accent1"/>
-          </a:lnRef>
-          <a:fillRef idx="0">
-            <a:schemeClr val="accent1"/>
-          </a:fillRef>
-          <a:effectRef idx="0">
-            <a:schemeClr val="accent1"/>
-          </a:effectRef>
-          <a:fontRef idx="minor">
-            <a:schemeClr val="tx1"/>
-          </a:fontRef>
-        </p:style>
-      </p:cxnSp>
-      <p:cxnSp>
-        <p:nvCxnSpPr>
-          <p:cNvPr id="40" name="Straight Connector 39"/>
-          <p:cNvCxnSpPr/>
-          <p:nvPr/>
-        </p:nvCxnSpPr>
-        <p:spPr>
-          <a:xfrm flipV="1">
-            <a:off x="952504" y="2638929"/>
-            <a:ext cx="452694" cy="203493"/>
-          </a:xfrm>
-          <a:prstGeom prst="line">
-            <a:avLst/>
-          </a:prstGeom>
-          <a:ln w="12700">
-            <a:solidFill>
-              <a:srgbClr val="4876AD"/>
-            </a:solidFill>
-          </a:ln>
-        </p:spPr>
-        <p:style>
-          <a:lnRef idx="1">
-            <a:schemeClr val="accent1"/>
-          </a:lnRef>
-          <a:fillRef idx="0">
-            <a:schemeClr val="accent1"/>
-          </a:fillRef>
-          <a:effectRef idx="0">
-            <a:schemeClr val="accent1"/>
-          </a:effectRef>
-          <a:fontRef idx="minor">
-            <a:schemeClr val="tx1"/>
-          </a:fontRef>
-        </p:style>
-      </p:cxnSp>
-      <p:cxnSp>
-        <p:nvCxnSpPr>
-          <p:cNvPr id="41" name="Straight Connector 40"/>
-          <p:cNvCxnSpPr/>
-          <p:nvPr/>
-        </p:nvCxnSpPr>
-        <p:spPr>
-          <a:xfrm flipH="1">
-            <a:off x="1405198" y="2638929"/>
-            <a:ext cx="360106" cy="0"/>
-          </a:xfrm>
-          <a:prstGeom prst="line">
-            <a:avLst/>
-          </a:prstGeom>
-          <a:ln w="12700">
-            <a:solidFill>
-              <a:srgbClr val="4876AD"/>
-            </a:solidFill>
-          </a:ln>
-        </p:spPr>
-        <p:style>
-          <a:lnRef idx="1">
-            <a:schemeClr val="accent1"/>
-          </a:lnRef>
-          <a:fillRef idx="0">
-            <a:schemeClr val="accent1"/>
-          </a:fillRef>
-          <a:effectRef idx="0">
-            <a:schemeClr val="accent1"/>
-          </a:effectRef>
-          <a:fontRef idx="minor">
-            <a:schemeClr val="tx1"/>
-          </a:fontRef>
-        </p:style>
-      </p:cxnSp>
-      <p:sp>
-        <p:nvSpPr>
-          <p:cNvPr id="42" name="Rectangle 41"/>
-          <p:cNvSpPr/>
-          <p:nvPr/>
-        </p:nvSpPr>
-        <p:spPr>
-          <a:xfrm>
-            <a:off x="171454" y="2836367"/>
-            <a:ext cx="1485900" cy="497093"/>
-          </a:xfrm>
-          <a:prstGeom prst="rect">
-            <a:avLst/>
-          </a:prstGeom>
-          <a:solidFill>
-            <a:srgbClr val="1F5689"/>
-          </a:solidFill>
-          <a:ln w="9525">
-            <a:noFill/>
-            <a:miter lim="800000"/>
-            <a:headEnd/>
-            <a:tailEnd/>
-          </a:ln>
-          <a:effectLst/>
-        </p:spPr>
-        <p:txBody>
-          <a:bodyPr wrap="square" tIns="91440" bIns="91440" rtlCol="0" anchor="t">
-            <a:prstTxWarp prst="textNoShape">
-              <a:avLst/>
-            </a:prstTxWarp>
-            <a:noAutofit/>
-          </a:bodyPr>
-          <a:lstStyle/>
-          <a:p>
-            <a:pPr algn="ctr"/>
-            <a:endParaRPr lang="en-US" kern="0" dirty="0" err="1" smtClean="0">
-              <a:solidFill>
-                <a:prstClr val="white"/>
-              </a:solidFill>
-            </a:endParaRPr>
-          </a:p>
-        </p:txBody>
-      </p:sp>
-      <p:sp>
-        <p:nvSpPr>
-          <p:cNvPr id="43" name="TextBox 42"/>
-          <p:cNvSpPr txBox="1"/>
-          <p:nvPr/>
-        </p:nvSpPr>
-        <p:spPr>
-          <a:xfrm>
-            <a:off x="182037" y="2842422"/>
-            <a:ext cx="1460500" cy="474104"/>
-          </a:xfrm>
-          <a:prstGeom prst="rect">
-            <a:avLst/>
-          </a:prstGeom>
-          <a:solidFill>
-            <a:schemeClr val="bg1"/>
-          </a:solidFill>
-          <a:ln>
-            <a:solidFill>
-              <a:schemeClr val="tx1"/>
-            </a:solidFill>
-          </a:ln>
-        </p:spPr>
-        <p:txBody>
-          <a:bodyPr wrap="square" rtlCol="0">
-            <a:spAutoFit/>
-          </a:bodyPr>
-          <a:lstStyle/>
-          <a:p>
-            <a:pPr>
-              <a:lnSpc>
-                <a:spcPct val="95000"/>
-              </a:lnSpc>
-              <a:spcBef>
-                <a:spcPts val="400"/>
-              </a:spcBef>
-            </a:pPr>
-            <a:r>
-              <a:rPr lang="en-US" sz="1300" dirty="0" smtClean="0">
-                <a:solidFill>
-                  <a:srgbClr val="231F20"/>
-                </a:solidFill>
-              </a:rPr>
-              <a:t>integrated best practices</a:t>
-            </a:r>
-            <a:endParaRPr lang="en-US" sz="1300" dirty="0">
-              <a:solidFill>
-                <a:srgbClr val="231F20"/>
-              </a:solidFill>
-            </a:endParaRPr>
-          </a:p>
-        </p:txBody>
-      </p:sp>
-      <p:cxnSp>
-        <p:nvCxnSpPr>
-          <p:cNvPr id="45" name="Straight Connector 44"/>
-          <p:cNvCxnSpPr/>
-          <p:nvPr/>
-        </p:nvCxnSpPr>
-        <p:spPr>
-          <a:xfrm flipV="1">
-            <a:off x="1163897" y="3703428"/>
-            <a:ext cx="452693" cy="262762"/>
-          </a:xfrm>
-          <a:prstGeom prst="line">
-            <a:avLst/>
-          </a:prstGeom>
-          <a:ln w="12700">
-            <a:solidFill>
-              <a:srgbClr val="4876AD"/>
-            </a:solidFill>
-          </a:ln>
-        </p:spPr>
-        <p:style>
-          <a:lnRef idx="1">
-            <a:schemeClr val="accent1"/>
-          </a:lnRef>
-          <a:fillRef idx="0">
-            <a:schemeClr val="accent1"/>
-          </a:fillRef>
-          <a:effectRef idx="0">
-            <a:schemeClr val="accent1"/>
-          </a:effectRef>
-          <a:fontRef idx="minor">
-            <a:schemeClr val="tx1"/>
-          </a:fontRef>
-        </p:style>
-      </p:cxnSp>
-      <p:cxnSp>
-        <p:nvCxnSpPr>
-          <p:cNvPr id="46" name="Straight Connector 45"/>
-          <p:cNvCxnSpPr/>
-          <p:nvPr/>
-        </p:nvCxnSpPr>
-        <p:spPr>
-          <a:xfrm flipH="1">
-            <a:off x="1616591" y="3683638"/>
-            <a:ext cx="320163" cy="19790"/>
-          </a:xfrm>
-          <a:prstGeom prst="line">
-            <a:avLst/>
-          </a:prstGeom>
-          <a:ln w="12700">
-            <a:solidFill>
-              <a:srgbClr val="4876AD"/>
-            </a:solidFill>
-          </a:ln>
-        </p:spPr>
-        <p:style>
-          <a:lnRef idx="1">
-            <a:schemeClr val="accent1"/>
-          </a:lnRef>
-          <a:fillRef idx="0">
-            <a:schemeClr val="accent1"/>
-          </a:fillRef>
-          <a:effectRef idx="0">
-            <a:schemeClr val="accent1"/>
-          </a:effectRef>
-          <a:fontRef idx="minor">
-            <a:schemeClr val="tx1"/>
-          </a:fontRef>
-        </p:style>
-      </p:cxnSp>
-      <p:sp>
-        <p:nvSpPr>
-          <p:cNvPr id="47" name="Rectangle 46"/>
-          <p:cNvSpPr/>
-          <p:nvPr/>
-        </p:nvSpPr>
-        <p:spPr>
-          <a:xfrm>
-            <a:off x="389197" y="3917801"/>
-            <a:ext cx="1485900" cy="301752"/>
-          </a:xfrm>
-          <a:prstGeom prst="rect">
-            <a:avLst/>
-          </a:prstGeom>
-          <a:solidFill>
-            <a:srgbClr val="1F5689"/>
-          </a:solidFill>
-          <a:ln w="9525">
-            <a:noFill/>
-            <a:miter lim="800000"/>
-            <a:headEnd/>
-            <a:tailEnd/>
-          </a:ln>
-          <a:effectLst/>
-        </p:spPr>
-        <p:txBody>
-          <a:bodyPr wrap="square" tIns="91440" bIns="91440" rtlCol="0" anchor="t">
-            <a:prstTxWarp prst="textNoShape">
-              <a:avLst/>
-            </a:prstTxWarp>
-            <a:noAutofit/>
-          </a:bodyPr>
-          <a:lstStyle/>
-          <a:p>
-            <a:pPr algn="ctr"/>
-            <a:endParaRPr lang="en-US" kern="0" dirty="0" err="1" smtClean="0">
-              <a:solidFill>
-                <a:prstClr val="white"/>
-              </a:solidFill>
-            </a:endParaRPr>
-          </a:p>
-        </p:txBody>
-      </p:sp>
-      <p:sp>
-        <p:nvSpPr>
-          <p:cNvPr id="48" name="TextBox 47"/>
-          <p:cNvSpPr txBox="1"/>
-          <p:nvPr/>
-        </p:nvSpPr>
-        <p:spPr>
-          <a:xfrm>
-            <a:off x="401897" y="3925973"/>
-            <a:ext cx="1460500" cy="284052"/>
-          </a:xfrm>
-          <a:prstGeom prst="rect">
-            <a:avLst/>
-          </a:prstGeom>
-          <a:solidFill>
-            <a:schemeClr val="bg1"/>
-          </a:solidFill>
-        </p:spPr>
-        <p:txBody>
-          <a:bodyPr wrap="square" rtlCol="0">
-            <a:spAutoFit/>
-          </a:bodyPr>
-          <a:lstStyle/>
-          <a:p>
-            <a:pPr>
-              <a:lnSpc>
-                <a:spcPct val="95000"/>
-              </a:lnSpc>
-              <a:spcBef>
-                <a:spcPts val="400"/>
-              </a:spcBef>
-            </a:pPr>
-            <a:r>
-              <a:rPr lang="en-US" sz="1300" dirty="0" smtClean="0">
-                <a:solidFill>
-                  <a:srgbClr val="231F20"/>
-                </a:solidFill>
-              </a:rPr>
-              <a:t>governance</a:t>
-            </a:r>
-          </a:p>
-        </p:txBody>
-      </p:sp>
-      <p:cxnSp>
-        <p:nvCxnSpPr>
-          <p:cNvPr id="8" name="Straight Connector 7"/>
-          <p:cNvCxnSpPr/>
-          <p:nvPr/>
-        </p:nvCxnSpPr>
-        <p:spPr>
-          <a:xfrm>
-            <a:off x="7482165" y="3098253"/>
-            <a:ext cx="1418167" cy="1055"/>
-          </a:xfrm>
-          <a:prstGeom prst="line">
-            <a:avLst/>
-          </a:prstGeom>
-          <a:ln w="12700">
-            <a:solidFill>
-              <a:schemeClr val="accent2"/>
-            </a:solidFill>
-          </a:ln>
-        </p:spPr>
-        <p:style>
-          <a:lnRef idx="1">
-            <a:schemeClr val="accent1"/>
-          </a:lnRef>
-          <a:fillRef idx="0">
-            <a:schemeClr val="accent1"/>
-          </a:fillRef>
-          <a:effectRef idx="0">
-            <a:schemeClr val="accent1"/>
-          </a:effectRef>
-          <a:fontRef idx="minor">
-            <a:schemeClr val="tx1"/>
-          </a:fontRef>
-        </p:style>
-      </p:cxnSp>
-      <p:cxnSp>
-        <p:nvCxnSpPr>
-          <p:cNvPr id="32" name="Straight Connector 31"/>
-          <p:cNvCxnSpPr/>
-          <p:nvPr/>
-        </p:nvCxnSpPr>
-        <p:spPr>
-          <a:xfrm flipV="1">
-            <a:off x="1284005" y="4419040"/>
-            <a:ext cx="357986" cy="123162"/>
-          </a:xfrm>
-          <a:prstGeom prst="line">
-            <a:avLst/>
-          </a:prstGeom>
-          <a:ln w="12700">
-            <a:solidFill>
-              <a:srgbClr val="4876AD"/>
-            </a:solidFill>
-          </a:ln>
-        </p:spPr>
-        <p:style>
-          <a:lnRef idx="1">
-            <a:schemeClr val="accent1"/>
-          </a:lnRef>
-          <a:fillRef idx="0">
-            <a:schemeClr val="accent1"/>
-          </a:fillRef>
-          <a:effectRef idx="0">
-            <a:schemeClr val="accent1"/>
-          </a:effectRef>
-          <a:fontRef idx="minor">
-            <a:schemeClr val="tx1"/>
-          </a:fontRef>
-        </p:style>
-      </p:cxnSp>
-      <p:cxnSp>
-        <p:nvCxnSpPr>
-          <p:cNvPr id="33" name="Straight Connector 32"/>
-          <p:cNvCxnSpPr/>
-          <p:nvPr/>
-        </p:nvCxnSpPr>
-        <p:spPr>
-          <a:xfrm flipH="1">
-            <a:off x="1642537" y="4419040"/>
-            <a:ext cx="838196" cy="0"/>
-          </a:xfrm>
-          <a:prstGeom prst="line">
-            <a:avLst/>
-          </a:prstGeom>
-          <a:ln w="12700">
-            <a:solidFill>
-              <a:srgbClr val="4876AD"/>
-            </a:solidFill>
-          </a:ln>
-        </p:spPr>
-        <p:style>
-          <a:lnRef idx="1">
-            <a:schemeClr val="accent1"/>
-          </a:lnRef>
-          <a:fillRef idx="0">
-            <a:schemeClr val="accent1"/>
-          </a:fillRef>
-          <a:effectRef idx="0">
-            <a:schemeClr val="accent1"/>
-          </a:effectRef>
-          <a:fontRef idx="minor">
-            <a:schemeClr val="tx1"/>
-          </a:fontRef>
-        </p:style>
-      </p:cxnSp>
-      <p:sp>
-        <p:nvSpPr>
-          <p:cNvPr id="34" name="Rectangle 33"/>
-          <p:cNvSpPr/>
-          <p:nvPr/>
-        </p:nvSpPr>
-        <p:spPr>
-          <a:xfrm>
-            <a:off x="182037" y="4493813"/>
-            <a:ext cx="2171695" cy="301752"/>
-          </a:xfrm>
-          <a:prstGeom prst="rect">
-            <a:avLst/>
-          </a:prstGeom>
-          <a:solidFill>
-            <a:srgbClr val="1F5689"/>
-          </a:solidFill>
-          <a:ln w="9525">
-            <a:noFill/>
-            <a:miter lim="800000"/>
-            <a:headEnd/>
-            <a:tailEnd/>
-          </a:ln>
-          <a:effectLst/>
-        </p:spPr>
-        <p:txBody>
-          <a:bodyPr wrap="square" tIns="91440" bIns="91440" rtlCol="0" anchor="t">
-            <a:prstTxWarp prst="textNoShape">
-              <a:avLst/>
-            </a:prstTxWarp>
-            <a:noAutofit/>
-          </a:bodyPr>
-          <a:lstStyle/>
-          <a:p>
-            <a:pPr algn="ctr"/>
-            <a:endParaRPr lang="en-US" kern="0" dirty="0" err="1" smtClean="0">
-              <a:solidFill>
-                <a:prstClr val="white"/>
-              </a:solidFill>
-            </a:endParaRPr>
-          </a:p>
-        </p:txBody>
-      </p:sp>
-      <p:sp>
-        <p:nvSpPr>
-          <p:cNvPr id="35" name="TextBox 34"/>
-          <p:cNvSpPr txBox="1"/>
-          <p:nvPr/>
-        </p:nvSpPr>
-        <p:spPr>
-          <a:xfrm>
-            <a:off x="190505" y="4503046"/>
-            <a:ext cx="2157710" cy="284052"/>
-          </a:xfrm>
-          <a:prstGeom prst="rect">
-            <a:avLst/>
-          </a:prstGeom>
-          <a:solidFill>
-            <a:schemeClr val="bg1"/>
-          </a:solidFill>
-          <a:ln>
-            <a:solidFill>
-              <a:schemeClr val="tx1"/>
-            </a:solidFill>
-          </a:ln>
-        </p:spPr>
-        <p:txBody>
-          <a:bodyPr wrap="square" rtlCol="0">
-            <a:spAutoFit/>
-          </a:bodyPr>
-          <a:lstStyle/>
-          <a:p>
-            <a:pPr>
-              <a:lnSpc>
-                <a:spcPct val="95000"/>
-              </a:lnSpc>
-              <a:spcBef>
-                <a:spcPts val="400"/>
-              </a:spcBef>
-            </a:pPr>
-            <a:r>
-              <a:rPr lang="en-US" sz="1300" dirty="0" smtClean="0">
-                <a:solidFill>
-                  <a:srgbClr val="231F20"/>
-                </a:solidFill>
-              </a:rPr>
-              <a:t>flexible deployment</a:t>
-            </a:r>
-          </a:p>
-        </p:txBody>
-      </p:sp>
-      <p:sp>
-        <p:nvSpPr>
-          <p:cNvPr id="36" name="Title 3"/>
-          <p:cNvSpPr txBox="1">
-            <a:spLocks/>
-          </p:cNvSpPr>
-          <p:nvPr/>
-        </p:nvSpPr>
-        <p:spPr bwMode="gray">
-          <a:xfrm>
-            <a:off x="306887" y="-131497"/>
-            <a:ext cx="8230965" cy="613818"/>
-          </a:xfrm>
-          <a:prstGeom prst="rect">
-            <a:avLst/>
-          </a:prstGeom>
-        </p:spPr>
-        <p:txBody>
-          <a:bodyPr vert="horz" lIns="0" tIns="0" rIns="0" bIns="0" rtlCol="0" anchor="b" anchorCtr="0">
-            <a:noAutofit/>
-          </a:bodyPr>
-          <a:lstStyle>
-            <a:lvl1pPr algn="l" defTabSz="914400" rtl="0" eaLnBrk="1" latinLnBrk="0" hangingPunct="1">
-              <a:lnSpc>
-                <a:spcPct val="95000"/>
-              </a:lnSpc>
-              <a:spcBef>
-                <a:spcPct val="0"/>
-              </a:spcBef>
-              <a:buNone/>
-              <a:defRPr sz="2200" b="0" kern="1200" baseline="0">
-                <a:solidFill>
-                  <a:schemeClr val="accent1"/>
-                </a:solidFill>
-                <a:latin typeface="+mj-lt"/>
-                <a:ea typeface="+mj-ea"/>
-                <a:cs typeface="+mj-cs"/>
-              </a:defRPr>
-            </a:lvl1pPr>
-          </a:lstStyle>
-          <a:p>
-            <a:r>
-              <a:rPr lang="en-US" dirty="0" err="1" smtClean="0"/>
-              <a:t>Kylo</a:t>
-            </a:r>
-            <a:r>
-              <a:rPr lang="en-US" dirty="0" smtClean="0"/>
-              <a:t> </a:t>
-            </a:r>
-            <a:r>
-              <a:rPr lang="zh-CN" altLang="en-US" dirty="0" smtClean="0"/>
-              <a:t>数据湖基础框架</a:t>
-            </a:r>
-            <a:endParaRPr lang="en-US" dirty="0"/>
-          </a:p>
-        </p:txBody>
-      </p:sp>
-    </p:spTree>
-    <p:extLst>
-      <p:ext uri="{BB962C8B-B14F-4D97-AF65-F5344CB8AC3E}">
-        <p14:creationId xmlns:p14="http://schemas.microsoft.com/office/powerpoint/2010/main" val="773613594"/>
-      </p:ext>
-    </p:extLst>
-  </p:cSld>
-  <p:clrMapOvr>
-    <a:masterClrMapping/>
-  </p:clrMapOvr>
-  <mc:AlternateContent xmlns:mc="http://schemas.openxmlformats.org/markup-compatibility/2006" xmlns:p14="http://schemas.microsoft.com/office/powerpoint/2010/main">
-    <mc:Choice Requires="p14">
-      <p:transition p14:dur="0"/>
-    </mc:Choice>
-    <mc:Fallback xmlns="">
-      <p:transition/>
-    </mc:Fallback>
-  </mc:AlternateContent>
-  <p:timing>
-    <p:tnLst>
-      <p:par>
-        <p:cTn id="1" dur="indefinite" restart="never" nodeType="tmRoot"/>
-      </p:par>
-    </p:tnLst>
-  </p:timing>
-</p:sld>
-</file>
-
-<file path=ppt/slides/slide11.xml><?xml version="1.0" encoding="utf-8"?>
-<p:sld xmlns:a="http://schemas.openxmlformats.org/drawingml/2006/main" xmlns:r="http://schemas.openxmlformats.org/officeDocument/2006/relationships" xmlns:p="http://schemas.openxmlformats.org/presentationml/2006/main">
-  <p:cSld>
-    <p:spTree>
-      <p:nvGrpSpPr>
-        <p:cNvPr id="1" name=""/>
-        <p:cNvGrpSpPr/>
-        <p:nvPr/>
-      </p:nvGrpSpPr>
-      <p:grpSpPr>
-        <a:xfrm>
-          <a:off x="0" y="0"/>
-          <a:ext cx="0" cy="0"/>
-          <a:chOff x="0" y="0"/>
-          <a:chExt cx="0" cy="0"/>
-        </a:xfrm>
-      </p:grpSpPr>
       <p:graphicFrame>
         <p:nvGraphicFramePr>
           <p:cNvPr id="5" name="Content Placeholder 4"/>
@@ -41011,7 +39857,7 @@
 </p:sld>
 </file>
 
-<file path=ppt/slides/slide12.xml><?xml version="1.0" encoding="utf-8"?>
+<file path=ppt/slides/slide11.xml><?xml version="1.0" encoding="utf-8"?>
 <p:sld xmlns:a="http://schemas.openxmlformats.org/drawingml/2006/main" xmlns:r="http://schemas.openxmlformats.org/officeDocument/2006/relationships" xmlns:p="http://schemas.openxmlformats.org/presentationml/2006/main">
   <p:cSld>
     <p:spTree>
@@ -41105,7 +39951,7 @@
 </p:sld>
 </file>
 
-<file path=ppt/slides/slide13.xml><?xml version="1.0" encoding="utf-8"?>
+<file path=ppt/slides/slide12.xml><?xml version="1.0" encoding="utf-8"?>
 <p:sld xmlns:a="http://schemas.openxmlformats.org/drawingml/2006/main" xmlns:r="http://schemas.openxmlformats.org/officeDocument/2006/relationships" xmlns:p="http://schemas.openxmlformats.org/presentationml/2006/main">
   <p:cSld>
     <p:spTree>
@@ -41300,7 +40146,7 @@
 </p:sld>
 </file>
 
-<file path=ppt/slides/slide14.xml><?xml version="1.0" encoding="utf-8"?>
+<file path=ppt/slides/slide13.xml><?xml version="1.0" encoding="utf-8"?>
 <p:sld xmlns:a="http://schemas.openxmlformats.org/drawingml/2006/main" xmlns:r="http://schemas.openxmlformats.org/officeDocument/2006/relationships" xmlns:p="http://schemas.openxmlformats.org/presentationml/2006/main">
   <p:cSld>
     <p:spTree>
@@ -41332,6 +40178,22 @@
           <a:bodyPr/>
           <a:lstStyle/>
           <a:p>
+            <a:r>
+              <a:rPr kumimoji="1" lang="zh-CN" altLang="en-US" dirty="0" smtClean="0"/>
+              <a:t>导入</a:t>
+            </a:r>
+            <a:r>
+              <a:rPr kumimoji="1" lang="en-US" altLang="zh-CN" dirty="0" err="1" smtClean="0"/>
+              <a:t>VirtualBox</a:t>
+            </a:r>
+            <a:r>
+              <a:rPr kumimoji="1" lang="en-US" altLang="zh-CN" dirty="0" smtClean="0"/>
+              <a:t> OVI</a:t>
+            </a:r>
+            <a:r>
+              <a:rPr kumimoji="1" lang="zh-CN" altLang="en-US" dirty="0" smtClean="0"/>
+              <a:t>文件</a:t>
+            </a:r>
             <a:endParaRPr kumimoji="1" lang="zh-CN" altLang="en-US" dirty="0"/>
           </a:p>
         </p:txBody>
@@ -41353,7 +40215,11 @@
           <a:p>
             <a:r>
               <a:rPr kumimoji="1" lang="zh-CN" altLang="en-US" dirty="0" smtClean="0"/>
-              <a:t>导入过程</a:t>
+              <a:t>导入</a:t>
+            </a:r>
+            <a:r>
+              <a:rPr kumimoji="1" lang="zh-CN" altLang="en-US" dirty="0" smtClean="0"/>
+              <a:t>虚机</a:t>
             </a:r>
             <a:endParaRPr kumimoji="1" lang="zh-CN" altLang="en-US" dirty="0"/>
           </a:p>
@@ -41405,7 +40271,7 @@
 </p:sld>
 </file>
 
-<file path=ppt/slides/slide15.xml><?xml version="1.0" encoding="utf-8"?>
+<file path=ppt/slides/slide14.xml><?xml version="1.0" encoding="utf-8"?>
 <p:sld xmlns:a="http://schemas.openxmlformats.org/drawingml/2006/main" xmlns:r="http://schemas.openxmlformats.org/officeDocument/2006/relationships" xmlns:p="http://schemas.openxmlformats.org/presentationml/2006/main">
   <p:cSld>
     <p:spTree>
@@ -41634,7 +40500,7 @@
 </p:sld>
 </file>
 
-<file path=ppt/slides/slide16.xml><?xml version="1.0" encoding="utf-8"?>
+<file path=ppt/slides/slide15.xml><?xml version="1.0" encoding="utf-8"?>
 <p:sld xmlns:a="http://schemas.openxmlformats.org/drawingml/2006/main" xmlns:r="http://schemas.openxmlformats.org/officeDocument/2006/relationships" xmlns:p="http://schemas.openxmlformats.org/presentationml/2006/main">
   <p:cSld>
     <p:spTree>
@@ -42315,7 +41181,7 @@
 </p:sld>
 </file>
 
-<file path=ppt/slides/slide17.xml><?xml version="1.0" encoding="utf-8"?>
+<file path=ppt/slides/slide16.xml><?xml version="1.0" encoding="utf-8"?>
 <p:sld xmlns:a="http://schemas.openxmlformats.org/drawingml/2006/main" xmlns:r="http://schemas.openxmlformats.org/officeDocument/2006/relationships" xmlns:p="http://schemas.openxmlformats.org/presentationml/2006/main">
   <p:cSld>
     <p:spTree>
@@ -42524,7 +41390,7 @@
 </p:sld>
 </file>
 
-<file path=ppt/slides/slide18.xml><?xml version="1.0" encoding="utf-8"?>
+<file path=ppt/slides/slide17.xml><?xml version="1.0" encoding="utf-8"?>
 <p:sld xmlns:a="http://schemas.openxmlformats.org/drawingml/2006/main" xmlns:r="http://schemas.openxmlformats.org/officeDocument/2006/relationships" xmlns:p="http://schemas.openxmlformats.org/presentationml/2006/main">
   <p:cSld>
     <p:spTree>
@@ -42622,7 +41488,7 @@
 </p:sld>
 </file>
 
-<file path=ppt/slides/slide19.xml><?xml version="1.0" encoding="utf-8"?>
+<file path=ppt/slides/slide18.xml><?xml version="1.0" encoding="utf-8"?>
 <p:sld xmlns:a="http://schemas.openxmlformats.org/drawingml/2006/main" xmlns:r="http://schemas.openxmlformats.org/officeDocument/2006/relationships" xmlns:p="http://schemas.openxmlformats.org/presentationml/2006/main">
   <p:cSld>
     <p:spTree>
@@ -42800,307 +41666,7 @@
 </p:sld>
 </file>
 
-<file path=ppt/slides/slide2.xml><?xml version="1.0" encoding="utf-8"?>
-<p:sld xmlns:a="http://schemas.openxmlformats.org/drawingml/2006/main" xmlns:r="http://schemas.openxmlformats.org/officeDocument/2006/relationships" xmlns:p="http://schemas.openxmlformats.org/presentationml/2006/main">
-  <p:cSld>
-    <p:spTree>
-      <p:nvGrpSpPr>
-        <p:cNvPr id="1" name=""/>
-        <p:cNvGrpSpPr/>
-        <p:nvPr/>
-      </p:nvGrpSpPr>
-      <p:grpSpPr>
-        <a:xfrm>
-          <a:off x="0" y="0"/>
-          <a:ext cx="0" cy="0"/>
-          <a:chOff x="0" y="0"/>
-          <a:chExt cx="0" cy="0"/>
-        </a:xfrm>
-      </p:grpSpPr>
-      <p:sp>
-        <p:nvSpPr>
-          <p:cNvPr id="2" name="Content Placeholder 1"/>
-          <p:cNvSpPr>
-            <a:spLocks noGrp="1"/>
-          </p:cNvSpPr>
-          <p:nvPr>
-            <p:ph idx="1"/>
-          </p:nvPr>
-        </p:nvSpPr>
-        <p:spPr>
-          <a:xfrm>
-            <a:off x="4800600" y="1158875"/>
-            <a:ext cx="3886200" cy="1484117"/>
-          </a:xfrm>
-        </p:spPr>
-        <p:txBody>
-          <a:bodyPr/>
-          <a:lstStyle/>
-          <a:p>
-            <a:pPr lvl="3"/>
-            <a:r>
-              <a:rPr lang="en-US" altLang="zh-CN" dirty="0" err="1" smtClean="0">
-                <a:latin typeface="Microsoft YaHei" charset="-122"/>
-                <a:ea typeface="Microsoft YaHei" charset="-122"/>
-                <a:cs typeface="Microsoft YaHei" charset="-122"/>
-              </a:rPr>
-              <a:t>Kylo</a:t>
-            </a:r>
-            <a:r>
-              <a:rPr lang="zh-CN" altLang="en-US" dirty="0" smtClean="0">
-                <a:latin typeface="Microsoft YaHei" charset="-122"/>
-                <a:ea typeface="Microsoft YaHei" charset="-122"/>
-                <a:cs typeface="Microsoft YaHei" charset="-122"/>
-              </a:rPr>
-              <a:t> 架构功能介绍</a:t>
-            </a:r>
-            <a:endParaRPr lang="en-US" dirty="0" smtClean="0">
-              <a:latin typeface="Microsoft YaHei" charset="-122"/>
-              <a:ea typeface="Microsoft YaHei" charset="-122"/>
-              <a:cs typeface="Microsoft YaHei" charset="-122"/>
-            </a:endParaRPr>
-          </a:p>
-          <a:p>
-            <a:pPr lvl="3"/>
-            <a:r>
-              <a:rPr lang="en-US" dirty="0" err="1" smtClean="0">
-                <a:latin typeface="Microsoft YaHei" charset="-122"/>
-                <a:ea typeface="Microsoft YaHei" charset="-122"/>
-                <a:cs typeface="Microsoft YaHei" charset="-122"/>
-              </a:rPr>
-              <a:t>Kylo</a:t>
-            </a:r>
-            <a:r>
-              <a:rPr lang="en-US" dirty="0">
-                <a:latin typeface="Microsoft YaHei" charset="-122"/>
-                <a:ea typeface="Microsoft YaHei" charset="-122"/>
-                <a:cs typeface="Microsoft YaHei" charset="-122"/>
-              </a:rPr>
-              <a:t> </a:t>
-            </a:r>
-            <a:r>
-              <a:rPr lang="zh-CN" altLang="en-US" dirty="0" smtClean="0">
-                <a:latin typeface="Microsoft YaHei" charset="-122"/>
-                <a:ea typeface="Microsoft YaHei" charset="-122"/>
-                <a:cs typeface="Microsoft YaHei" charset="-122"/>
-              </a:rPr>
-              <a:t>虚机环境配置</a:t>
-            </a:r>
-            <a:endParaRPr lang="en-US" altLang="zh-CN" dirty="0">
-              <a:latin typeface="Microsoft YaHei" charset="-122"/>
-              <a:ea typeface="Microsoft YaHei" charset="-122"/>
-              <a:cs typeface="Microsoft YaHei" charset="-122"/>
-            </a:endParaRPr>
-          </a:p>
-          <a:p>
-            <a:pPr lvl="3"/>
-            <a:r>
-              <a:rPr lang="en-US" dirty="0" err="1" smtClean="0">
-                <a:latin typeface="Microsoft YaHei" charset="-122"/>
-                <a:ea typeface="Microsoft YaHei" charset="-122"/>
-                <a:cs typeface="Microsoft YaHei" charset="-122"/>
-              </a:rPr>
-              <a:t>Kylo</a:t>
-            </a:r>
-            <a:r>
-              <a:rPr lang="en-US" dirty="0" smtClean="0">
-                <a:latin typeface="Microsoft YaHei" charset="-122"/>
-                <a:ea typeface="Microsoft YaHei" charset="-122"/>
-                <a:cs typeface="Microsoft YaHei" charset="-122"/>
-              </a:rPr>
-              <a:t> </a:t>
-            </a:r>
-            <a:r>
-              <a:rPr lang="zh-CN" altLang="en-US" dirty="0" smtClean="0">
-                <a:latin typeface="Microsoft YaHei" charset="-122"/>
-                <a:ea typeface="Microsoft YaHei" charset="-122"/>
-                <a:cs typeface="Microsoft YaHei" charset="-122"/>
-              </a:rPr>
-              <a:t>操作过程演示</a:t>
-            </a:r>
-            <a:endParaRPr lang="en-US" altLang="zh-CN" dirty="0" smtClean="0">
-              <a:latin typeface="Microsoft YaHei" charset="-122"/>
-              <a:ea typeface="Microsoft YaHei" charset="-122"/>
-              <a:cs typeface="Microsoft YaHei" charset="-122"/>
-            </a:endParaRPr>
-          </a:p>
-          <a:p>
-            <a:pPr lvl="3"/>
-            <a:r>
-              <a:rPr lang="zh-CN" altLang="en-US" dirty="0" smtClean="0">
-                <a:latin typeface="Microsoft YaHei" charset="-122"/>
-                <a:ea typeface="Microsoft YaHei" charset="-122"/>
-                <a:cs typeface="Microsoft YaHei" charset="-122"/>
-              </a:rPr>
-              <a:t>学习进阶资源</a:t>
-            </a:r>
-            <a:endParaRPr lang="en-US" dirty="0" smtClean="0">
-              <a:latin typeface="Microsoft YaHei" charset="-122"/>
-              <a:ea typeface="Microsoft YaHei" charset="-122"/>
-              <a:cs typeface="Microsoft YaHei" charset="-122"/>
-            </a:endParaRPr>
-          </a:p>
-          <a:p>
-            <a:endParaRPr lang="en-US" dirty="0">
-              <a:latin typeface="Microsoft YaHei" charset="-122"/>
-              <a:ea typeface="Microsoft YaHei" charset="-122"/>
-              <a:cs typeface="Microsoft YaHei" charset="-122"/>
-            </a:endParaRPr>
-          </a:p>
-        </p:txBody>
-      </p:sp>
-      <p:sp>
-        <p:nvSpPr>
-          <p:cNvPr id="4" name="Title 3"/>
-          <p:cNvSpPr>
-            <a:spLocks noGrp="1"/>
-          </p:cNvSpPr>
-          <p:nvPr>
-            <p:ph type="title"/>
-          </p:nvPr>
-        </p:nvSpPr>
-        <p:spPr>
-          <a:xfrm>
-            <a:off x="4800600" y="0"/>
-            <a:ext cx="3886200" cy="669481"/>
-          </a:xfrm>
-        </p:spPr>
-        <p:txBody>
-          <a:bodyPr/>
-          <a:lstStyle/>
-          <a:p>
-            <a:r>
-              <a:rPr lang="zh-CN" altLang="en-US" dirty="0" smtClean="0">
-                <a:latin typeface="Microsoft YaHei" charset="-122"/>
-                <a:ea typeface="Microsoft YaHei" charset="-122"/>
-                <a:cs typeface="Microsoft YaHei" charset="-122"/>
-              </a:rPr>
-              <a:t>目录</a:t>
-            </a:r>
-            <a:endParaRPr lang="en-US" dirty="0">
-              <a:latin typeface="Microsoft YaHei" charset="-122"/>
-              <a:ea typeface="Microsoft YaHei" charset="-122"/>
-              <a:cs typeface="Microsoft YaHei" charset="-122"/>
-            </a:endParaRPr>
-          </a:p>
-        </p:txBody>
-      </p:sp>
-      <p:sp>
-        <p:nvSpPr>
-          <p:cNvPr id="6" name="Date Placeholder 5"/>
-          <p:cNvSpPr>
-            <a:spLocks noGrp="1"/>
-          </p:cNvSpPr>
-          <p:nvPr>
-            <p:ph type="dt" sz="half" idx="14"/>
-          </p:nvPr>
-        </p:nvSpPr>
-        <p:spPr/>
-        <p:txBody>
-          <a:bodyPr/>
-          <a:lstStyle/>
-          <a:p>
-            <a:r>
-              <a:rPr lang="en-US" smtClean="0"/>
-              <a:t>© 2016 Teradata</a:t>
-            </a:r>
-            <a:endParaRPr lang="en-US" dirty="0" smtClean="0"/>
-          </a:p>
-        </p:txBody>
-      </p:sp>
-      <p:sp>
-        <p:nvSpPr>
-          <p:cNvPr id="19" name="TextBox 18"/>
-          <p:cNvSpPr txBox="1"/>
-          <p:nvPr/>
-        </p:nvSpPr>
-        <p:spPr>
-          <a:xfrm>
-            <a:off x="226058" y="4918131"/>
-            <a:ext cx="60410" cy="130805"/>
-          </a:xfrm>
-          <a:prstGeom prst="rect">
-            <a:avLst/>
-          </a:prstGeom>
-          <a:noFill/>
-        </p:spPr>
-        <p:txBody>
-          <a:bodyPr wrap="none" lIns="0" tIns="0" rIns="0" bIns="0" rtlCol="0">
-            <a:spAutoFit/>
-          </a:bodyPr>
-          <a:lstStyle/>
-          <a:p>
-            <a:pPr algn="r"/>
-            <a:fld id="{0C8E8817-043E-4BA1-A90E-6FB9FA409362}" type="slidenum">
-              <a:rPr lang="en-US" sz="850" smtClean="0">
-                <a:solidFill>
-                  <a:schemeClr val="bg2">
-                    <a:lumMod val="50000"/>
-                  </a:schemeClr>
-                </a:solidFill>
-              </a:rPr>
-              <a:pPr algn="r"/>
-              <a:t>2</a:t>
-            </a:fld>
-            <a:endParaRPr lang="en-US" sz="850" dirty="0">
-              <a:solidFill>
-                <a:schemeClr val="bg2">
-                  <a:lumMod val="50000"/>
-                </a:schemeClr>
-              </a:solidFill>
-            </a:endParaRPr>
-          </a:p>
-        </p:txBody>
-      </p:sp>
-      <p:pic>
-        <p:nvPicPr>
-          <p:cNvPr id="9" name="图片占位符 8"/>
-          <p:cNvPicPr>
-            <a:picLocks noGrp="1" noChangeAspect="1"/>
-          </p:cNvPicPr>
-          <p:nvPr>
-            <p:ph type="pic" sz="quarter" idx="13"/>
-          </p:nvPr>
-        </p:nvPicPr>
-        <p:blipFill>
-          <a:blip r:embed="rId2">
-            <a:extLst>
-              <a:ext uri="{28A0092B-C50C-407E-A947-70E740481C1C}">
-                <a14:useLocalDpi xmlns:a14="http://schemas.microsoft.com/office/drawing/2010/main" val="0"/>
-              </a:ext>
-            </a:extLst>
-          </a:blip>
-          <a:srcRect l="22049" r="22049"/>
-          <a:stretch>
-            <a:fillRect/>
-          </a:stretch>
-        </p:blipFill>
-        <p:spPr/>
-      </p:pic>
-    </p:spTree>
-    <p:extLst>
-      <p:ext uri="{BB962C8B-B14F-4D97-AF65-F5344CB8AC3E}">
-        <p14:creationId xmlns:p14="http://schemas.microsoft.com/office/powerpoint/2010/main" val="4023765832"/>
-      </p:ext>
-    </p:extLst>
-  </p:cSld>
-  <p:clrMapOvr>
-    <a:masterClrMapping/>
-  </p:clrMapOvr>
-  <p:transition spd="med">
-    <p:fade/>
-  </p:transition>
-  <p:timing>
-    <p:tnLst>
-      <p:par>
-        <p:cTn id="1" dur="indefinite" restart="never" nodeType="tmRoot"/>
-      </p:par>
-    </p:tnLst>
-  </p:timing>
-</p:sld>
-</file>
-
-<file path=ppt/slides/slide20.xml><?xml version="1.0" encoding="utf-8"?>
+<file path=ppt/slides/slide19.xml><?xml version="1.0" encoding="utf-8"?>
 <p:sld xmlns:a="http://schemas.openxmlformats.org/drawingml/2006/main" xmlns:r="http://schemas.openxmlformats.org/officeDocument/2006/relationships" xmlns:p="http://schemas.openxmlformats.org/presentationml/2006/main">
   <p:cSld>
     <p:spTree>
@@ -43518,7 +42084,307 @@
 </p:sld>
 </file>
 
-<file path=ppt/slides/slide21.xml><?xml version="1.0" encoding="utf-8"?>
+<file path=ppt/slides/slide2.xml><?xml version="1.0" encoding="utf-8"?>
+<p:sld xmlns:a="http://schemas.openxmlformats.org/drawingml/2006/main" xmlns:r="http://schemas.openxmlformats.org/officeDocument/2006/relationships" xmlns:p="http://schemas.openxmlformats.org/presentationml/2006/main">
+  <p:cSld>
+    <p:spTree>
+      <p:nvGrpSpPr>
+        <p:cNvPr id="1" name=""/>
+        <p:cNvGrpSpPr/>
+        <p:nvPr/>
+      </p:nvGrpSpPr>
+      <p:grpSpPr>
+        <a:xfrm>
+          <a:off x="0" y="0"/>
+          <a:ext cx="0" cy="0"/>
+          <a:chOff x="0" y="0"/>
+          <a:chExt cx="0" cy="0"/>
+        </a:xfrm>
+      </p:grpSpPr>
+      <p:sp>
+        <p:nvSpPr>
+          <p:cNvPr id="2" name="Content Placeholder 1"/>
+          <p:cNvSpPr>
+            <a:spLocks noGrp="1"/>
+          </p:cNvSpPr>
+          <p:nvPr>
+            <p:ph idx="1"/>
+          </p:nvPr>
+        </p:nvSpPr>
+        <p:spPr>
+          <a:xfrm>
+            <a:off x="4800600" y="1158875"/>
+            <a:ext cx="3886200" cy="1484117"/>
+          </a:xfrm>
+        </p:spPr>
+        <p:txBody>
+          <a:bodyPr/>
+          <a:lstStyle/>
+          <a:p>
+            <a:pPr lvl="3"/>
+            <a:r>
+              <a:rPr lang="en-US" altLang="zh-CN" dirty="0" err="1" smtClean="0">
+                <a:latin typeface="Microsoft YaHei" charset="-122"/>
+                <a:ea typeface="Microsoft YaHei" charset="-122"/>
+                <a:cs typeface="Microsoft YaHei" charset="-122"/>
+              </a:rPr>
+              <a:t>Kylo</a:t>
+            </a:r>
+            <a:r>
+              <a:rPr lang="zh-CN" altLang="en-US" dirty="0" smtClean="0">
+                <a:latin typeface="Microsoft YaHei" charset="-122"/>
+                <a:ea typeface="Microsoft YaHei" charset="-122"/>
+                <a:cs typeface="Microsoft YaHei" charset="-122"/>
+              </a:rPr>
+              <a:t> 架构功能介绍</a:t>
+            </a:r>
+            <a:endParaRPr lang="en-US" dirty="0" smtClean="0">
+              <a:latin typeface="Microsoft YaHei" charset="-122"/>
+              <a:ea typeface="Microsoft YaHei" charset="-122"/>
+              <a:cs typeface="Microsoft YaHei" charset="-122"/>
+            </a:endParaRPr>
+          </a:p>
+          <a:p>
+            <a:pPr lvl="3"/>
+            <a:r>
+              <a:rPr lang="en-US" dirty="0" err="1" smtClean="0">
+                <a:latin typeface="Microsoft YaHei" charset="-122"/>
+                <a:ea typeface="Microsoft YaHei" charset="-122"/>
+                <a:cs typeface="Microsoft YaHei" charset="-122"/>
+              </a:rPr>
+              <a:t>Kylo</a:t>
+            </a:r>
+            <a:r>
+              <a:rPr lang="en-US" dirty="0">
+                <a:latin typeface="Microsoft YaHei" charset="-122"/>
+                <a:ea typeface="Microsoft YaHei" charset="-122"/>
+                <a:cs typeface="Microsoft YaHei" charset="-122"/>
+              </a:rPr>
+              <a:t> </a:t>
+            </a:r>
+            <a:r>
+              <a:rPr lang="zh-CN" altLang="en-US" dirty="0" smtClean="0">
+                <a:latin typeface="Microsoft YaHei" charset="-122"/>
+                <a:ea typeface="Microsoft YaHei" charset="-122"/>
+                <a:cs typeface="Microsoft YaHei" charset="-122"/>
+              </a:rPr>
+              <a:t>虚机环境配置</a:t>
+            </a:r>
+            <a:endParaRPr lang="en-US" altLang="zh-CN" dirty="0">
+              <a:latin typeface="Microsoft YaHei" charset="-122"/>
+              <a:ea typeface="Microsoft YaHei" charset="-122"/>
+              <a:cs typeface="Microsoft YaHei" charset="-122"/>
+            </a:endParaRPr>
+          </a:p>
+          <a:p>
+            <a:pPr lvl="3"/>
+            <a:r>
+              <a:rPr lang="en-US" dirty="0" err="1" smtClean="0">
+                <a:latin typeface="Microsoft YaHei" charset="-122"/>
+                <a:ea typeface="Microsoft YaHei" charset="-122"/>
+                <a:cs typeface="Microsoft YaHei" charset="-122"/>
+              </a:rPr>
+              <a:t>Kylo</a:t>
+            </a:r>
+            <a:r>
+              <a:rPr lang="en-US" dirty="0" smtClean="0">
+                <a:latin typeface="Microsoft YaHei" charset="-122"/>
+                <a:ea typeface="Microsoft YaHei" charset="-122"/>
+                <a:cs typeface="Microsoft YaHei" charset="-122"/>
+              </a:rPr>
+              <a:t> </a:t>
+            </a:r>
+            <a:r>
+              <a:rPr lang="zh-CN" altLang="en-US" dirty="0" smtClean="0">
+                <a:latin typeface="Microsoft YaHei" charset="-122"/>
+                <a:ea typeface="Microsoft YaHei" charset="-122"/>
+                <a:cs typeface="Microsoft YaHei" charset="-122"/>
+              </a:rPr>
+              <a:t>操作过程演示</a:t>
+            </a:r>
+            <a:endParaRPr lang="en-US" altLang="zh-CN" dirty="0" smtClean="0">
+              <a:latin typeface="Microsoft YaHei" charset="-122"/>
+              <a:ea typeface="Microsoft YaHei" charset="-122"/>
+              <a:cs typeface="Microsoft YaHei" charset="-122"/>
+            </a:endParaRPr>
+          </a:p>
+          <a:p>
+            <a:pPr lvl="3"/>
+            <a:r>
+              <a:rPr lang="zh-CN" altLang="en-US" dirty="0" smtClean="0">
+                <a:latin typeface="Microsoft YaHei" charset="-122"/>
+                <a:ea typeface="Microsoft YaHei" charset="-122"/>
+                <a:cs typeface="Microsoft YaHei" charset="-122"/>
+              </a:rPr>
+              <a:t>学习进阶资源</a:t>
+            </a:r>
+            <a:endParaRPr lang="en-US" dirty="0" smtClean="0">
+              <a:latin typeface="Microsoft YaHei" charset="-122"/>
+              <a:ea typeface="Microsoft YaHei" charset="-122"/>
+              <a:cs typeface="Microsoft YaHei" charset="-122"/>
+            </a:endParaRPr>
+          </a:p>
+          <a:p>
+            <a:endParaRPr lang="en-US" dirty="0">
+              <a:latin typeface="Microsoft YaHei" charset="-122"/>
+              <a:ea typeface="Microsoft YaHei" charset="-122"/>
+              <a:cs typeface="Microsoft YaHei" charset="-122"/>
+            </a:endParaRPr>
+          </a:p>
+        </p:txBody>
+      </p:sp>
+      <p:sp>
+        <p:nvSpPr>
+          <p:cNvPr id="4" name="Title 3"/>
+          <p:cNvSpPr>
+            <a:spLocks noGrp="1"/>
+          </p:cNvSpPr>
+          <p:nvPr>
+            <p:ph type="title"/>
+          </p:nvPr>
+        </p:nvSpPr>
+        <p:spPr>
+          <a:xfrm>
+            <a:off x="4800600" y="0"/>
+            <a:ext cx="3886200" cy="669481"/>
+          </a:xfrm>
+        </p:spPr>
+        <p:txBody>
+          <a:bodyPr/>
+          <a:lstStyle/>
+          <a:p>
+            <a:r>
+              <a:rPr lang="zh-CN" altLang="en-US" dirty="0" smtClean="0">
+                <a:latin typeface="Microsoft YaHei" charset="-122"/>
+                <a:ea typeface="Microsoft YaHei" charset="-122"/>
+                <a:cs typeface="Microsoft YaHei" charset="-122"/>
+              </a:rPr>
+              <a:t>目录</a:t>
+            </a:r>
+            <a:endParaRPr lang="en-US" dirty="0">
+              <a:latin typeface="Microsoft YaHei" charset="-122"/>
+              <a:ea typeface="Microsoft YaHei" charset="-122"/>
+              <a:cs typeface="Microsoft YaHei" charset="-122"/>
+            </a:endParaRPr>
+          </a:p>
+        </p:txBody>
+      </p:sp>
+      <p:sp>
+        <p:nvSpPr>
+          <p:cNvPr id="6" name="Date Placeholder 5"/>
+          <p:cNvSpPr>
+            <a:spLocks noGrp="1"/>
+          </p:cNvSpPr>
+          <p:nvPr>
+            <p:ph type="dt" sz="half" idx="14"/>
+          </p:nvPr>
+        </p:nvSpPr>
+        <p:spPr/>
+        <p:txBody>
+          <a:bodyPr/>
+          <a:lstStyle/>
+          <a:p>
+            <a:r>
+              <a:rPr lang="en-US" smtClean="0"/>
+              <a:t>© 2016 Teradata</a:t>
+            </a:r>
+            <a:endParaRPr lang="en-US" dirty="0" smtClean="0"/>
+          </a:p>
+        </p:txBody>
+      </p:sp>
+      <p:sp>
+        <p:nvSpPr>
+          <p:cNvPr id="19" name="TextBox 18"/>
+          <p:cNvSpPr txBox="1"/>
+          <p:nvPr/>
+        </p:nvSpPr>
+        <p:spPr>
+          <a:xfrm>
+            <a:off x="226058" y="4918131"/>
+            <a:ext cx="60410" cy="130805"/>
+          </a:xfrm>
+          <a:prstGeom prst="rect">
+            <a:avLst/>
+          </a:prstGeom>
+          <a:noFill/>
+        </p:spPr>
+        <p:txBody>
+          <a:bodyPr wrap="none" lIns="0" tIns="0" rIns="0" bIns="0" rtlCol="0">
+            <a:spAutoFit/>
+          </a:bodyPr>
+          <a:lstStyle/>
+          <a:p>
+            <a:pPr algn="r"/>
+            <a:fld id="{0C8E8817-043E-4BA1-A90E-6FB9FA409362}" type="slidenum">
+              <a:rPr lang="en-US" sz="850" smtClean="0">
+                <a:solidFill>
+                  <a:schemeClr val="bg2">
+                    <a:lumMod val="50000"/>
+                  </a:schemeClr>
+                </a:solidFill>
+              </a:rPr>
+              <a:pPr algn="r"/>
+              <a:t>2</a:t>
+            </a:fld>
+            <a:endParaRPr lang="en-US" sz="850" dirty="0">
+              <a:solidFill>
+                <a:schemeClr val="bg2">
+                  <a:lumMod val="50000"/>
+                </a:schemeClr>
+              </a:solidFill>
+            </a:endParaRPr>
+          </a:p>
+        </p:txBody>
+      </p:sp>
+      <p:pic>
+        <p:nvPicPr>
+          <p:cNvPr id="9" name="图片占位符 8"/>
+          <p:cNvPicPr>
+            <a:picLocks noGrp="1" noChangeAspect="1"/>
+          </p:cNvPicPr>
+          <p:nvPr>
+            <p:ph type="pic" sz="quarter" idx="13"/>
+          </p:nvPr>
+        </p:nvPicPr>
+        <p:blipFill>
+          <a:blip r:embed="rId2">
+            <a:extLst>
+              <a:ext uri="{28A0092B-C50C-407E-A947-70E740481C1C}">
+                <a14:useLocalDpi xmlns:a14="http://schemas.microsoft.com/office/drawing/2010/main" val="0"/>
+              </a:ext>
+            </a:extLst>
+          </a:blip>
+          <a:srcRect l="22049" r="22049"/>
+          <a:stretch>
+            <a:fillRect/>
+          </a:stretch>
+        </p:blipFill>
+        <p:spPr/>
+      </p:pic>
+    </p:spTree>
+    <p:extLst>
+      <p:ext uri="{BB962C8B-B14F-4D97-AF65-F5344CB8AC3E}">
+        <p14:creationId xmlns:p14="http://schemas.microsoft.com/office/powerpoint/2010/main" val="4023765832"/>
+      </p:ext>
+    </p:extLst>
+  </p:cSld>
+  <p:clrMapOvr>
+    <a:masterClrMapping/>
+  </p:clrMapOvr>
+  <p:transition spd="med">
+    <p:fade/>
+  </p:transition>
+  <p:timing>
+    <p:tnLst>
+      <p:par>
+        <p:cTn id="1" dur="indefinite" restart="never" nodeType="tmRoot"/>
+      </p:par>
+    </p:tnLst>
+  </p:timing>
+</p:sld>
+</file>
+
+<file path=ppt/slides/slide20.xml><?xml version="1.0" encoding="utf-8"?>
 <p:sld xmlns:a="http://schemas.openxmlformats.org/drawingml/2006/main" xmlns:r="http://schemas.openxmlformats.org/officeDocument/2006/relationships" xmlns:p="http://schemas.openxmlformats.org/presentationml/2006/main">
   <p:cSld>
     <p:spTree>
@@ -43643,25 +42509,49 @@
           <a:lstStyle/>
           <a:p>
             <a:r>
-              <a:rPr lang="en-US" dirty="0" smtClean="0"/>
+              <a:rPr lang="en-US" dirty="0" smtClean="0">
+                <a:latin typeface="Microsoft YaHei" charset="-122"/>
+                <a:ea typeface="Microsoft YaHei" charset="-122"/>
+                <a:cs typeface="Microsoft YaHei" charset="-122"/>
+              </a:rPr>
               <a:t/>
             </a:r>
             <a:br>
-              <a:rPr lang="en-US" dirty="0" smtClean="0"/>
+              <a:rPr lang="en-US" dirty="0" smtClean="0">
+                <a:latin typeface="Microsoft YaHei" charset="-122"/>
+                <a:ea typeface="Microsoft YaHei" charset="-122"/>
+                <a:cs typeface="Microsoft YaHei" charset="-122"/>
+              </a:rPr>
             </a:br>
             <a:r>
-              <a:rPr lang="zh-CN" altLang="en-US" dirty="0" smtClean="0"/>
+              <a:rPr lang="zh-CN" altLang="en-US" dirty="0" smtClean="0">
+                <a:latin typeface="Microsoft YaHei" charset="-122"/>
+                <a:ea typeface="Microsoft YaHei" charset="-122"/>
+                <a:cs typeface="Microsoft YaHei" charset="-122"/>
+              </a:rPr>
               <a:t>建设</a:t>
             </a:r>
             <a:r>
-              <a:rPr lang="en-US" dirty="0" smtClean="0"/>
+              <a:rPr lang="en-US" dirty="0" smtClean="0">
+                <a:latin typeface="Microsoft YaHei" charset="-122"/>
+                <a:ea typeface="Microsoft YaHei" charset="-122"/>
+                <a:cs typeface="Microsoft YaHei" charset="-122"/>
+              </a:rPr>
               <a:t>Hadoop</a:t>
             </a:r>
             <a:r>
-              <a:rPr lang="zh-CN" altLang="en-US" dirty="0" smtClean="0"/>
+              <a:rPr lang="zh-CN" altLang="en-US" dirty="0" smtClean="0">
+                <a:latin typeface="Microsoft YaHei" charset="-122"/>
+                <a:ea typeface="Microsoft YaHei" charset="-122"/>
+                <a:cs typeface="Microsoft YaHei" charset="-122"/>
+              </a:rPr>
               <a:t>数据湖所面临的挑战</a:t>
             </a:r>
-            <a:endParaRPr lang="en-US" dirty="0"/>
+            <a:endParaRPr lang="en-US" dirty="0">
+              <a:latin typeface="Microsoft YaHei" charset="-122"/>
+              <a:ea typeface="Microsoft YaHei" charset="-122"/>
+              <a:cs typeface="Microsoft YaHei" charset="-122"/>
+            </a:endParaRPr>
           </a:p>
         </p:txBody>
       </p:sp>
@@ -43895,6 +42785,9 @@
                     <a:lumMod val="50000"/>
                   </a:schemeClr>
                 </a:solidFill>
+                <a:latin typeface="Microsoft YaHei" charset="-122"/>
+                <a:ea typeface="Microsoft YaHei" charset="-122"/>
+                <a:cs typeface="Microsoft YaHei" charset="-122"/>
               </a:rPr>
               <a:t>技术上需要极度依赖有经验的软件工程师</a:t>
             </a:r>
@@ -43904,25 +42797,9 @@
                   <a:lumMod val="50000"/>
                 </a:schemeClr>
               </a:solidFill>
-            </a:endParaRPr>
-          </a:p>
-          <a:p>
-            <a:pPr>
-              <a:lnSpc>
-                <a:spcPct val="150000"/>
-              </a:lnSpc>
-              <a:buClr>
-                <a:schemeClr val="accent1"/>
-              </a:buClr>
-              <a:buFont typeface="Wingdings" charset="2"/>
-              <a:buChar char="§"/>
-            </a:pPr>
-            <a:endParaRPr lang="en-US" sz="1700" dirty="0" smtClean="0">
-              <a:solidFill>
-                <a:schemeClr val="tx1">
-                  <a:lumMod val="50000"/>
-                </a:schemeClr>
-              </a:solidFill>
+              <a:latin typeface="Microsoft YaHei" charset="-122"/>
+              <a:ea typeface="Microsoft YaHei" charset="-122"/>
+              <a:cs typeface="Microsoft YaHei" charset="-122"/>
             </a:endParaRPr>
           </a:p>
           <a:p>
@@ -43937,73 +42814,27 @@
               <a:buChar char="§"/>
             </a:pPr>
             <a:r>
-              <a:rPr lang="en-US" sz="1700" dirty="0" smtClean="0">
+              <a:rPr lang="zh-CN" altLang="en-US" sz="1700" dirty="0" smtClean="0">
                 <a:solidFill>
                   <a:schemeClr val="tx1">
                     <a:lumMod val="50000"/>
                   </a:schemeClr>
                 </a:solidFill>
+                <a:latin typeface="Microsoft YaHei" charset="-122"/>
+                <a:ea typeface="Microsoft YaHei" charset="-122"/>
+                <a:cs typeface="Microsoft YaHei" charset="-122"/>
               </a:rPr>
-              <a:t>Technology </a:t>
+              <a:t>数据治理、质量和安全往往事后才被考虑</a:t>
             </a:r>
-            <a:r>
-              <a:rPr lang="en-US" sz="1700" dirty="0" smtClean="0">
-                <a:solidFill>
-                  <a:schemeClr val="tx1">
-                    <a:lumMod val="50000"/>
-                  </a:schemeClr>
-                </a:solidFill>
-              </a:rPr>
-              <a:t>relies heavily on skilled software engineers</a:t>
-            </a:r>
-          </a:p>
-          <a:p>
-            <a:pPr>
-              <a:lnSpc>
-                <a:spcPct val="150000"/>
-              </a:lnSpc>
-              <a:buClr>
-                <a:schemeClr val="accent1"/>
-              </a:buClr>
-              <a:buFont typeface="Wingdings" charset="2"/>
-              <a:buChar char="§"/>
-            </a:pPr>
-            <a:r>
-              <a:rPr lang="en-US" sz="1700" dirty="0" smtClean="0">
-                <a:solidFill>
-                  <a:schemeClr val="tx1">
-                    <a:lumMod val="50000"/>
-                  </a:schemeClr>
-                </a:solidFill>
-              </a:rPr>
-              <a:t>Governance, quality, </a:t>
-            </a:r>
-            <a:r>
-              <a:rPr lang="en-US" sz="1700" dirty="0">
-                <a:solidFill>
-                  <a:schemeClr val="tx1">
-                    <a:lumMod val="50000"/>
-                  </a:schemeClr>
-                </a:solidFill>
-              </a:rPr>
-              <a:t>and </a:t>
-            </a:r>
-            <a:r>
-              <a:rPr lang="en-US" sz="1700" dirty="0" smtClean="0">
-                <a:solidFill>
-                  <a:schemeClr val="tx1">
-                    <a:lumMod val="50000"/>
-                  </a:schemeClr>
-                </a:solidFill>
-              </a:rPr>
-              <a:t>security often afterthoughts</a:t>
-            </a:r>
-            <a:endParaRPr lang="en-US" sz="1700" dirty="0">
+            <a:endParaRPr lang="en-US" sz="1700" dirty="0" smtClean="0">
               <a:solidFill>
                 <a:schemeClr val="tx1">
                   <a:lumMod val="50000"/>
                 </a:schemeClr>
               </a:solidFill>
+              <a:latin typeface="Microsoft YaHei" charset="-122"/>
+              <a:ea typeface="Microsoft YaHei" charset="-122"/>
+              <a:cs typeface="Microsoft YaHei" charset="-122"/>
             </a:endParaRPr>
           </a:p>
           <a:p>
@@ -44018,15 +42849,28 @@
               <a:buChar char="§"/>
             </a:pPr>
             <a:r>
-              <a:rPr lang="en-US" sz="1700" dirty="0" smtClean="0">
+              <a:rPr lang="zh-CN" altLang="en-US" sz="1700" dirty="0" smtClean="0">
                 <a:solidFill>
                   <a:schemeClr val="tx1">
                     <a:lumMod val="50000"/>
                   </a:schemeClr>
                 </a:solidFill>
+                <a:latin typeface="Microsoft YaHei" charset="-122"/>
+                <a:ea typeface="Microsoft YaHei" charset="-122"/>
+                <a:cs typeface="Microsoft YaHei" charset="-122"/>
               </a:rPr>
-              <a:t>Lack self-service and features usable by business users</a:t>
+              <a:t>缺少向业务用户提供自助服务和其它可用功能</a:t>
             </a:r>
+            <a:endParaRPr lang="en-US" sz="1700" dirty="0" smtClean="0">
+              <a:solidFill>
+                <a:schemeClr val="tx1">
+                  <a:lumMod val="50000"/>
+                </a:schemeClr>
+              </a:solidFill>
+              <a:latin typeface="Microsoft YaHei" charset="-122"/>
+              <a:ea typeface="Microsoft YaHei" charset="-122"/>
+              <a:cs typeface="Microsoft YaHei" charset="-122"/>
+            </a:endParaRPr>
           </a:p>
         </p:txBody>
       </p:sp>
@@ -44504,13 +43348,13 @@
               </a:spcBef>
             </a:pPr>
             <a:r>
-              <a:rPr lang="en-US" sz="2000" b="1" dirty="0" smtClean="0">
+              <a:rPr lang="zh-CN" altLang="en-US" sz="2000" b="1" dirty="0" smtClean="0">
                 <a:solidFill>
                   <a:srgbClr val="FFFFFF"/>
                 </a:solidFill>
                 <a:latin typeface="Century Gothic" panose="020B0502020202020204" pitchFamily="34" charset="0"/>
               </a:rPr>
-              <a:t>Discover</a:t>
+              <a:t>探索</a:t>
             </a:r>
             <a:endParaRPr lang="en-US" sz="2000" b="1" dirty="0">
               <a:solidFill>
@@ -44577,13 +43421,13 @@
           <a:p>
             <a:pPr algn="ctr"/>
             <a:r>
-              <a:rPr lang="en-US" sz="2000" b="1" dirty="0" smtClean="0">
+              <a:rPr lang="zh-CN" altLang="en-US" sz="2000" b="1" dirty="0" smtClean="0">
                 <a:solidFill>
                   <a:srgbClr val="FFFFFF"/>
                 </a:solidFill>
                 <a:latin typeface="Century Gothic" panose="020B0502020202020204" pitchFamily="34" charset="0"/>
               </a:rPr>
-              <a:t>Prepare</a:t>
+              <a:t>处理</a:t>
             </a:r>
             <a:endParaRPr lang="en-US" sz="2000" b="1" dirty="0">
               <a:solidFill>
@@ -44650,13 +43494,13 @@
           <a:p>
             <a:pPr lvl="0" algn="ctr"/>
             <a:r>
-              <a:rPr lang="en-US" sz="2000" b="1" dirty="0" smtClean="0">
+              <a:rPr lang="zh-CN" altLang="en-US" sz="2000" b="1" dirty="0" smtClean="0">
                 <a:solidFill>
                   <a:srgbClr val="FFFFFF"/>
                 </a:solidFill>
                 <a:latin typeface="Century Gothic" panose="020B0502020202020204" pitchFamily="34" charset="0"/>
               </a:rPr>
-              <a:t>Ingest</a:t>
+              <a:t>获取</a:t>
             </a:r>
             <a:endParaRPr lang="en-US" sz="2000" b="1" dirty="0">
               <a:solidFill>
@@ -44779,7 +43623,7 @@
         </p:nvSpPr>
         <p:spPr>
           <a:xfrm>
-            <a:off x="457199" y="-131497"/>
+            <a:off x="356991" y="-131497"/>
             <a:ext cx="8230965" cy="613818"/>
           </a:xfrm>
         </p:spPr>
@@ -44788,17 +43632,36 @@
           <a:lstStyle/>
           <a:p>
             <a:r>
-              <a:rPr lang="en-US" dirty="0" err="1" smtClean="0"/>
+              <a:rPr lang="zh-CN" altLang="en-US" dirty="0" smtClean="0">
+                <a:latin typeface="Microsoft YaHei" charset="-122"/>
+                <a:ea typeface="Microsoft YaHei" charset="-122"/>
+                <a:cs typeface="Microsoft YaHei" charset="-122"/>
+              </a:rPr>
+              <a:t>基于</a:t>
+            </a:r>
+            <a:r>
+              <a:rPr lang="en-US" altLang="zh-CN" dirty="0" err="1" smtClean="0">
+                <a:latin typeface="Microsoft YaHei" charset="-122"/>
+                <a:ea typeface="Microsoft YaHei" charset="-122"/>
+                <a:cs typeface="Microsoft YaHei" charset="-122"/>
+              </a:rPr>
               <a:t>Kylo</a:t>
             </a:r>
             <a:r>
-              <a:rPr lang="en-US" dirty="0" smtClean="0"/>
-              <a:t>-based Data Lake</a:t>
+              <a:rPr lang="zh-CN" altLang="en-US" dirty="0" smtClean="0">
+                <a:latin typeface="Microsoft YaHei" charset="-122"/>
+                <a:ea typeface="Microsoft YaHei" charset="-122"/>
+                <a:cs typeface="Microsoft YaHei" charset="-122"/>
+              </a:rPr>
+              <a:t>的数据湖架构</a:t>
             </a:r>
             <a:endParaRPr lang="en-US" sz="1300" dirty="0">
               <a:solidFill>
                 <a:srgbClr val="266DAE"/>
               </a:solidFill>
+              <a:latin typeface="Microsoft YaHei" charset="-122"/>
+              <a:ea typeface="Microsoft YaHei" charset="-122"/>
+              <a:cs typeface="Microsoft YaHei" charset="-122"/>
             </a:endParaRPr>
           </a:p>
         </p:txBody>
@@ -49098,13 +47961,18 @@
                 </a:spcBef>
               </a:pPr>
               <a:r>
-                <a:rPr lang="en-US" sz="1600" dirty="0" smtClean="0">
+                <a:rPr lang="zh-CN" altLang="en-US" sz="1600" dirty="0" smtClean="0">
                   <a:solidFill>
                     <a:schemeClr val="bg1"/>
                   </a:solidFill>
                 </a:rPr>
-                <a:t>Streams</a:t>
+                <a:t>流</a:t>
               </a:r>
+              <a:endParaRPr lang="en-US" sz="1600" dirty="0" smtClean="0">
+                <a:solidFill>
+                  <a:schemeClr val="bg1"/>
+                </a:solidFill>
+              </a:endParaRPr>
             </a:p>
           </p:txBody>
         </p:sp>
@@ -49139,13 +48007,18 @@
                 </a:spcBef>
               </a:pPr>
               <a:r>
-                <a:rPr lang="en-US" sz="1600" dirty="0" smtClean="0">
+                <a:rPr lang="zh-CN" altLang="en-US" sz="1600" dirty="0" smtClean="0">
                   <a:solidFill>
                     <a:schemeClr val="bg1"/>
                   </a:solidFill>
                 </a:rPr>
-                <a:t>Search</a:t>
+                <a:t>搜索</a:t>
               </a:r>
+              <a:endParaRPr lang="en-US" sz="1600" dirty="0" smtClean="0">
+                <a:solidFill>
+                  <a:schemeClr val="bg1"/>
+                </a:solidFill>
+              </a:endParaRPr>
             </a:p>
           </p:txBody>
         </p:sp>
@@ -49180,13 +48053,18 @@
                 </a:spcBef>
               </a:pPr>
               <a:r>
-                <a:rPr lang="en-US" sz="1600" dirty="0" smtClean="0">
+                <a:rPr lang="zh-CN" altLang="en-US" sz="1600" dirty="0" smtClean="0">
                   <a:solidFill>
                     <a:schemeClr val="bg1"/>
                   </a:solidFill>
                 </a:rPr>
-                <a:t>Wrangle</a:t>
+                <a:t>归并</a:t>
               </a:r>
+              <a:endParaRPr lang="en-US" sz="1600" dirty="0" smtClean="0">
+                <a:solidFill>
+                  <a:schemeClr val="bg1"/>
+                </a:solidFill>
+              </a:endParaRPr>
             </a:p>
           </p:txBody>
         </p:sp>
@@ -49274,13 +48152,13 @@
           <a:p>
             <a:pPr lvl="0" algn="ctr"/>
             <a:r>
-              <a:rPr lang="en-US" sz="1700" b="1" dirty="0">
+              <a:rPr lang="zh-CN" altLang="en-US" sz="1700" b="1" dirty="0" smtClean="0">
                 <a:solidFill>
                   <a:srgbClr val="FFFFFF"/>
                 </a:solidFill>
                 <a:latin typeface="Century Gothic" panose="020B0502020202020204" pitchFamily="34" charset="0"/>
               </a:rPr>
-              <a:t>Security, </a:t>
+              <a:t>安全、元数据</a:t>
             </a:r>
             <a:r>
               <a:rPr lang="en-US" sz="1700" b="1" dirty="0" smtClean="0">
@@ -49289,16 +48167,25 @@
                 </a:solidFill>
                 <a:latin typeface="Century Gothic" panose="020B0502020202020204" pitchFamily="34" charset="0"/>
               </a:rPr>
-              <a:t>Metadata/Lineage</a:t>
+              <a:t>/</a:t>
             </a:r>
             <a:r>
-              <a:rPr lang="en-US" sz="1700" b="1" dirty="0">
+              <a:rPr lang="zh-CN" altLang="en-US" sz="1700" b="1" dirty="0" smtClean="0">
                 <a:solidFill>
                   <a:srgbClr val="FFFFFF"/>
                 </a:solidFill>
                 <a:latin typeface="Century Gothic" panose="020B0502020202020204" pitchFamily="34" charset="0"/>
               </a:rPr>
-              <a:t>, </a:t>
+              <a:t>数据亲</a:t>
+            </a:r>
+            <a:r>
+              <a:rPr lang="zh-CN" altLang="en-US" sz="1700" b="1" dirty="0" smtClean="0">
+                <a:solidFill>
+                  <a:srgbClr val="FFFFFF"/>
+                </a:solidFill>
+                <a:latin typeface="Century Gothic" panose="020B0502020202020204" pitchFamily="34" charset="0"/>
+              </a:rPr>
+              <a:t>缘、</a:t>
             </a:r>
             <a:r>
               <a:rPr lang="en-US" sz="1700" b="1" dirty="0" smtClean="0">
@@ -49307,7 +48194,16 @@
                 </a:solidFill>
                 <a:latin typeface="Century Gothic" panose="020B0502020202020204" pitchFamily="34" charset="0"/>
               </a:rPr>
-              <a:t>Operations</a:t>
+              <a:t> </a:t>
+            </a:r>
+            <a:r>
+              <a:rPr lang="zh-CN" altLang="en-US" sz="1700" b="1" dirty="0" smtClean="0">
+                <a:solidFill>
+                  <a:srgbClr val="FFFFFF"/>
+                </a:solidFill>
+                <a:latin typeface="Century Gothic" panose="020B0502020202020204" pitchFamily="34" charset="0"/>
+              </a:rPr>
+              <a:t>操作</a:t>
             </a:r>
             <a:endParaRPr lang="en-US" sz="1700" b="1" dirty="0">
               <a:solidFill>
@@ -51570,13 +50466,18 @@
                 </a:spcBef>
               </a:pPr>
               <a:r>
-                <a:rPr lang="en-US" sz="1600" dirty="0" smtClean="0">
+                <a:rPr lang="zh-CN" altLang="en-US" sz="1600" dirty="0" smtClean="0">
                   <a:solidFill>
                     <a:schemeClr val="bg1"/>
                   </a:solidFill>
                 </a:rPr>
-                <a:t>Cleansing</a:t>
+                <a:t>清洗</a:t>
               </a:r>
+              <a:endParaRPr lang="en-US" sz="1600" dirty="0" smtClean="0">
+                <a:solidFill>
+                  <a:schemeClr val="bg1"/>
+                </a:solidFill>
+              </a:endParaRPr>
             </a:p>
           </p:txBody>
         </p:sp>
@@ -51611,13 +50512,18 @@
                 </a:spcBef>
               </a:pPr>
               <a:r>
-                <a:rPr lang="en-US" sz="1600" dirty="0" smtClean="0">
+                <a:rPr lang="zh-CN" altLang="en-US" sz="1600" dirty="0" smtClean="0">
                   <a:solidFill>
                     <a:schemeClr val="bg1"/>
                   </a:solidFill>
                 </a:rPr>
-                <a:t>Access</a:t>
+                <a:t>访问</a:t>
               </a:r>
+              <a:endParaRPr lang="en-US" sz="1600" dirty="0" smtClean="0">
+                <a:solidFill>
+                  <a:schemeClr val="bg1"/>
+                </a:solidFill>
+              </a:endParaRPr>
             </a:p>
           </p:txBody>
         </p:sp>
@@ -51630,10 +50536,10 @@
         </p:nvGrpSpPr>
         <p:grpSpPr>
           <a:xfrm>
-            <a:off x="2081141" y="2932695"/>
-            <a:ext cx="4566651" cy="1147712"/>
-            <a:chOff x="2081140" y="2762447"/>
-            <a:chExt cx="4566651" cy="1147711"/>
+            <a:off x="2066063" y="2932695"/>
+            <a:ext cx="4392575" cy="1128048"/>
+            <a:chOff x="2066062" y="2762447"/>
+            <a:chExt cx="4392575" cy="1128047"/>
           </a:xfrm>
         </p:grpSpPr>
         <p:sp>
@@ -51644,8 +50550,8 @@
           </p:nvSpPr>
           <p:spPr bwMode="gray">
             <a:xfrm>
-              <a:off x="5674448" y="3669921"/>
-              <a:ext cx="973343" cy="240237"/>
+              <a:off x="5863602" y="3669921"/>
+              <a:ext cx="595035" cy="220573"/>
             </a:xfrm>
             <a:prstGeom prst="rect">
               <a:avLst/>
@@ -51663,12 +50569,12 @@
                 </a:lnSpc>
               </a:pPr>
               <a:r>
-                <a:rPr lang="en-US" sz="1600" dirty="0" smtClean="0">
+                <a:rPr lang="zh-CN" altLang="en-US" sz="1600" dirty="0" smtClean="0">
                   <a:solidFill>
                     <a:schemeClr val="bg1"/>
                   </a:solidFill>
                 </a:rPr>
-                <a:t>Analyze</a:t>
+                <a:t>分析</a:t>
               </a:r>
               <a:endParaRPr lang="en-US" sz="1600" dirty="0">
                 <a:solidFill>
@@ -51686,8 +50592,8 @@
           </p:nvSpPr>
           <p:spPr bwMode="gray">
             <a:xfrm>
-              <a:off x="3556266" y="3663188"/>
-              <a:ext cx="1467569" cy="240237"/>
+              <a:off x="3964480" y="3663188"/>
+              <a:ext cx="651140" cy="220573"/>
             </a:xfrm>
             <a:prstGeom prst="rect">
               <a:avLst/>
@@ -51705,12 +50611,20 @@
                 </a:lnSpc>
               </a:pPr>
               <a:r>
+                <a:rPr lang="zh-CN" altLang="en-US" sz="1600" dirty="0" smtClean="0">
+                  <a:solidFill>
+                    <a:schemeClr val="bg1"/>
+                  </a:solidFill>
+                </a:rPr>
+                <a:t>治理</a:t>
+              </a:r>
+              <a:r>
                 <a:rPr lang="en-US" sz="1600" dirty="0" smtClean="0">
                   <a:solidFill>
                     <a:schemeClr val="bg1"/>
                   </a:solidFill>
                 </a:rPr>
-                <a:t>Governance </a:t>
+                <a:t> </a:t>
               </a:r>
               <a:endParaRPr lang="en-US" sz="1600" dirty="0">
                 <a:solidFill>
@@ -51728,8 +50642,8 @@
           </p:nvSpPr>
           <p:spPr bwMode="gray">
             <a:xfrm>
-              <a:off x="2081140" y="2762447"/>
-              <a:ext cx="770063" cy="240237"/>
+              <a:off x="2066062" y="2762447"/>
+              <a:ext cx="800219" cy="220573"/>
             </a:xfrm>
             <a:prstGeom prst="rect">
               <a:avLst/>
@@ -51747,12 +50661,12 @@
                 </a:lnSpc>
               </a:pPr>
               <a:r>
-                <a:rPr lang="en-US" sz="1600" dirty="0" smtClean="0">
+                <a:rPr lang="zh-CN" altLang="en-US" sz="1600" dirty="0" smtClean="0">
                   <a:solidFill>
                     <a:schemeClr val="bg1"/>
                   </a:solidFill>
                 </a:rPr>
-                <a:t>Batch</a:t>
+                <a:t>批处理</a:t>
               </a:r>
               <a:endParaRPr lang="en-US" sz="1600" dirty="0">
                 <a:solidFill>
@@ -52724,8 +51638,8 @@
           <a:lstStyle/>
           <a:p>
             <a:r>
-              <a:rPr lang="en-US" dirty="0" smtClean="0"/>
-              <a:t>Data Lake Design Approach to Success</a:t>
+              <a:rPr lang="zh-CN" altLang="en-US" dirty="0" smtClean="0"/>
+              <a:t>数据湖架构设计成功之道</a:t>
             </a:r>
             <a:endParaRPr lang="en-US" sz="1300" dirty="0">
               <a:solidFill>
@@ -52851,8 +51765,8 @@
         </p:nvSpPr>
         <p:spPr>
           <a:xfrm>
-            <a:off x="381000" y="383321"/>
-            <a:ext cx="7612912" cy="410409"/>
+            <a:off x="381000" y="127591"/>
+            <a:ext cx="7612912" cy="666139"/>
           </a:xfrm>
         </p:spPr>
         <p:txBody>
@@ -52860,25 +51774,29 @@
           <a:lstStyle/>
           <a:p>
             <a:r>
-              <a:rPr lang="en-US" dirty="0"/>
-              <a:t>Data Lake </a:t>
+              <a:rPr lang="zh-CN" altLang="en-US" dirty="0" smtClean="0"/>
+              <a:t>数据湖基础实施</a:t>
+            </a:r>
+            <a:r>
+              <a:rPr lang="zh-CN" altLang="en-US" dirty="0" smtClean="0"/>
+              <a:t>成功之道</a:t>
             </a:r>
             <a:r>
               <a:rPr lang="en-US" dirty="0" smtClean="0"/>
-              <a:t>Foundation Implementation for Success</a:t>
+              <a:t/>
             </a:r>
             <a:br>
               <a:rPr lang="en-US" dirty="0" smtClean="0"/>
             </a:br>
             <a:r>
-              <a:rPr lang="en-US" sz="1800" dirty="0" smtClean="0">
+              <a:rPr lang="zh-CN" altLang="en-US" sz="1800" dirty="0" smtClean="0">
                 <a:solidFill>
                   <a:schemeClr val="bg1">
                     <a:lumMod val="50000"/>
                   </a:schemeClr>
                 </a:solidFill>
               </a:rPr>
-              <a:t>Best Practices to Delivery User Access and Business Value</a:t>
+              <a:t>提供用户访问和产生业务价值的最佳实践</a:t>
             </a:r>
             <a:endParaRPr lang="en-US" sz="1800" dirty="0">
               <a:solidFill>
@@ -52902,7 +51820,7 @@
         </p:nvSpPr>
         <p:spPr>
           <a:xfrm>
-            <a:off x="381000" y="1283244"/>
+            <a:off x="381000" y="1155648"/>
             <a:ext cx="8580473" cy="3457235"/>
           </a:xfrm>
         </p:spPr>
@@ -52921,11 +51839,27 @@
               <a:buChar char="§"/>
             </a:pPr>
             <a:r>
-              <a:rPr lang="en-US" sz="1400" b="1" dirty="0" smtClean="0"/>
-              <a:t>Data Lake framework. </a:t>
+              <a:rPr lang="zh-CN" altLang="en-US" sz="1400" b="1" dirty="0" smtClean="0">
+                <a:latin typeface="Microsoft YaHei" charset="-122"/>
+                <a:ea typeface="Microsoft YaHei" charset="-122"/>
+                <a:cs typeface="Microsoft YaHei" charset="-122"/>
+              </a:rPr>
+              <a:t>数据湖框架</a:t>
             </a:r>
             <a:r>
-              <a:rPr lang="en-US" sz="1400" dirty="0" smtClean="0"/>
+              <a:rPr lang="en-US" sz="1400" b="1" dirty="0" smtClean="0">
+                <a:latin typeface="Microsoft YaHei" charset="-122"/>
+                <a:ea typeface="Microsoft YaHei" charset="-122"/>
+                <a:cs typeface="Microsoft YaHei" charset="-122"/>
+              </a:rPr>
+              <a:t>. </a:t>
+            </a:r>
+            <a:r>
+              <a:rPr lang="en-US" sz="1400" dirty="0" smtClean="0">
+                <a:latin typeface="Microsoft YaHei" charset="-122"/>
+                <a:ea typeface="Microsoft YaHei" charset="-122"/>
+                <a:cs typeface="Microsoft YaHei" charset="-122"/>
+              </a:rPr>
               <a:t>Proven end-to-end framework from data source ingest to user access</a:t>
             </a:r>
           </a:p>
@@ -52941,12 +51875,36 @@
               <a:buChar char="§"/>
             </a:pPr>
             <a:r>
-              <a:rPr lang="en-US" sz="1400" b="1" dirty="0" smtClean="0"/>
-              <a:t>Data Ingest/wrangle.</a:t>
+              <a:rPr lang="zh-CN" altLang="en-US" sz="1400" b="1" dirty="0" smtClean="0">
+                <a:latin typeface="Microsoft YaHei" charset="-122"/>
+                <a:ea typeface="Microsoft YaHei" charset="-122"/>
+                <a:cs typeface="Microsoft YaHei" charset="-122"/>
+              </a:rPr>
+              <a:t>数据接收与存储</a:t>
             </a:r>
             <a:r>
-              <a:rPr lang="en-US" sz="1400" dirty="0" smtClean="0"/>
-              <a:t>  Feed processing configured around a few key business data use cases  </a:t>
+              <a:rPr lang="en-US" sz="1400" b="1" dirty="0" smtClean="0">
+                <a:latin typeface="Microsoft YaHei" charset="-122"/>
+                <a:ea typeface="Microsoft YaHei" charset="-122"/>
+                <a:cs typeface="Microsoft YaHei" charset="-122"/>
+              </a:rPr>
+              <a:t>.</a:t>
+            </a:r>
+            <a:r>
+              <a:rPr lang="en-US" sz="1400" dirty="0" smtClean="0">
+                <a:latin typeface="Microsoft YaHei" charset="-122"/>
+                <a:ea typeface="Microsoft YaHei" charset="-122"/>
+                <a:cs typeface="Microsoft YaHei" charset="-122"/>
+              </a:rPr>
+              <a:t>  </a:t>
+            </a:r>
+            <a:r>
+              <a:rPr lang="en-US" sz="1400" dirty="0" smtClean="0">
+                <a:latin typeface="Microsoft YaHei" charset="-122"/>
+                <a:ea typeface="Microsoft YaHei" charset="-122"/>
+                <a:cs typeface="Microsoft YaHei" charset="-122"/>
+              </a:rPr>
+              <a:t>Feed processing configured around a few key business data use cases  </a:t>
             </a:r>
           </a:p>
           <a:p>
@@ -52961,14 +51919,34 @@
               <a:buChar char="§"/>
             </a:pPr>
             <a:r>
-              <a:rPr lang="en-US" sz="1400" b="1" dirty="0" smtClean="0"/>
-              <a:t>Data Preparation. </a:t>
+              <a:rPr lang="zh-CN" altLang="en-US" sz="1400" b="1" dirty="0" smtClean="0">
+                <a:latin typeface="Microsoft YaHei" charset="-122"/>
+                <a:ea typeface="Microsoft YaHei" charset="-122"/>
+                <a:cs typeface="Microsoft YaHei" charset="-122"/>
+              </a:rPr>
+              <a:t>数据准备</a:t>
             </a:r>
             <a:r>
-              <a:rPr lang="en-US" sz="1400" dirty="0" smtClean="0"/>
+              <a:rPr lang="en-US" sz="1400" b="1" dirty="0" smtClean="0">
+                <a:latin typeface="Microsoft YaHei" charset="-122"/>
+                <a:ea typeface="Microsoft YaHei" charset="-122"/>
+                <a:cs typeface="Microsoft YaHei" charset="-122"/>
+              </a:rPr>
+              <a:t>. </a:t>
+            </a:r>
+            <a:r>
+              <a:rPr lang="en-US" sz="1400" dirty="0" smtClean="0">
+                <a:latin typeface="Microsoft YaHei" charset="-122"/>
+                <a:ea typeface="Microsoft YaHei" charset="-122"/>
+                <a:cs typeface="Microsoft YaHei" charset="-122"/>
+              </a:rPr>
               <a:t>Configure data cleansing and preparation </a:t>
             </a:r>
-            <a:endParaRPr lang="en-US" sz="1400" dirty="0"/>
+            <a:endParaRPr lang="en-US" sz="1400" dirty="0">
+              <a:latin typeface="Microsoft YaHei" charset="-122"/>
+              <a:ea typeface="Microsoft YaHei" charset="-122"/>
+              <a:cs typeface="Microsoft YaHei" charset="-122"/>
+            </a:endParaRPr>
           </a:p>
           <a:p>
             <a:pPr>
@@ -52982,14 +51960,34 @@
               <a:buChar char="§"/>
             </a:pPr>
             <a:r>
-              <a:rPr lang="en-US" sz="1400" b="1" dirty="0" smtClean="0"/>
-              <a:t>Data Confidence.  </a:t>
+              <a:rPr lang="zh-CN" altLang="en-US" sz="1400" b="1" dirty="0" smtClean="0">
+                <a:latin typeface="Microsoft YaHei" charset="-122"/>
+                <a:ea typeface="Microsoft YaHei" charset="-122"/>
+                <a:cs typeface="Microsoft YaHei" charset="-122"/>
+              </a:rPr>
+              <a:t>数据检查校验</a:t>
             </a:r>
             <a:r>
-              <a:rPr lang="en-US" sz="1400" dirty="0" smtClean="0"/>
+              <a:rPr lang="en-US" sz="1400" b="1" dirty="0" smtClean="0">
+                <a:latin typeface="Microsoft YaHei" charset="-122"/>
+                <a:ea typeface="Microsoft YaHei" charset="-122"/>
+                <a:cs typeface="Microsoft YaHei" charset="-122"/>
+              </a:rPr>
+              <a:t>.  </a:t>
+            </a:r>
+            <a:r>
+              <a:rPr lang="en-US" sz="1400" dirty="0" smtClean="0">
+                <a:latin typeface="Microsoft YaHei" charset="-122"/>
+                <a:ea typeface="Microsoft YaHei" charset="-122"/>
+                <a:cs typeface="Microsoft YaHei" charset="-122"/>
+              </a:rPr>
               <a:t>Ensure completeness, freshness and data quality check processes</a:t>
             </a:r>
-            <a:endParaRPr lang="en-US" sz="1400" b="1" dirty="0" smtClean="0"/>
+            <a:endParaRPr lang="en-US" sz="1400" b="1" dirty="0" smtClean="0">
+              <a:latin typeface="Microsoft YaHei" charset="-122"/>
+              <a:ea typeface="Microsoft YaHei" charset="-122"/>
+              <a:cs typeface="Microsoft YaHei" charset="-122"/>
+            </a:endParaRPr>
           </a:p>
           <a:p>
             <a:pPr>
@@ -53003,12 +52001,36 @@
               <a:buChar char="§"/>
             </a:pPr>
             <a:r>
-              <a:rPr lang="en-US" sz="1400" b="1" dirty="0" smtClean="0"/>
-              <a:t>Governance.</a:t>
+              <a:rPr lang="zh-CN" altLang="en-US" sz="1400" b="1" dirty="0" smtClean="0">
+                <a:latin typeface="Microsoft YaHei" charset="-122"/>
+                <a:ea typeface="Microsoft YaHei" charset="-122"/>
+                <a:cs typeface="Microsoft YaHei" charset="-122"/>
+              </a:rPr>
+              <a:t>数据治理</a:t>
             </a:r>
             <a:r>
-              <a:rPr lang="en-US" sz="1400" dirty="0" smtClean="0"/>
-              <a:t>  Configure custom validation rules and data confidence metrics</a:t>
+              <a:rPr lang="en-US" sz="1400" b="1" dirty="0" smtClean="0">
+                <a:latin typeface="Microsoft YaHei" charset="-122"/>
+                <a:ea typeface="Microsoft YaHei" charset="-122"/>
+                <a:cs typeface="Microsoft YaHei" charset="-122"/>
+              </a:rPr>
+              <a:t>.</a:t>
+            </a:r>
+            <a:r>
+              <a:rPr lang="en-US" sz="1400" dirty="0" smtClean="0">
+                <a:latin typeface="Microsoft YaHei" charset="-122"/>
+                <a:ea typeface="Microsoft YaHei" charset="-122"/>
+                <a:cs typeface="Microsoft YaHei" charset="-122"/>
+              </a:rPr>
+              <a:t>  </a:t>
+            </a:r>
+            <a:r>
+              <a:rPr lang="en-US" sz="1400" dirty="0" smtClean="0">
+                <a:latin typeface="Microsoft YaHei" charset="-122"/>
+                <a:ea typeface="Microsoft YaHei" charset="-122"/>
+                <a:cs typeface="Microsoft YaHei" charset="-122"/>
+              </a:rPr>
+              <a:t>Configure custom validation rules and data confidence metrics</a:t>
             </a:r>
           </a:p>
           <a:p>
@@ -53023,14 +52045,42 @@
               <a:buChar char="§"/>
             </a:pPr>
             <a:r>
-              <a:rPr lang="en-US" sz="1400" b="1" dirty="0" smtClean="0"/>
-              <a:t>Security.</a:t>
+              <a:rPr lang="zh-CN" altLang="en-US" sz="1400" b="1" dirty="0" smtClean="0">
+                <a:latin typeface="Microsoft YaHei" charset="-122"/>
+                <a:ea typeface="Microsoft YaHei" charset="-122"/>
+                <a:cs typeface="Microsoft YaHei" charset="-122"/>
+              </a:rPr>
+              <a:t>数据安全</a:t>
             </a:r>
             <a:r>
-              <a:rPr lang="en-US" sz="1400" dirty="0" smtClean="0"/>
-              <a:t>  Setup users, groups, and roles. Configured for Ranger/Sentry and Kerberos (if available)</a:t>
+              <a:rPr lang="en-US" sz="1400" b="1" dirty="0" smtClean="0">
+                <a:latin typeface="Microsoft YaHei" charset="-122"/>
+                <a:ea typeface="Microsoft YaHei" charset="-122"/>
+                <a:cs typeface="Microsoft YaHei" charset="-122"/>
+              </a:rPr>
+              <a:t>.</a:t>
             </a:r>
-            <a:endParaRPr lang="en-US" sz="1400" dirty="0"/>
+            <a:r>
+              <a:rPr lang="en-US" sz="1400" dirty="0" smtClean="0">
+                <a:latin typeface="Microsoft YaHei" charset="-122"/>
+                <a:ea typeface="Microsoft YaHei" charset="-122"/>
+                <a:cs typeface="Microsoft YaHei" charset="-122"/>
+              </a:rPr>
+              <a:t>  </a:t>
+            </a:r>
+            <a:r>
+              <a:rPr lang="en-US" sz="1400" dirty="0" smtClean="0">
+                <a:latin typeface="Microsoft YaHei" charset="-122"/>
+                <a:ea typeface="Microsoft YaHei" charset="-122"/>
+                <a:cs typeface="Microsoft YaHei" charset="-122"/>
+              </a:rPr>
+              <a:t>Setup users, groups, and roles. Configured for Ranger/Sentry and Kerberos (if available)</a:t>
+            </a:r>
+            <a:endParaRPr lang="en-US" sz="1400" dirty="0">
+              <a:latin typeface="Microsoft YaHei" charset="-122"/>
+              <a:ea typeface="Microsoft YaHei" charset="-122"/>
+              <a:cs typeface="Microsoft YaHei" charset="-122"/>
+            </a:endParaRPr>
           </a:p>
           <a:p>
             <a:pPr>
@@ -53044,14 +52094,42 @@
               <a:buChar char="§"/>
             </a:pPr>
             <a:r>
-              <a:rPr lang="en-US" sz="1400" b="1" dirty="0" smtClean="0"/>
-              <a:t>Monitoring.</a:t>
+              <a:rPr lang="zh-CN" altLang="en-US" sz="1400" b="1" dirty="0" smtClean="0">
+                <a:latin typeface="Microsoft YaHei" charset="-122"/>
+                <a:ea typeface="Microsoft YaHei" charset="-122"/>
+                <a:cs typeface="Microsoft YaHei" charset="-122"/>
+              </a:rPr>
+              <a:t>监控</a:t>
             </a:r>
             <a:r>
-              <a:rPr lang="en-US" sz="1400" dirty="0" smtClean="0"/>
-              <a:t> Setup data pipeline health monitoring and service level agreements</a:t>
+              <a:rPr lang="en-US" sz="1400" b="1" dirty="0" smtClean="0">
+                <a:latin typeface="Microsoft YaHei" charset="-122"/>
+                <a:ea typeface="Microsoft YaHei" charset="-122"/>
+                <a:cs typeface="Microsoft YaHei" charset="-122"/>
+              </a:rPr>
+              <a:t>.</a:t>
             </a:r>
-            <a:endParaRPr lang="en-US" sz="1400" dirty="0"/>
+            <a:r>
+              <a:rPr lang="en-US" sz="1400" dirty="0" smtClean="0">
+                <a:latin typeface="Microsoft YaHei" charset="-122"/>
+                <a:ea typeface="Microsoft YaHei" charset="-122"/>
+                <a:cs typeface="Microsoft YaHei" charset="-122"/>
+              </a:rPr>
+              <a:t> </a:t>
+            </a:r>
+            <a:r>
+              <a:rPr lang="en-US" sz="1400" dirty="0" smtClean="0">
+                <a:latin typeface="Microsoft YaHei" charset="-122"/>
+                <a:ea typeface="Microsoft YaHei" charset="-122"/>
+                <a:cs typeface="Microsoft YaHei" charset="-122"/>
+              </a:rPr>
+              <a:t>Setup data pipeline health monitoring and service level agreements</a:t>
+            </a:r>
+            <a:endParaRPr lang="en-US" sz="1400" dirty="0">
+              <a:latin typeface="Microsoft YaHei" charset="-122"/>
+              <a:ea typeface="Microsoft YaHei" charset="-122"/>
+              <a:cs typeface="Microsoft YaHei" charset="-122"/>
+            </a:endParaRPr>
           </a:p>
           <a:p>
             <a:pPr>
@@ -53065,12 +52143,36 @@
               <a:buChar char="§"/>
             </a:pPr>
             <a:r>
-              <a:rPr lang="en-US" sz="1400" b="1" dirty="0" smtClean="0"/>
-              <a:t>Customization Templates.</a:t>
+              <a:rPr lang="zh-CN" altLang="en-US" sz="1400" b="1" dirty="0" smtClean="0">
+                <a:latin typeface="Microsoft YaHei" charset="-122"/>
+                <a:ea typeface="Microsoft YaHei" charset="-122"/>
+                <a:cs typeface="Microsoft YaHei" charset="-122"/>
+              </a:rPr>
+              <a:t>自定义模版</a:t>
             </a:r>
             <a:r>
-              <a:rPr lang="en-US" sz="1400" dirty="0" smtClean="0"/>
-              <a:t> Build templates/processors for repeated &amp; consistent use </a:t>
+              <a:rPr lang="en-US" sz="1400" b="1" dirty="0" smtClean="0">
+                <a:latin typeface="Microsoft YaHei" charset="-122"/>
+                <a:ea typeface="Microsoft YaHei" charset="-122"/>
+                <a:cs typeface="Microsoft YaHei" charset="-122"/>
+              </a:rPr>
+              <a:t>.</a:t>
+            </a:r>
+            <a:r>
+              <a:rPr lang="en-US" sz="1400" dirty="0" smtClean="0">
+                <a:latin typeface="Microsoft YaHei" charset="-122"/>
+                <a:ea typeface="Microsoft YaHei" charset="-122"/>
+                <a:cs typeface="Microsoft YaHei" charset="-122"/>
+              </a:rPr>
+              <a:t> </a:t>
+            </a:r>
+            <a:r>
+              <a:rPr lang="en-US" sz="1400" dirty="0" smtClean="0">
+                <a:latin typeface="Microsoft YaHei" charset="-122"/>
+                <a:ea typeface="Microsoft YaHei" charset="-122"/>
+                <a:cs typeface="Microsoft YaHei" charset="-122"/>
+              </a:rPr>
+              <a:t>Build templates/processors for repeated &amp; consistent use </a:t>
             </a:r>
           </a:p>
           <a:p>
@@ -53085,16 +52187,36 @@
               <a:buChar char="§"/>
             </a:pPr>
             <a:r>
-              <a:rPr lang="en-US" sz="1400" b="1" dirty="0" smtClean="0"/>
-              <a:t>Training</a:t>
+              <a:rPr lang="zh-CN" altLang="en-US" sz="1400" b="1" dirty="0" smtClean="0">
+                <a:latin typeface="Microsoft YaHei" charset="-122"/>
+                <a:ea typeface="Microsoft YaHei" charset="-122"/>
+                <a:cs typeface="Microsoft YaHei" charset="-122"/>
+              </a:rPr>
+              <a:t>培训</a:t>
             </a:r>
             <a:r>
-              <a:rPr lang="en-US" sz="1400" b="1" dirty="0"/>
+              <a:rPr lang="en-US" sz="1400" b="1" dirty="0" smtClean="0">
+                <a:latin typeface="Microsoft YaHei" charset="-122"/>
+                <a:ea typeface="Microsoft YaHei" charset="-122"/>
+                <a:cs typeface="Microsoft YaHei" charset="-122"/>
+              </a:rPr>
               <a:t>.</a:t>
             </a:r>
             <a:r>
-              <a:rPr lang="en-US" sz="1400" dirty="0"/>
-              <a:t> Ramp and transition to own of admin and users of this best practices framework </a:t>
+              <a:rPr lang="en-US" sz="1400" dirty="0" smtClean="0">
+                <a:latin typeface="Microsoft YaHei" charset="-122"/>
+                <a:ea typeface="Microsoft YaHei" charset="-122"/>
+                <a:cs typeface="Microsoft YaHei" charset="-122"/>
+              </a:rPr>
+              <a:t> </a:t>
+            </a:r>
+            <a:r>
+              <a:rPr lang="en-US" sz="1400" dirty="0">
+                <a:latin typeface="Microsoft YaHei" charset="-122"/>
+                <a:ea typeface="Microsoft YaHei" charset="-122"/>
+                <a:cs typeface="Microsoft YaHei" charset="-122"/>
+              </a:rPr>
+              <a:t>Ramp and transition to own of admin and users of this best practices framework </a:t>
             </a:r>
           </a:p>
           <a:p>
@@ -53109,18 +52231,50 @@
               <a:buChar char="§"/>
             </a:pPr>
             <a:r>
-              <a:rPr lang="en-US" sz="1400" b="1" dirty="0" smtClean="0"/>
-              <a:t>Documentation.</a:t>
+              <a:rPr lang="zh-CN" altLang="en-US" sz="1400" b="1" dirty="0" smtClean="0">
+                <a:latin typeface="Microsoft YaHei" charset="-122"/>
+                <a:ea typeface="Microsoft YaHei" charset="-122"/>
+                <a:cs typeface="Microsoft YaHei" charset="-122"/>
+              </a:rPr>
+              <a:t>文档化</a:t>
             </a:r>
             <a:r>
-              <a:rPr lang="en-US" sz="1400" dirty="0" smtClean="0"/>
-              <a:t> Approach document, Install guide, Best Practices guide, and </a:t>
+              <a:rPr lang="en-US" sz="1400" b="1" dirty="0" smtClean="0">
+                <a:latin typeface="Microsoft YaHei" charset="-122"/>
+                <a:ea typeface="Microsoft YaHei" charset="-122"/>
+                <a:cs typeface="Microsoft YaHei" charset="-122"/>
+              </a:rPr>
+              <a:t>.</a:t>
             </a:r>
             <a:r>
-              <a:rPr lang="en-US" sz="1400" dirty="0" err="1" smtClean="0"/>
+              <a:rPr lang="en-US" sz="1400" dirty="0" smtClean="0">
+                <a:latin typeface="Microsoft YaHei" charset="-122"/>
+                <a:ea typeface="Microsoft YaHei" charset="-122"/>
+                <a:cs typeface="Microsoft YaHei" charset="-122"/>
+              </a:rPr>
+              <a:t> </a:t>
+            </a:r>
+            <a:r>
+              <a:rPr lang="en-US" sz="1400" dirty="0" smtClean="0">
+                <a:latin typeface="Microsoft YaHei" charset="-122"/>
+                <a:ea typeface="Microsoft YaHei" charset="-122"/>
+                <a:cs typeface="Microsoft YaHei" charset="-122"/>
+              </a:rPr>
+              <a:t>Approach document, Install guide, Best Practices guide, and </a:t>
+            </a:r>
+            <a:r>
+              <a:rPr lang="en-US" sz="1400" dirty="0" err="1" smtClean="0">
+                <a:latin typeface="Microsoft YaHei" charset="-122"/>
+                <a:ea typeface="Microsoft YaHei" charset="-122"/>
+                <a:cs typeface="Microsoft YaHei" charset="-122"/>
+              </a:rPr>
               <a:t>runbook</a:t>
             </a:r>
-            <a:endParaRPr lang="en-US" sz="1400" dirty="0"/>
+            <a:endParaRPr lang="en-US" sz="1400" dirty="0">
+              <a:latin typeface="Microsoft YaHei" charset="-122"/>
+              <a:ea typeface="Microsoft YaHei" charset="-122"/>
+              <a:cs typeface="Microsoft YaHei" charset="-122"/>
+            </a:endParaRPr>
           </a:p>
         </p:txBody>
       </p:sp>
@@ -53171,319 +52325,6 @@
       </p:grpSpPr>
       <p:sp>
         <p:nvSpPr>
-          <p:cNvPr id="3" name="Content Placeholder 2"/>
-          <p:cNvSpPr>
-            <a:spLocks noGrp="1"/>
-          </p:cNvSpPr>
-          <p:nvPr>
-            <p:ph idx="1"/>
-          </p:nvPr>
-        </p:nvSpPr>
-        <p:spPr>
-          <a:xfrm>
-            <a:off x="425301" y="713774"/>
-            <a:ext cx="8378456" cy="3815697"/>
-          </a:xfrm>
-        </p:spPr>
-        <p:txBody>
-          <a:bodyPr/>
-          <a:lstStyle/>
-          <a:p>
-            <a:pPr lvl="0"/>
-            <a:r>
-              <a:rPr lang="en-US" sz="1500" dirty="0" smtClean="0"/>
-              <a:t>Kylo is an open-source </a:t>
-            </a:r>
-            <a:r>
-              <a:rPr lang="en-US" sz="1500" dirty="0"/>
-              <a:t>Data Lake Platform Framework </a:t>
-            </a:r>
-            <a:r>
-              <a:rPr lang="en-US" sz="1500" dirty="0" smtClean="0"/>
-              <a:t>that is built </a:t>
-            </a:r>
-            <a:r>
-              <a:rPr lang="en-US" sz="1500" dirty="0"/>
-              <a:t>using </a:t>
-            </a:r>
-            <a:r>
-              <a:rPr lang="en-US" sz="1500" dirty="0" smtClean="0"/>
-              <a:t>the latest </a:t>
-            </a:r>
-            <a:r>
-              <a:rPr lang="en-US" sz="1500" dirty="0"/>
-              <a:t>open source </a:t>
-            </a:r>
-            <a:r>
-              <a:rPr lang="en-US" sz="1500" dirty="0" smtClean="0"/>
-              <a:t>capabilities such </a:t>
-            </a:r>
-            <a:r>
-              <a:rPr lang="en-US" sz="1500" dirty="0"/>
-              <a:t>as Hadoop, Apache Spark and Apache NiFi. </a:t>
-            </a:r>
-          </a:p>
-          <a:p>
-            <a:endParaRPr lang="en-US" sz="200" dirty="0" smtClean="0"/>
-          </a:p>
-          <a:p>
-            <a:r>
-              <a:rPr lang="en-US" sz="1500" dirty="0" smtClean="0"/>
-              <a:t>Kylo </a:t>
-            </a:r>
-            <a:r>
-              <a:rPr lang="en-US" sz="1500" dirty="0"/>
-              <a:t>is </a:t>
-            </a:r>
-            <a:r>
-              <a:rPr lang="en-US" sz="1500" dirty="0" smtClean="0"/>
-              <a:t>a Teradata sponsored, open-source </a:t>
-            </a:r>
-            <a:r>
-              <a:rPr lang="en-US" sz="1500" dirty="0"/>
-              <a:t>project </a:t>
-            </a:r>
-            <a:r>
-              <a:rPr lang="en-US" sz="1500" dirty="0" smtClean="0"/>
-              <a:t>that is offered </a:t>
-            </a:r>
-            <a:r>
-              <a:rPr lang="en-US" sz="1500" dirty="0"/>
-              <a:t>under the Apache 2.0 </a:t>
-            </a:r>
-            <a:r>
-              <a:rPr lang="en-US" sz="1500" dirty="0" smtClean="0"/>
-              <a:t>license </a:t>
-            </a:r>
-            <a:r>
-              <a:rPr lang="en-US" sz="1500" i="1" dirty="0" smtClean="0"/>
-              <a:t>(Kylo </a:t>
-            </a:r>
-            <a:r>
-              <a:rPr lang="en-US" sz="1500" i="1" dirty="0"/>
-              <a:t>is not associated </a:t>
-            </a:r>
-            <a:r>
-              <a:rPr lang="en-US" sz="1500" i="1" dirty="0" smtClean="0"/>
-              <a:t>with </a:t>
-            </a:r>
-            <a:r>
-              <a:rPr lang="en-US" sz="1500" i="1" dirty="0"/>
-              <a:t>the Apache </a:t>
-            </a:r>
-            <a:r>
-              <a:rPr lang="en-US" sz="1500" i="1" dirty="0" smtClean="0"/>
-              <a:t>Foundation).</a:t>
-            </a:r>
-          </a:p>
-          <a:p>
-            <a:pPr lvl="1"/>
-            <a:r>
-              <a:rPr lang="en-US" sz="1400" dirty="0"/>
-              <a:t>Kylo software, documentation </a:t>
-            </a:r>
-            <a:r>
-              <a:rPr lang="en-US" sz="1400" dirty="0" smtClean="0"/>
-              <a:t>&amp; </a:t>
-            </a:r>
-            <a:r>
-              <a:rPr lang="en-US" sz="1400" dirty="0"/>
-              <a:t>tutorials are available via the Kylo </a:t>
-            </a:r>
-            <a:r>
-              <a:rPr lang="en-US" sz="1400" dirty="0" smtClean="0"/>
-              <a:t>website: </a:t>
-            </a:r>
-            <a:r>
-              <a:rPr lang="en-US" sz="1400" dirty="0">
-                <a:hlinkClick r:id="rId2"/>
-              </a:rPr>
-              <a:t>http://</a:t>
-            </a:r>
-            <a:r>
-              <a:rPr lang="en-US" sz="1400" dirty="0" smtClean="0">
-                <a:hlinkClick r:id="rId2"/>
-              </a:rPr>
-              <a:t>kylo.io</a:t>
-            </a:r>
-            <a:endParaRPr lang="en-US" sz="1400" dirty="0" smtClean="0"/>
-          </a:p>
-          <a:p>
-            <a:pPr lvl="1"/>
-            <a:endParaRPr lang="en-US" sz="200" dirty="0" smtClean="0"/>
-          </a:p>
-          <a:p>
-            <a:pPr lvl="0"/>
-            <a:r>
-              <a:rPr lang="en-US" sz="1500" dirty="0" smtClean="0"/>
-              <a:t>Kylo has been innovated by Think </a:t>
-            </a:r>
-            <a:r>
-              <a:rPr lang="en-US" sz="1500" dirty="0"/>
-              <a:t>Big Analytics </a:t>
-            </a:r>
-            <a:r>
-              <a:rPr lang="en-US" sz="1500" dirty="0" smtClean="0"/>
-              <a:t>over several years and from </a:t>
-            </a:r>
-            <a:r>
-              <a:rPr lang="en-US" sz="1500" dirty="0"/>
-              <a:t>working with over 150 companies who have struggled to get value from engineering data </a:t>
-            </a:r>
-            <a:r>
-              <a:rPr lang="en-US" sz="1500" dirty="0" smtClean="0"/>
-              <a:t>lakes. </a:t>
-            </a:r>
-          </a:p>
-          <a:p>
-            <a:pPr lvl="0"/>
-            <a:endParaRPr lang="en-US" sz="200" dirty="0"/>
-          </a:p>
-          <a:p>
-            <a:pPr lvl="0"/>
-            <a:r>
-              <a:rPr lang="en-US" sz="1500" dirty="0" smtClean="0"/>
-              <a:t>Kylo </a:t>
-            </a:r>
-            <a:r>
-              <a:rPr lang="en-US" sz="1500" dirty="0"/>
-              <a:t>is helping companies overcome the number one data lake challenge that </a:t>
-            </a:r>
-            <a:r>
-              <a:rPr lang="en-US" sz="1500" dirty="0" smtClean="0"/>
-              <a:t>most face:  the </a:t>
-            </a:r>
-            <a:r>
-              <a:rPr lang="en-US" sz="1500" dirty="0"/>
-              <a:t>ability to provide secure and solid governance of new data sources so that they can be made directly available to the business in order to gain actionable insight and drive new business value from the company’s data. </a:t>
-            </a:r>
-            <a:endParaRPr lang="en-US" sz="1500" dirty="0" smtClean="0"/>
-          </a:p>
-          <a:p>
-            <a:pPr lvl="0"/>
-            <a:endParaRPr lang="en-US" sz="200" dirty="0"/>
-          </a:p>
-          <a:p>
-            <a:r>
-              <a:rPr lang="en-US" sz="1500" dirty="0" smtClean="0"/>
-              <a:t>Think </a:t>
-            </a:r>
-            <a:r>
-              <a:rPr lang="en-US" sz="1500" dirty="0"/>
-              <a:t>Big </a:t>
-            </a:r>
-            <a:r>
-              <a:rPr lang="en-US" sz="1500" dirty="0" smtClean="0"/>
-              <a:t>Analytics offers </a:t>
-            </a:r>
-            <a:r>
-              <a:rPr lang="en-US" sz="1500" dirty="0"/>
-              <a:t>optional Kylo license support, implementation and data sciences services and Academy offerings: </a:t>
-            </a:r>
-            <a:r>
-              <a:rPr lang="en-US" sz="1500" u="sng" dirty="0">
-                <a:hlinkClick r:id="rId3"/>
-              </a:rPr>
-              <a:t>https://www.thinkbiganalytics.com/kylo/</a:t>
-            </a:r>
-            <a:endParaRPr lang="en-US" sz="1500" i="1" dirty="0"/>
-          </a:p>
-        </p:txBody>
-      </p:sp>
-      <p:sp>
-        <p:nvSpPr>
-          <p:cNvPr id="8" name="Title 1"/>
-          <p:cNvSpPr txBox="1">
-            <a:spLocks/>
-          </p:cNvSpPr>
-          <p:nvPr/>
-        </p:nvSpPr>
-        <p:spPr bwMode="gray">
-          <a:xfrm>
-            <a:off x="425301" y="130492"/>
-            <a:ext cx="7591648" cy="410409"/>
-          </a:xfrm>
-          <a:prstGeom prst="rect">
-            <a:avLst/>
-          </a:prstGeom>
-        </p:spPr>
-        <p:txBody>
-          <a:bodyPr vert="horz" lIns="0" tIns="0" rIns="0" bIns="0" rtlCol="0" anchor="b" anchorCtr="0">
-            <a:noAutofit/>
-          </a:bodyPr>
-          <a:lstStyle>
-            <a:lvl1pPr algn="l" defTabSz="914400" rtl="0" eaLnBrk="1" latinLnBrk="0" hangingPunct="1">
-              <a:lnSpc>
-                <a:spcPct val="95000"/>
-              </a:lnSpc>
-              <a:spcBef>
-                <a:spcPct val="0"/>
-              </a:spcBef>
-              <a:buNone/>
-              <a:defRPr sz="2200" b="1" kern="1200" baseline="0">
-                <a:solidFill>
-                  <a:schemeClr val="accent1"/>
-                </a:solidFill>
-                <a:latin typeface="+mj-lt"/>
-                <a:ea typeface="+mj-ea"/>
-                <a:cs typeface="+mj-cs"/>
-              </a:defRPr>
-            </a:lvl1pPr>
-          </a:lstStyle>
-          <a:p>
-            <a:r>
-              <a:rPr lang="en-US" b="0" dirty="0" smtClean="0"/>
-              <a:t>What </a:t>
-            </a:r>
-            <a:r>
-              <a:rPr lang="en-US" b="0" dirty="0"/>
-              <a:t>is Kylo and How Does it Enable Data Lake Value</a:t>
-            </a:r>
-          </a:p>
-        </p:txBody>
-      </p:sp>
-    </p:spTree>
-    <p:extLst>
-      <p:ext uri="{BB962C8B-B14F-4D97-AF65-F5344CB8AC3E}">
-        <p14:creationId xmlns:p14="http://schemas.microsoft.com/office/powerpoint/2010/main" val="162142009"/>
-      </p:ext>
-    </p:extLst>
-  </p:cSld>
-  <p:clrMapOvr>
-    <a:masterClrMapping/>
-  </p:clrMapOvr>
-  <p:transition spd="med">
-    <p:fade/>
-  </p:transition>
-  <p:timing>
-    <p:tnLst>
-      <p:par>
-        <p:cTn id="1" dur="indefinite" restart="never" nodeType="tmRoot"/>
-      </p:par>
-    </p:tnLst>
-  </p:timing>
-</p:sld>
-</file>
-
-<file path=ppt/slides/slide8.xml><?xml version="1.0" encoding="utf-8"?>
-<p:sld xmlns:a="http://schemas.openxmlformats.org/drawingml/2006/main" xmlns:r="http://schemas.openxmlformats.org/officeDocument/2006/relationships" xmlns:p="http://schemas.openxmlformats.org/presentationml/2006/main">
-  <p:cSld>
-    <p:spTree>
-      <p:nvGrpSpPr>
-        <p:cNvPr id="1" name=""/>
-        <p:cNvGrpSpPr/>
-        <p:nvPr/>
-      </p:nvGrpSpPr>
-      <p:grpSpPr>
-        <a:xfrm>
-          <a:off x="0" y="0"/>
-          <a:ext cx="0" cy="0"/>
-          <a:chOff x="0" y="0"/>
-          <a:chExt cx="0" cy="0"/>
-        </a:xfrm>
-      </p:grpSpPr>
-      <p:sp>
-        <p:nvSpPr>
           <p:cNvPr id="14" name="Content Placeholder 1"/>
           <p:cNvSpPr>
             <a:spLocks noGrp="1"/>
@@ -53516,9 +52357,26 @@
               <a:buNone/>
             </a:pPr>
             <a:r>
-              <a:rPr lang="en-US" sz="1800" b="1" dirty="0"/>
-              <a:t>Data Lake Architecture </a:t>
+              <a:rPr lang="zh-CN" altLang="en-US" sz="1800" b="1" dirty="0" smtClean="0">
+                <a:latin typeface="Microsoft YaHei" charset="-122"/>
+                <a:ea typeface="Microsoft YaHei" charset="-122"/>
+                <a:cs typeface="Microsoft YaHei" charset="-122"/>
+              </a:rPr>
+              <a:t>数据湖架构</a:t>
             </a:r>
+            <a:r>
+              <a:rPr lang="en-US" sz="1800" b="1" dirty="0" smtClean="0">
+                <a:latin typeface="Microsoft YaHei" charset="-122"/>
+                <a:ea typeface="Microsoft YaHei" charset="-122"/>
+                <a:cs typeface="Microsoft YaHei" charset="-122"/>
+              </a:rPr>
+              <a:t> </a:t>
+            </a:r>
+            <a:endParaRPr lang="en-US" sz="1800" b="1" dirty="0">
+              <a:latin typeface="Microsoft YaHei" charset="-122"/>
+              <a:ea typeface="Microsoft YaHei" charset="-122"/>
+              <a:cs typeface="Microsoft YaHei" charset="-122"/>
+            </a:endParaRPr>
           </a:p>
           <a:p>
             <a:pPr marL="50799" lvl="1" indent="0">
@@ -53541,8 +52399,9 @@
                     <a:lumMod val="50000"/>
                   </a:schemeClr>
                 </a:solidFill>
-                <a:ea typeface="Questrial"/>
-                <a:cs typeface="Questrial"/>
+                <a:latin typeface="Microsoft YaHei" charset="-122"/>
+                <a:ea typeface="Microsoft YaHei" charset="-122"/>
+                <a:cs typeface="Microsoft YaHei" charset="-122"/>
                 <a:sym typeface="Questrial"/>
               </a:rPr>
               <a:t>Purpose built, well architected &amp; managed approach that is aligned with direct business value of the data;  Balance Agility &amp; Governance. </a:t>
@@ -53569,8 +52428,9 @@
                     <a:lumMod val="50000"/>
                   </a:schemeClr>
                 </a:solidFill>
-                <a:ea typeface="Questrial"/>
-                <a:cs typeface="Questrial"/>
+                <a:latin typeface="Microsoft YaHei" charset="-122"/>
+                <a:ea typeface="Microsoft YaHei" charset="-122"/>
+                <a:cs typeface="Microsoft YaHei" charset="-122"/>
                 <a:sym typeface="Questrial"/>
               </a:rPr>
               <a:t>Dev Ops Framework to consistent and continuous integration and deployment</a:t>
@@ -53596,8 +52456,9 @@
                   <a:lumMod val="50000"/>
                 </a:schemeClr>
               </a:solidFill>
-              <a:ea typeface="Questrial"/>
-              <a:cs typeface="Questrial"/>
+              <a:latin typeface="Microsoft YaHei" charset="-122"/>
+              <a:ea typeface="Microsoft YaHei" charset="-122"/>
+              <a:cs typeface="Microsoft YaHei" charset="-122"/>
               <a:sym typeface="Questrial"/>
             </a:endParaRPr>
           </a:p>
@@ -53616,18 +52477,30 @@
               <a:buNone/>
             </a:pPr>
             <a:r>
-              <a:rPr lang="en-US" sz="1800" b="1" dirty="0">
+              <a:rPr lang="zh-CN" altLang="en-US" sz="1800" b="1" dirty="0" smtClean="0">
                 <a:solidFill>
                   <a:schemeClr val="tx1">
                     <a:lumMod val="50000"/>
                   </a:schemeClr>
                 </a:solidFill>
-                <a:ea typeface="Questrial"/>
-                <a:cs typeface="Questrial"/>
+                <a:latin typeface="Microsoft YaHei" charset="-122"/>
+                <a:ea typeface="Microsoft YaHei" charset="-122"/>
+                <a:cs typeface="Microsoft YaHei" charset="-122"/>
                 <a:sym typeface="Questrial"/>
               </a:rPr>
-              <a:t>Automate Data Pipelines </a:t>
+              <a:t>自动化数据管道</a:t>
             </a:r>
+            <a:endParaRPr lang="en-US" sz="1800" b="1" dirty="0">
+              <a:solidFill>
+                <a:schemeClr val="tx1">
+                  <a:lumMod val="50000"/>
+                </a:schemeClr>
+              </a:solidFill>
+              <a:latin typeface="Microsoft YaHei" charset="-122"/>
+              <a:ea typeface="Microsoft YaHei" charset="-122"/>
+              <a:cs typeface="Microsoft YaHei" charset="-122"/>
+              <a:sym typeface="Questrial"/>
+            </a:endParaRPr>
           </a:p>
           <a:p>
             <a:pPr marL="50799" lvl="1" indent="0">
@@ -53644,7 +52517,11 @@
               <a:buNone/>
             </a:pPr>
             <a:r>
-              <a:rPr lang="en-US" sz="1200" dirty="0"/>
+              <a:rPr lang="en-US" sz="1200" dirty="0">
+                <a:latin typeface="Microsoft YaHei" charset="-122"/>
+                <a:ea typeface="Microsoft YaHei" charset="-122"/>
+                <a:cs typeface="Microsoft YaHei" charset="-122"/>
+              </a:rPr>
               <a:t>Monitor and manage data pipelines, ensure quality and SLAs, validate, profile and cleanse.</a:t>
             </a:r>
           </a:p>
@@ -53668,8 +52545,9 @@
                   <a:lumMod val="50000"/>
                 </a:schemeClr>
               </a:solidFill>
-              <a:ea typeface="Questrial"/>
-              <a:cs typeface="Questrial"/>
+              <a:latin typeface="Microsoft YaHei" charset="-122"/>
+              <a:ea typeface="Microsoft YaHei" charset="-122"/>
+              <a:cs typeface="Microsoft YaHei" charset="-122"/>
               <a:sym typeface="Questrial"/>
             </a:endParaRPr>
           </a:p>
@@ -53688,9 +52566,18 @@
               <a:buNone/>
             </a:pPr>
             <a:r>
-              <a:rPr lang="en-US" sz="1800" b="1" dirty="0"/>
-              <a:t>Secure </a:t>
+              <a:rPr lang="zh-CN" altLang="en-US" sz="1800" b="1" dirty="0" smtClean="0">
+                <a:latin typeface="Microsoft YaHei" charset="-122"/>
+                <a:ea typeface="Microsoft YaHei" charset="-122"/>
+                <a:cs typeface="Microsoft YaHei" charset="-122"/>
+              </a:rPr>
+              <a:t>安全</a:t>
             </a:r>
+            <a:endParaRPr lang="en-US" sz="1800" b="1" dirty="0">
+              <a:latin typeface="Microsoft YaHei" charset="-122"/>
+              <a:ea typeface="Microsoft YaHei" charset="-122"/>
+              <a:cs typeface="Microsoft YaHei" charset="-122"/>
+            </a:endParaRPr>
           </a:p>
           <a:p>
             <a:pPr marL="50799" lvl="1" indent="0">
@@ -53707,7 +52594,11 @@
               <a:buNone/>
             </a:pPr>
             <a:r>
-              <a:rPr lang="en-US" sz="1200" dirty="0"/>
+              <a:rPr lang="en-US" sz="1200" dirty="0">
+                <a:latin typeface="Microsoft YaHei" charset="-122"/>
+                <a:ea typeface="Microsoft YaHei" charset="-122"/>
+                <a:cs typeface="Microsoft YaHei" charset="-122"/>
+              </a:rPr>
               <a:t>Role Based Governance - protect, encrypt,  restrict data on wire and at rest.</a:t>
             </a:r>
           </a:p>
@@ -53731,8 +52622,9 @@
                   <a:lumMod val="50000"/>
                 </a:schemeClr>
               </a:solidFill>
-              <a:ea typeface="Questrial"/>
-              <a:cs typeface="Questrial"/>
+              <a:latin typeface="Microsoft YaHei" charset="-122"/>
+              <a:ea typeface="Microsoft YaHei" charset="-122"/>
+              <a:cs typeface="Microsoft YaHei" charset="-122"/>
               <a:sym typeface="Questrial"/>
             </a:endParaRPr>
           </a:p>
@@ -53751,9 +52643,18 @@
               <a:buNone/>
             </a:pPr>
             <a:r>
-              <a:rPr lang="en-US" sz="1800" b="1" dirty="0"/>
-              <a:t>Lineage </a:t>
+              <a:rPr lang="zh-CN" altLang="en-US" sz="1800" b="1" dirty="0" smtClean="0">
+                <a:latin typeface="Microsoft YaHei" charset="-122"/>
+                <a:ea typeface="Microsoft YaHei" charset="-122"/>
+                <a:cs typeface="Microsoft YaHei" charset="-122"/>
+              </a:rPr>
+              <a:t>数据血缘</a:t>
             </a:r>
+            <a:endParaRPr lang="en-US" sz="1800" b="1" dirty="0">
+              <a:latin typeface="Microsoft YaHei" charset="-122"/>
+              <a:ea typeface="Microsoft YaHei" charset="-122"/>
+              <a:cs typeface="Microsoft YaHei" charset="-122"/>
+            </a:endParaRPr>
           </a:p>
           <a:p>
             <a:pPr marL="50799" lvl="1" indent="0">
@@ -53776,8 +52677,9 @@
                     <a:lumMod val="50000"/>
                   </a:schemeClr>
                 </a:solidFill>
-                <a:ea typeface="Questrial"/>
-                <a:cs typeface="Questrial"/>
+                <a:latin typeface="Microsoft YaHei" charset="-122"/>
+                <a:ea typeface="Microsoft YaHei" charset="-122"/>
+                <a:cs typeface="Microsoft YaHei" charset="-122"/>
                 <a:sym typeface="Questrial"/>
               </a:rPr>
               <a:t>technical metadata and logs for every step; enable index &amp; search</a:t>
@@ -53803,8 +52705,9 @@
                   <a:lumMod val="50000"/>
                 </a:schemeClr>
               </a:solidFill>
-              <a:ea typeface="Questrial"/>
-              <a:cs typeface="Questrial"/>
+              <a:latin typeface="Microsoft YaHei" charset="-122"/>
+              <a:ea typeface="Microsoft YaHei" charset="-122"/>
+              <a:cs typeface="Microsoft YaHei" charset="-122"/>
               <a:sym typeface="Questrial"/>
             </a:endParaRPr>
           </a:p>
@@ -53823,8 +52726,12 @@
               <a:buNone/>
             </a:pPr>
             <a:r>
-              <a:rPr lang="en-US" sz="1800" b="1" dirty="0"/>
-              <a:t>Data Prep and publish</a:t>
+              <a:rPr lang="zh-CN" altLang="en-US" sz="1800" b="1" dirty="0" smtClean="0">
+                <a:latin typeface="Microsoft YaHei" charset="-122"/>
+                <a:ea typeface="Microsoft YaHei" charset="-122"/>
+                <a:cs typeface="Microsoft YaHei" charset="-122"/>
+              </a:rPr>
+              <a:t>数据准备与发布</a:t>
             </a:r>
             <a:endParaRPr lang="en-US" sz="1800" b="1" dirty="0">
               <a:solidFill>
@@ -53832,8 +52739,9 @@
                   <a:lumMod val="50000"/>
                 </a:schemeClr>
               </a:solidFill>
-              <a:ea typeface="Questrial"/>
-              <a:cs typeface="Questrial"/>
+              <a:latin typeface="Microsoft YaHei" charset="-122"/>
+              <a:ea typeface="Microsoft YaHei" charset="-122"/>
+              <a:cs typeface="Microsoft YaHei" charset="-122"/>
               <a:sym typeface="Questrial"/>
             </a:endParaRPr>
           </a:p>
@@ -53852,7 +52760,11 @@
               <a:buNone/>
             </a:pPr>
             <a:r>
-              <a:rPr lang="en-US" sz="1200" dirty="0"/>
+              <a:rPr lang="en-US" sz="1200" dirty="0">
+                <a:latin typeface="Microsoft YaHei" charset="-122"/>
+                <a:ea typeface="Microsoft YaHei" charset="-122"/>
+                <a:cs typeface="Microsoft YaHei" charset="-122"/>
+              </a:rPr>
               <a:t>model &amp; prepare analytical data set optimized to meet needs of the tool or defined application needs.</a:t>
             </a:r>
           </a:p>
@@ -53865,19 +52777,20 @@
                 <a:spcPts val="0"/>
               </a:spcAft>
               <a:buClr>
-                <a:schemeClr val="accent1"/>
+                <a:schemeClr val="tx2"/>
               </a:buClr>
               <a:buSzPct val="100000"/>
               <a:buNone/>
             </a:pPr>
-            <a:endParaRPr lang="en-US" sz="1200" dirty="0">
+            <a:endParaRPr lang="en-US" altLang="zh-CN" sz="1200" dirty="0">
               <a:solidFill>
                 <a:schemeClr val="tx1">
                   <a:lumMod val="50000"/>
                 </a:schemeClr>
               </a:solidFill>
-              <a:ea typeface="Questrial"/>
-              <a:cs typeface="Questrial"/>
+              <a:latin typeface="Microsoft YaHei" charset="-122"/>
+              <a:ea typeface="Microsoft YaHei" charset="-122"/>
+              <a:cs typeface="Microsoft YaHei" charset="-122"/>
               <a:sym typeface="Questrial"/>
             </a:endParaRPr>
           </a:p>
@@ -53896,9 +52809,18 @@
               <a:buNone/>
             </a:pPr>
             <a:r>
-              <a:rPr lang="en-US" sz="1800" b="1" dirty="0"/>
-              <a:t>Provide Data Lifecycle Management </a:t>
+              <a:rPr lang="zh-CN" altLang="en-US" sz="1800" b="1" dirty="0" smtClean="0">
+                <a:latin typeface="Microsoft YaHei" charset="-122"/>
+                <a:ea typeface="Microsoft YaHei" charset="-122"/>
+                <a:cs typeface="Microsoft YaHei" charset="-122"/>
+              </a:rPr>
+              <a:t>数据生命周期管理</a:t>
             </a:r>
+            <a:endParaRPr lang="en-US" sz="1800" b="1" dirty="0">
+              <a:latin typeface="Microsoft YaHei" charset="-122"/>
+              <a:ea typeface="Microsoft YaHei" charset="-122"/>
+              <a:cs typeface="Microsoft YaHei" charset="-122"/>
+            </a:endParaRPr>
           </a:p>
           <a:p>
             <a:pPr marL="50799" lvl="1" indent="0">
@@ -53915,15 +52837,20 @@
               <a:buNone/>
             </a:pPr>
             <a:r>
-              <a:rPr lang="en-US" sz="1200" dirty="0"/>
+              <a:rPr lang="en-US" sz="1200" dirty="0">
+                <a:latin typeface="Microsoft YaHei" charset="-122"/>
+                <a:ea typeface="Microsoft YaHei" charset="-122"/>
+                <a:cs typeface="Microsoft YaHei" charset="-122"/>
+              </a:rPr>
               <a:t>archive with retention management for source</a:t>
             </a:r>
             <a:endParaRPr lang="en-US" sz="1200" dirty="0">
               <a:solidFill>
                 <a:schemeClr val="dk1"/>
               </a:solidFill>
-              <a:ea typeface="Questrial"/>
-              <a:cs typeface="Questrial"/>
+              <a:latin typeface="Microsoft YaHei" charset="-122"/>
+              <a:ea typeface="Microsoft YaHei" charset="-122"/>
+              <a:cs typeface="Microsoft YaHei" charset="-122"/>
               <a:sym typeface="Questrial"/>
             </a:endParaRPr>
           </a:p>
@@ -54040,16 +52967,52 @@
           </a:lstStyle>
           <a:p>
             <a:r>
-              <a:rPr lang="en-US" b="0" dirty="0" smtClean="0"/>
-              <a:t>Kylo Solution </a:t>
+              <a:rPr lang="en-US" b="0" dirty="0" err="1" smtClean="0">
+                <a:latin typeface="Microsoft YaHei" charset="-122"/>
+                <a:ea typeface="Microsoft YaHei" charset="-122"/>
+                <a:cs typeface="Microsoft YaHei" charset="-122"/>
+              </a:rPr>
+              <a:t>Kylo</a:t>
             </a:r>
             <a:r>
-              <a:rPr lang="en-US" b="0" dirty="0"/>
-              <a:t>Alignment &amp; </a:t>
+              <a:rPr lang="en-US" b="0" dirty="0" smtClean="0">
+                <a:latin typeface="Microsoft YaHei" charset="-122"/>
+                <a:ea typeface="Microsoft YaHei" charset="-122"/>
+                <a:cs typeface="Microsoft YaHei" charset="-122"/>
+              </a:rPr>
+              <a:t> </a:t>
             </a:r>
             <a:r>
-              <a:rPr lang="en-US" b="0" dirty="0" smtClean="0"/>
-              <a:t>Overview (Core Governance)</a:t>
+              <a:rPr lang="zh-CN" altLang="en-US" b="0" dirty="0" smtClean="0">
+                <a:latin typeface="Microsoft YaHei" charset="-122"/>
+                <a:ea typeface="Microsoft YaHei" charset="-122"/>
+                <a:cs typeface="Microsoft YaHei" charset="-122"/>
+              </a:rPr>
+              <a:t>解决方案概述</a:t>
+            </a:r>
+            <a:r>
+              <a:rPr lang="en-US" b="0" dirty="0" smtClean="0">
+                <a:latin typeface="Microsoft YaHei" charset="-122"/>
+                <a:ea typeface="Microsoft YaHei" charset="-122"/>
+                <a:cs typeface="Microsoft YaHei" charset="-122"/>
+              </a:rPr>
+              <a:t>(</a:t>
+            </a:r>
+            <a:r>
+              <a:rPr lang="zh-CN" altLang="en-US" b="0" dirty="0" smtClean="0">
+                <a:latin typeface="Microsoft YaHei" charset="-122"/>
+                <a:ea typeface="Microsoft YaHei" charset="-122"/>
+                <a:cs typeface="Microsoft YaHei" charset="-122"/>
+              </a:rPr>
+              <a:t>核心治理</a:t>
+            </a:r>
+            <a:r>
+              <a:rPr lang="en-US" b="0" dirty="0" smtClean="0">
+                <a:latin typeface="Microsoft YaHei" charset="-122"/>
+                <a:ea typeface="Microsoft YaHei" charset="-122"/>
+                <a:cs typeface="Microsoft YaHei" charset="-122"/>
+              </a:rPr>
+              <a:t>)</a:t>
             </a:r>
             <a:endParaRPr lang="en-US" b="0" dirty="0">
               <a:solidFill>
@@ -54057,6 +53020,9 @@
                   <a:lumMod val="50000"/>
                 </a:schemeClr>
               </a:solidFill>
+              <a:latin typeface="Microsoft YaHei" charset="-122"/>
+              <a:ea typeface="Microsoft YaHei" charset="-122"/>
+              <a:cs typeface="Microsoft YaHei" charset="-122"/>
             </a:endParaRPr>
           </a:p>
         </p:txBody>
@@ -54213,7 +53179,7 @@
 </p:sld>
 </file>
 
-<file path=ppt/slides/slide9.xml><?xml version="1.0" encoding="utf-8"?>
+<file path=ppt/slides/slide8.xml><?xml version="1.0" encoding="utf-8"?>
 <p:sld xmlns:a="http://schemas.openxmlformats.org/drawingml/2006/main" xmlns:r="http://schemas.openxmlformats.org/officeDocument/2006/relationships" xmlns:p="http://schemas.openxmlformats.org/presentationml/2006/main">
   <p:cSld>
     <p:spTree>
@@ -54237,7 +53203,11 @@
             <a:graphicFrameLocks noGrp="1"/>
           </p:cNvGraphicFramePr>
           <p:nvPr>
-            <p:extLst/>
+            <p:extLst>
+              <p:ext uri="{D42A27DB-BD31-4B8C-83A1-F6EECF244321}">
+                <p14:modId xmlns:p14="http://schemas.microsoft.com/office/powerpoint/2010/main" val="1877293966"/>
+              </p:ext>
+            </p:extLst>
           </p:nvPr>
         </p:nvGraphicFramePr>
         <p:xfrm>
@@ -54261,22 +53231,25 @@
                     <a:bodyPr/>
                     <a:lstStyle/>
                     <a:p>
-                      <a:pPr algn="l">
+                      <a:pPr algn="ctr">
                         <a:spcAft>
                           <a:spcPts val="0"/>
                         </a:spcAft>
                       </a:pPr>
                       <a:r>
-                        <a:rPr lang="en-US" sz="1000" dirty="0" smtClean="0">
+                        <a:rPr lang="zh-CN" altLang="en-US" sz="1000" dirty="0" smtClean="0">
                           <a:effectLst/>
+                          <a:latin typeface="Microsoft YaHei" charset="-122"/>
+                          <a:ea typeface="Microsoft YaHei" charset="-122"/>
+                          <a:cs typeface="Microsoft YaHei" charset="-122"/>
                         </a:rPr>
-                        <a:t>Features</a:t>
+                        <a:t>功能特性</a:t>
                       </a:r>
                       <a:endParaRPr lang="en-GB" sz="1000" dirty="0">
                         <a:effectLst/>
-                        <a:latin typeface="+mj-lt"/>
-                        <a:ea typeface="ＭＳ 明朝"/>
-                        <a:cs typeface="Times New Roman"/>
+                        <a:latin typeface="Microsoft YaHei" charset="-122"/>
+                        <a:ea typeface="Microsoft YaHei" charset="-122"/>
+                        <a:cs typeface="Microsoft YaHei" charset="-122"/>
                       </a:endParaRPr>
                     </a:p>
                   </a:txBody>
@@ -54307,6 +53280,9 @@
                       <a:r>
                         <a:rPr lang="en-US" sz="1000" dirty="0" smtClean="0">
                           <a:effectLst/>
+                          <a:latin typeface="Microsoft YaHei" charset="-122"/>
+                          <a:ea typeface="Microsoft YaHei" charset="-122"/>
+                          <a:cs typeface="Microsoft YaHei" charset="-122"/>
                           <a:sym typeface="Zapf Dingbats"/>
                         </a:rPr>
                         <a:t>Hadoop Alone</a:t>
@@ -54316,9 +53292,9 @@
                           <a:srgbClr val="262626"/>
                         </a:solidFill>
                         <a:effectLst/>
-                        <a:latin typeface="+mn-lt"/>
-                        <a:ea typeface="ＭＳ 明朝"/>
-                        <a:cs typeface="Times New Roman"/>
+                        <a:latin typeface="Microsoft YaHei" charset="-122"/>
+                        <a:ea typeface="Microsoft YaHei" charset="-122"/>
+                        <a:cs typeface="Microsoft YaHei" charset="-122"/>
                       </a:endParaRPr>
                     </a:p>
                   </a:txBody>
@@ -54349,6 +53325,9 @@
                       <a:r>
                         <a:rPr lang="en-US" sz="1000" dirty="0" smtClean="0">
                           <a:effectLst/>
+                          <a:latin typeface="Microsoft YaHei" charset="-122"/>
+                          <a:ea typeface="Microsoft YaHei" charset="-122"/>
+                          <a:cs typeface="Microsoft YaHei" charset="-122"/>
                           <a:sym typeface="Zapf Dingbats"/>
                         </a:rPr>
                         <a:t>With</a:t>
@@ -54356,6 +53335,9 @@
                       <a:r>
                         <a:rPr lang="en-US" sz="1000" baseline="0" dirty="0" smtClean="0">
                           <a:effectLst/>
+                          <a:latin typeface="Microsoft YaHei" charset="-122"/>
+                          <a:ea typeface="Microsoft YaHei" charset="-122"/>
+                          <a:cs typeface="Microsoft YaHei" charset="-122"/>
                           <a:sym typeface="Zapf Dingbats"/>
                         </a:rPr>
                         <a:t> Kylo</a:t>
@@ -54365,9 +53347,9 @@
                           <a:srgbClr val="262626"/>
                         </a:solidFill>
                         <a:effectLst/>
-                        <a:latin typeface="+mn-lt"/>
-                        <a:ea typeface="ＭＳ 明朝"/>
-                        <a:cs typeface="Times New Roman"/>
+                        <a:latin typeface="Microsoft YaHei" charset="-122"/>
+                        <a:ea typeface="Microsoft YaHei" charset="-122"/>
+                        <a:cs typeface="Microsoft YaHei" charset="-122"/>
                       </a:endParaRPr>
                     </a:p>
                   </a:txBody>
@@ -54386,16 +53368,19 @@
                         </a:spcAft>
                       </a:pPr>
                       <a:r>
-                        <a:rPr lang="en-US" sz="1000" dirty="0" smtClean="0">
+                        <a:rPr lang="zh-CN" altLang="en-US" sz="1100" dirty="0" smtClean="0">
                           <a:effectLst/>
+                          <a:latin typeface="Microsoft YaHei" charset="-122"/>
+                          <a:ea typeface="Microsoft YaHei" charset="-122"/>
+                          <a:cs typeface="Microsoft YaHei" charset="-122"/>
                         </a:rPr>
-                        <a:t>Distributed &amp; Scalable</a:t>
+                        <a:t>分布式与可扩展</a:t>
                       </a:r>
-                      <a:endParaRPr lang="en-GB" sz="1000" dirty="0">
+                      <a:endParaRPr lang="en-GB" sz="1100" dirty="0">
                         <a:effectLst/>
-                        <a:latin typeface="+mj-lt"/>
-                        <a:ea typeface="ＭＳ 明朝"/>
-                        <a:cs typeface="Times New Roman"/>
+                        <a:latin typeface="Microsoft YaHei" charset="-122"/>
+                        <a:ea typeface="Microsoft YaHei" charset="-122"/>
+                        <a:cs typeface="Microsoft YaHei" charset="-122"/>
                       </a:endParaRPr>
                     </a:p>
                   </a:txBody>
@@ -54498,16 +53483,46 @@
                         </a:spcAft>
                       </a:pPr>
                       <a:r>
-                        <a:rPr lang="en-US" sz="1000" dirty="0" smtClean="0">
+                        <a:rPr lang="zh-CN" altLang="en-US" sz="1100" dirty="0" smtClean="0">
                           <a:effectLst/>
+                          <a:latin typeface="Microsoft YaHei" charset="-122"/>
+                          <a:ea typeface="Microsoft YaHei" charset="-122"/>
+                          <a:cs typeface="Microsoft YaHei" charset="-122"/>
                         </a:rPr>
-                        <a:t>Batch &amp; Streaming support</a:t>
+                        <a:t>批处理</a:t>
                       </a:r>
-                      <a:endParaRPr lang="en-GB" sz="1000" dirty="0">
+                      <a:r>
+                        <a:rPr lang="en-US" sz="1100" dirty="0" smtClean="0">
+                          <a:effectLst/>
+                          <a:latin typeface="Microsoft YaHei" charset="-122"/>
+                          <a:ea typeface="Microsoft YaHei" charset="-122"/>
+                          <a:cs typeface="Microsoft YaHei" charset="-122"/>
+                        </a:rPr>
+                        <a:t> </a:t>
+                      </a:r>
+                      <a:r>
+                        <a:rPr lang="en-US" sz="1100" dirty="0" smtClean="0">
+                          <a:effectLst/>
+                          <a:latin typeface="Microsoft YaHei" charset="-122"/>
+                          <a:ea typeface="Microsoft YaHei" charset="-122"/>
+                          <a:cs typeface="Microsoft YaHei" charset="-122"/>
+                        </a:rPr>
+                        <a:t>&amp; </a:t>
+                      </a:r>
+                      <a:r>
+                        <a:rPr lang="zh-CN" altLang="en-US" sz="1100" dirty="0" smtClean="0">
+                          <a:effectLst/>
+                          <a:latin typeface="Microsoft YaHei" charset="-122"/>
+                          <a:ea typeface="Microsoft YaHei" charset="-122"/>
+                          <a:cs typeface="Microsoft YaHei" charset="-122"/>
+                        </a:rPr>
+                        <a:t>流处理支持</a:t>
+                      </a:r>
+                      <a:endParaRPr lang="en-GB" sz="1100" dirty="0">
                         <a:effectLst/>
-                        <a:latin typeface="+mj-lt"/>
-                        <a:ea typeface="ＭＳ 明朝"/>
-                        <a:cs typeface="Times New Roman"/>
+                        <a:latin typeface="Microsoft YaHei" charset="-122"/>
+                        <a:ea typeface="Microsoft YaHei" charset="-122"/>
+                        <a:cs typeface="Microsoft YaHei" charset="-122"/>
                       </a:endParaRPr>
                     </a:p>
                   </a:txBody>
@@ -54622,16 +53637,19 @@
                         <a:defRPr/>
                       </a:pPr>
                       <a:r>
-                        <a:rPr lang="en-US" sz="1000" dirty="0" smtClean="0">
+                        <a:rPr lang="zh-CN" altLang="en-US" sz="1100" dirty="0" smtClean="0">
                           <a:effectLst/>
+                          <a:latin typeface="Microsoft YaHei" charset="-122"/>
+                          <a:ea typeface="Microsoft YaHei" charset="-122"/>
+                          <a:cs typeface="Microsoft YaHei" charset="-122"/>
                         </a:rPr>
-                        <a:t>Real-time Analytics</a:t>
+                        <a:t>实时分析</a:t>
                       </a:r>
-                      <a:endParaRPr lang="en-GB" sz="1000" dirty="0" smtClean="0">
+                      <a:endParaRPr lang="en-GB" sz="1100" dirty="0" smtClean="0">
                         <a:effectLst/>
-                        <a:latin typeface="+mj-lt"/>
-                        <a:ea typeface="ＭＳ 明朝"/>
-                        <a:cs typeface="Times New Roman"/>
+                        <a:latin typeface="Microsoft YaHei" charset="-122"/>
+                        <a:ea typeface="Microsoft YaHei" charset="-122"/>
+                        <a:cs typeface="Microsoft YaHei" charset="-122"/>
                       </a:endParaRPr>
                     </a:p>
                   </a:txBody>
@@ -54734,16 +53752,19 @@
                         </a:spcAft>
                       </a:pPr>
                       <a:r>
-                        <a:rPr lang="en-GB" sz="1000" dirty="0" smtClean="0">
+                        <a:rPr lang="zh-CN" altLang="en-US" sz="1100" dirty="0" smtClean="0">
                           <a:effectLst/>
+                          <a:latin typeface="Microsoft YaHei" charset="-122"/>
+                          <a:ea typeface="Microsoft YaHei" charset="-122"/>
+                          <a:cs typeface="Microsoft YaHei" charset="-122"/>
                         </a:rPr>
-                        <a:t>Configurable</a:t>
+                        <a:t>可配置</a:t>
                       </a:r>
-                      <a:endParaRPr lang="en-GB" sz="1000" dirty="0">
+                      <a:endParaRPr lang="en-GB" sz="1100" dirty="0">
                         <a:effectLst/>
-                        <a:latin typeface="+mj-lt"/>
-                        <a:ea typeface="ＭＳ 明朝"/>
-                        <a:cs typeface="Times New Roman"/>
+                        <a:latin typeface="Microsoft YaHei" charset="-122"/>
+                        <a:ea typeface="Microsoft YaHei" charset="-122"/>
+                        <a:cs typeface="Microsoft YaHei" charset="-122"/>
                       </a:endParaRPr>
                     </a:p>
                   </a:txBody>
@@ -54846,19 +53867,22 @@
                         </a:spcAft>
                       </a:pPr>
                       <a:r>
-                        <a:rPr lang="en-US" sz="1000" kern="1200" dirty="0" smtClean="0">
+                        <a:rPr lang="zh-CN" altLang="en-US" sz="1100" kern="1200" dirty="0" smtClean="0">
                           <a:effectLst/>
+                          <a:latin typeface="Microsoft YaHei" charset="-122"/>
+                          <a:ea typeface="Microsoft YaHei" charset="-122"/>
+                          <a:cs typeface="Microsoft YaHei" charset="-122"/>
                         </a:rPr>
-                        <a:t>GUI-Driven Development</a:t>
+                        <a:t>图形化界面开发</a:t>
                       </a:r>
-                      <a:endParaRPr lang="en-GB" sz="1000" i="1" kern="1200" dirty="0">
+                      <a:endParaRPr lang="en-GB" sz="1100" i="1" kern="1200" dirty="0">
                         <a:solidFill>
                           <a:schemeClr val="dk1"/>
                         </a:solidFill>
                         <a:effectLst/>
-                        <a:latin typeface="+mn-lt"/>
-                        <a:ea typeface="ＭＳ 明朝"/>
-                        <a:cs typeface="Times New Roman"/>
+                        <a:latin typeface="Microsoft YaHei" charset="-122"/>
+                        <a:ea typeface="Microsoft YaHei" charset="-122"/>
+                        <a:cs typeface="Microsoft YaHei" charset="-122"/>
                       </a:endParaRPr>
                     </a:p>
                   </a:txBody>
@@ -54929,19 +53953,25 @@
                         </a:spcAft>
                       </a:pPr>
                       <a:r>
-                        <a:rPr lang="en-US" sz="1000" kern="1200" dirty="0" smtClean="0">
+                        <a:rPr lang="zh-CN" altLang="en-US" sz="1100" i="0" kern="1200" dirty="0" smtClean="0">
+                          <a:solidFill>
+                            <a:schemeClr val="dk1"/>
+                          </a:solidFill>
                           <a:effectLst/>
+                          <a:latin typeface="Microsoft YaHei" charset="-122"/>
+                          <a:ea typeface="Microsoft YaHei" charset="-122"/>
+                          <a:cs typeface="Microsoft YaHei" charset="-122"/>
                         </a:rPr>
-                        <a:t>Data Ingest</a:t>
+                        <a:t>数据接收</a:t>
                       </a:r>
-                      <a:endParaRPr lang="en-GB" sz="1000" i="1" kern="1200" dirty="0">
+                      <a:endParaRPr lang="en-GB" sz="1100" i="1" kern="1200" dirty="0">
                         <a:solidFill>
                           <a:schemeClr val="dk1"/>
                         </a:solidFill>
                         <a:effectLst/>
-                        <a:latin typeface="+mn-lt"/>
-                        <a:ea typeface="ＭＳ 明朝"/>
-                        <a:cs typeface="Times New Roman"/>
+                        <a:latin typeface="Microsoft YaHei" charset="-122"/>
+                        <a:ea typeface="Microsoft YaHei" charset="-122"/>
+                        <a:cs typeface="Microsoft YaHei" charset="-122"/>
                       </a:endParaRPr>
                     </a:p>
                   </a:txBody>
@@ -55012,16 +54042,19 @@
                         </a:spcAft>
                       </a:pPr>
                       <a:r>
-                        <a:rPr lang="en-US" sz="1000" dirty="0" smtClean="0">
+                        <a:rPr lang="zh-CN" altLang="en-US" sz="1100" dirty="0" smtClean="0">
                           <a:effectLst/>
+                          <a:latin typeface="Microsoft YaHei" charset="-122"/>
+                          <a:ea typeface="Microsoft YaHei" charset="-122"/>
+                          <a:cs typeface="Microsoft YaHei" charset="-122"/>
                         </a:rPr>
-                        <a:t>Data Wrangling</a:t>
+                        <a:t>数据重组</a:t>
                       </a:r>
-                      <a:endParaRPr lang="en-GB" sz="1000" dirty="0">
+                      <a:endParaRPr lang="en-GB" sz="1100" dirty="0">
                         <a:effectLst/>
-                        <a:latin typeface="+mj-lt"/>
-                        <a:ea typeface="ＭＳ 明朝"/>
-                        <a:cs typeface="Times New Roman"/>
+                        <a:latin typeface="Microsoft YaHei" charset="-122"/>
+                        <a:ea typeface="Microsoft YaHei" charset="-122"/>
+                        <a:cs typeface="Microsoft YaHei" charset="-122"/>
                       </a:endParaRPr>
                     </a:p>
                   </a:txBody>
@@ -55092,16 +54125,37 @@
                         </a:spcAft>
                       </a:pPr>
                       <a:r>
-                        <a:rPr lang="en-US" sz="1000" dirty="0" smtClean="0">
+                        <a:rPr lang="zh-CN" altLang="en-US" sz="1100" dirty="0" smtClean="0">
                           <a:effectLst/>
+                          <a:latin typeface="Microsoft YaHei" charset="-122"/>
+                          <a:ea typeface="Microsoft YaHei" charset="-122"/>
+                          <a:cs typeface="Microsoft YaHei" charset="-122"/>
                         </a:rPr>
-                        <a:t>Data Protection/Cleansing</a:t>
+                        <a:t>数据保护</a:t>
                       </a:r>
-                      <a:endParaRPr lang="en-GB" sz="1000" dirty="0">
+                      <a:r>
+                        <a:rPr lang="en-US" sz="1100" dirty="0" smtClean="0">
+                          <a:effectLst/>
+                          <a:latin typeface="Microsoft YaHei" charset="-122"/>
+                          <a:ea typeface="Microsoft YaHei" charset="-122"/>
+                          <a:cs typeface="Microsoft YaHei" charset="-122"/>
+                        </a:rPr>
+                        <a:t>/</a:t>
+                      </a:r>
+                      <a:r>
+                        <a:rPr lang="zh-CN" altLang="en-US" sz="1100" dirty="0" smtClean="0">
+                          <a:effectLst/>
+                          <a:latin typeface="Microsoft YaHei" charset="-122"/>
+                          <a:ea typeface="Microsoft YaHei" charset="-122"/>
+                          <a:cs typeface="Microsoft YaHei" charset="-122"/>
+                        </a:rPr>
+                        <a:t>清洗</a:t>
+                      </a:r>
+                      <a:endParaRPr lang="en-GB" sz="1100" dirty="0">
                         <a:effectLst/>
-                        <a:latin typeface="+mj-lt"/>
-                        <a:ea typeface="ＭＳ 明朝"/>
-                        <a:cs typeface="Times New Roman"/>
+                        <a:latin typeface="Microsoft YaHei" charset="-122"/>
+                        <a:ea typeface="Microsoft YaHei" charset="-122"/>
+                        <a:cs typeface="Microsoft YaHei" charset="-122"/>
                       </a:endParaRPr>
                     </a:p>
                   </a:txBody>
@@ -55172,22 +54226,19 @@
                         </a:spcAft>
                       </a:pPr>
                       <a:r>
-                        <a:rPr lang="en-US" sz="1000" dirty="0" smtClean="0">
+                        <a:rPr lang="zh-CN" altLang="en-US" sz="1100" dirty="0" smtClean="0">
                           <a:effectLst/>
+                          <a:latin typeface="Microsoft YaHei" charset="-122"/>
+                          <a:ea typeface="Microsoft YaHei" charset="-122"/>
+                          <a:cs typeface="Microsoft YaHei" charset="-122"/>
                         </a:rPr>
-                        <a:t>Data</a:t>
+                        <a:t>数据分析</a:t>
                       </a:r>
-                      <a:r>
-                        <a:rPr lang="en-US" sz="1000" baseline="0" dirty="0" smtClean="0">
-                          <a:effectLst/>
-                        </a:rPr>
-                        <a:t> Profiling</a:t>
-                      </a:r>
-                      <a:endParaRPr lang="en-GB" sz="1000" dirty="0">
+                      <a:endParaRPr lang="en-GB" sz="1100" dirty="0">
                         <a:effectLst/>
-                        <a:latin typeface="+mj-lt"/>
-                        <a:ea typeface="ＭＳ 明朝"/>
-                        <a:cs typeface="Times New Roman"/>
+                        <a:latin typeface="Microsoft YaHei" charset="-122"/>
+                        <a:ea typeface="Microsoft YaHei" charset="-122"/>
+                        <a:cs typeface="Microsoft YaHei" charset="-122"/>
                       </a:endParaRPr>
                     </a:p>
                   </a:txBody>
@@ -55258,22 +54309,46 @@
                         </a:spcAft>
                       </a:pPr>
                       <a:r>
-                        <a:rPr lang="en-GB" sz="1000" dirty="0" smtClean="0">
+                        <a:rPr lang="zh-CN" altLang="en-US" sz="1100" baseline="0" dirty="0" smtClean="0">
                           <a:effectLst/>
+                          <a:latin typeface="Microsoft YaHei" charset="-122"/>
+                          <a:ea typeface="Microsoft YaHei" charset="-122"/>
+                          <a:cs typeface="Microsoft YaHei" charset="-122"/>
                         </a:rPr>
-                        <a:t>Metadata</a:t>
+                        <a:t>元数据</a:t>
                       </a:r>
                       <a:r>
-                        <a:rPr lang="en-GB" sz="1000" baseline="0" dirty="0" smtClean="0">
+                        <a:rPr lang="en-GB" sz="1100" baseline="0" dirty="0" smtClean="0">
                           <a:effectLst/>
+                          <a:latin typeface="Microsoft YaHei" charset="-122"/>
+                          <a:ea typeface="Microsoft YaHei" charset="-122"/>
+                          <a:cs typeface="Microsoft YaHei" charset="-122"/>
                         </a:rPr>
-                        <a:t> &amp; Governance</a:t>
+                        <a:t> </a:t>
                       </a:r>
-                      <a:endParaRPr lang="en-GB" sz="1000" i="1" dirty="0">
+                      <a:r>
+                        <a:rPr lang="en-GB" sz="1100" baseline="0" dirty="0" smtClean="0">
+                          <a:effectLst/>
+                          <a:latin typeface="Microsoft YaHei" charset="-122"/>
+                          <a:ea typeface="Microsoft YaHei" charset="-122"/>
+                          <a:cs typeface="Microsoft YaHei" charset="-122"/>
+                        </a:rPr>
+                        <a:t>&amp; </a:t>
+                      </a:r>
+                      <a:r>
+                        <a:rPr lang="zh-CN" altLang="en-US" sz="1100" baseline="0" dirty="0" smtClean="0">
+                          <a:effectLst/>
+                          <a:latin typeface="Microsoft YaHei" charset="-122"/>
+                          <a:ea typeface="Microsoft YaHei" charset="-122"/>
+                          <a:cs typeface="Microsoft YaHei" charset="-122"/>
+                        </a:rPr>
+                        <a:t>数据治理</a:t>
+                      </a:r>
+                      <a:endParaRPr lang="en-GB" sz="1100" i="1" dirty="0">
                         <a:effectLst/>
-                        <a:latin typeface="+mj-lt"/>
-                        <a:ea typeface="ＭＳ 明朝"/>
-                        <a:cs typeface="Times New Roman"/>
+                        <a:latin typeface="Microsoft YaHei" charset="-122"/>
+                        <a:ea typeface="Microsoft YaHei" charset="-122"/>
+                        <a:cs typeface="Microsoft YaHei" charset="-122"/>
                       </a:endParaRPr>
                     </a:p>
                   </a:txBody>
@@ -55344,16 +54419,19 @@
                         </a:spcAft>
                       </a:pPr>
                       <a:r>
-                        <a:rPr lang="en-US" sz="1000" dirty="0" smtClean="0">
+                        <a:rPr lang="zh-CN" altLang="en-US" sz="1100" dirty="0" smtClean="0">
                           <a:effectLst/>
+                          <a:latin typeface="Microsoft YaHei" charset="-122"/>
+                          <a:ea typeface="Microsoft YaHei" charset="-122"/>
+                          <a:cs typeface="Microsoft YaHei" charset="-122"/>
                         </a:rPr>
-                        <a:t>Automation</a:t>
+                        <a:t>自动化</a:t>
                       </a:r>
-                      <a:endParaRPr lang="en-GB" sz="1000" dirty="0">
+                      <a:endParaRPr lang="en-GB" sz="1100" dirty="0">
                         <a:effectLst/>
-                        <a:latin typeface="+mj-lt"/>
-                        <a:ea typeface="ＭＳ 明朝"/>
-                        <a:cs typeface="Times New Roman"/>
+                        <a:latin typeface="Microsoft YaHei" charset="-122"/>
+                        <a:ea typeface="Microsoft YaHei" charset="-122"/>
+                        <a:cs typeface="Microsoft YaHei" charset="-122"/>
                       </a:endParaRPr>
                     </a:p>
                   </a:txBody>
@@ -55436,28 +54514,19 @@
                         <a:defRPr/>
                       </a:pPr>
                       <a:r>
-                        <a:rPr lang="en-US" sz="1000" dirty="0" smtClean="0">
+                        <a:rPr lang="zh-CN" altLang="en-US" sz="1100" dirty="0" smtClean="0">
                           <a:effectLst/>
+                          <a:latin typeface="Microsoft YaHei" charset="-122"/>
+                          <a:ea typeface="Microsoft YaHei" charset="-122"/>
+                          <a:cs typeface="Microsoft YaHei" charset="-122"/>
                         </a:rPr>
-                        <a:t>Embedded</a:t>
+                        <a:t>嵌入式最佳实践</a:t>
                       </a:r>
-                      <a:r>
-                        <a:rPr lang="en-US" sz="1000" baseline="0" dirty="0" smtClean="0">
-                          <a:effectLst/>
-                        </a:rPr>
-                        <a:t> </a:t>
-                      </a:r>
-                      <a:r>
-                        <a:rPr lang="en-US" sz="1000" dirty="0" smtClean="0">
-                          <a:effectLst/>
-                        </a:rPr>
-                        <a:t>Best Practices</a:t>
-                      </a:r>
-                      <a:endParaRPr lang="en-GB" sz="1000" dirty="0" smtClean="0">
+                      <a:endParaRPr lang="en-GB" sz="1100" dirty="0" smtClean="0">
                         <a:effectLst/>
-                        <a:latin typeface="+mj-lt"/>
-                        <a:ea typeface="ＭＳ 明朝"/>
-                        <a:cs typeface="Times New Roman"/>
+                        <a:latin typeface="Microsoft YaHei" charset="-122"/>
+                        <a:ea typeface="Microsoft YaHei" charset="-122"/>
+                        <a:cs typeface="Microsoft YaHei" charset="-122"/>
                       </a:endParaRPr>
                     </a:p>
                   </a:txBody>
@@ -55715,18 +54784,34 @@
           </a:lstStyle>
           <a:p>
             <a:r>
-              <a:rPr lang="en-US" dirty="0" err="1" smtClean="0"/>
+              <a:rPr lang="en-US" dirty="0" err="1" smtClean="0">
+                <a:latin typeface="Microsoft YaHei" charset="-122"/>
+                <a:ea typeface="Microsoft YaHei" charset="-122"/>
+                <a:cs typeface="Microsoft YaHei" charset="-122"/>
+              </a:rPr>
               <a:t>Kylo</a:t>
             </a:r>
             <a:r>
-              <a:rPr lang="en-US" dirty="0" smtClean="0"/>
+              <a:rPr lang="en-US" dirty="0" smtClean="0">
+                <a:latin typeface="Microsoft YaHei" charset="-122"/>
+                <a:ea typeface="Microsoft YaHei" charset="-122"/>
+                <a:cs typeface="Microsoft YaHei" charset="-122"/>
+              </a:rPr>
               <a:t> </a:t>
             </a:r>
             <a:r>
-              <a:rPr lang="zh-CN" altLang="en-US" dirty="0" smtClean="0"/>
+              <a:rPr lang="zh-CN" altLang="en-US" dirty="0" smtClean="0">
+                <a:latin typeface="Microsoft YaHei" charset="-122"/>
+                <a:ea typeface="Microsoft YaHei" charset="-122"/>
+                <a:cs typeface="Microsoft YaHei" charset="-122"/>
+              </a:rPr>
               <a:t>数据湖基础框架</a:t>
             </a:r>
-            <a:endParaRPr lang="en-US" dirty="0"/>
+            <a:endParaRPr lang="en-US" dirty="0">
+              <a:latin typeface="Microsoft YaHei" charset="-122"/>
+              <a:ea typeface="Microsoft YaHei" charset="-122"/>
+              <a:cs typeface="Microsoft YaHei" charset="-122"/>
+            </a:endParaRPr>
           </a:p>
         </p:txBody>
       </p:sp>
@@ -55734,6 +54819,1205 @@
     <p:extLst>
       <p:ext uri="{BB962C8B-B14F-4D97-AF65-F5344CB8AC3E}">
         <p14:creationId xmlns:p14="http://schemas.microsoft.com/office/powerpoint/2010/main" val="1757034831"/>
+      </p:ext>
+    </p:extLst>
+  </p:cSld>
+  <p:clrMapOvr>
+    <a:masterClrMapping/>
+  </p:clrMapOvr>
+  <mc:AlternateContent xmlns:mc="http://schemas.openxmlformats.org/markup-compatibility/2006" xmlns:p14="http://schemas.microsoft.com/office/powerpoint/2010/main">
+    <mc:Choice Requires="p14">
+      <p:transition p14:dur="0"/>
+    </mc:Choice>
+    <mc:Fallback xmlns="">
+      <p:transition/>
+    </mc:Fallback>
+  </mc:AlternateContent>
+  <p:timing>
+    <p:tnLst>
+      <p:par>
+        <p:cTn id="1" dur="indefinite" restart="never" nodeType="tmRoot"/>
+      </p:par>
+    </p:tnLst>
+  </p:timing>
+</p:sld>
+</file>
+
+<file path=ppt/slides/slide9.xml><?xml version="1.0" encoding="utf-8"?>
+<p:sld xmlns:a="http://schemas.openxmlformats.org/drawingml/2006/main" xmlns:r="http://schemas.openxmlformats.org/officeDocument/2006/relationships" xmlns:p="http://schemas.openxmlformats.org/presentationml/2006/main">
+  <p:cSld>
+    <p:spTree>
+      <p:nvGrpSpPr>
+        <p:cNvPr id="1" name=""/>
+        <p:cNvGrpSpPr/>
+        <p:nvPr/>
+      </p:nvGrpSpPr>
+      <p:grpSpPr>
+        <a:xfrm>
+          <a:off x="0" y="0"/>
+          <a:ext cx="0" cy="0"/>
+          <a:chOff x="0" y="0"/>
+          <a:chExt cx="0" cy="0"/>
+        </a:xfrm>
+      </p:grpSpPr>
+      <p:grpSp>
+        <p:nvGrpSpPr>
+          <p:cNvPr id="4" name="Group 3"/>
+          <p:cNvGrpSpPr/>
+          <p:nvPr/>
+        </p:nvGrpSpPr>
+        <p:grpSpPr>
+          <a:xfrm>
+            <a:off x="952504" y="714489"/>
+            <a:ext cx="6272992" cy="4278285"/>
+            <a:chOff x="952504" y="714489"/>
+            <a:chExt cx="6272992" cy="4278285"/>
+          </a:xfrm>
+        </p:grpSpPr>
+        <p:pic>
+          <p:nvPicPr>
+            <p:cNvPr id="30" name="Picture 29" descr="Screen Shot 2016-06-27 at 1.49.51 PM.png"/>
+            <p:cNvPicPr>
+              <a:picLocks noChangeAspect="1"/>
+            </p:cNvPicPr>
+            <p:nvPr/>
+          </p:nvPicPr>
+          <p:blipFill>
+            <a:blip r:embed="rId3">
+              <a:extLst>
+                <a:ext uri="{28A0092B-C50C-407E-A947-70E740481C1C}">
+                  <a14:useLocalDpi xmlns:a14="http://schemas.microsoft.com/office/drawing/2010/main" val="0"/>
+                </a:ext>
+              </a:extLst>
+            </a:blip>
+            <a:stretch>
+              <a:fillRect/>
+            </a:stretch>
+          </p:blipFill>
+          <p:spPr>
+            <a:xfrm>
+              <a:off x="972181" y="749019"/>
+              <a:ext cx="6253315" cy="4243755"/>
+            </a:xfrm>
+            <a:prstGeom prst="rect">
+              <a:avLst/>
+            </a:prstGeom>
+          </p:spPr>
+        </p:pic>
+        <p:pic>
+          <p:nvPicPr>
+            <p:cNvPr id="38" name="Picture 4" descr="Microsoft Azure Logo.svg"/>
+            <p:cNvPicPr>
+              <a:picLocks noChangeAspect="1" noChangeArrowheads="1"/>
+            </p:cNvPicPr>
+            <p:nvPr/>
+          </p:nvPicPr>
+          <p:blipFill>
+            <a:blip r:embed="rId4">
+              <a:extLst>
+                <a:ext uri="{28A0092B-C50C-407E-A947-70E740481C1C}">
+                  <a14:useLocalDpi xmlns:a14="http://schemas.microsoft.com/office/drawing/2010/main" val="0"/>
+                </a:ext>
+              </a:extLst>
+            </a:blip>
+            <a:srcRect/>
+            <a:stretch>
+              <a:fillRect/>
+            </a:stretch>
+          </p:blipFill>
+          <p:spPr bwMode="auto">
+            <a:xfrm>
+              <a:off x="3414574" y="4318141"/>
+              <a:ext cx="1198110" cy="143773"/>
+            </a:xfrm>
+            <a:prstGeom prst="rect">
+              <a:avLst/>
+            </a:prstGeom>
+            <a:noFill/>
+            <a:extLst>
+              <a:ext uri="{909E8E84-426E-40DD-AFC4-6F175D3DCCD1}">
+                <a14:hiddenFill xmlns:a14="http://schemas.microsoft.com/office/drawing/2010/main">
+                  <a:solidFill>
+                    <a:srgbClr val="FFFFFF"/>
+                  </a:solidFill>
+                </a14:hiddenFill>
+              </a:ext>
+            </a:extLst>
+          </p:spPr>
+        </p:pic>
+        <p:pic>
+          <p:nvPicPr>
+            <p:cNvPr id="37" name="Picture 29" descr="Screen Shot 2016-06-27 at 1.49.51 PM.png"/>
+            <p:cNvPicPr>
+              <a:picLocks noChangeAspect="1"/>
+            </p:cNvPicPr>
+            <p:nvPr/>
+          </p:nvPicPr>
+          <p:blipFill>
+            <a:blip r:embed="rId3">
+              <a:extLst>
+                <a:ext uri="{28A0092B-C50C-407E-A947-70E740481C1C}">
+                  <a14:useLocalDpi xmlns:a14="http://schemas.microsoft.com/office/drawing/2010/main" val="0"/>
+                </a:ext>
+              </a:extLst>
+            </a:blip>
+            <a:stretch>
+              <a:fillRect/>
+            </a:stretch>
+          </p:blipFill>
+          <p:spPr>
+            <a:xfrm>
+              <a:off x="952504" y="714489"/>
+              <a:ext cx="6253315" cy="4243755"/>
+            </a:xfrm>
+            <a:prstGeom prst="rect">
+              <a:avLst/>
+            </a:prstGeom>
+          </p:spPr>
+        </p:pic>
+      </p:grpSp>
+      <p:sp>
+        <p:nvSpPr>
+          <p:cNvPr id="2" name="Rectangle 1"/>
+          <p:cNvSpPr/>
+          <p:nvPr/>
+        </p:nvSpPr>
+        <p:spPr>
+          <a:xfrm>
+            <a:off x="7369175" y="1741753"/>
+            <a:ext cx="1634067" cy="685800"/>
+          </a:xfrm>
+          <a:prstGeom prst="rect">
+            <a:avLst/>
+          </a:prstGeom>
+          <a:solidFill>
+            <a:srgbClr val="1F5689"/>
+          </a:solidFill>
+          <a:ln w="9525">
+            <a:noFill/>
+            <a:miter lim="800000"/>
+            <a:headEnd/>
+            <a:tailEnd/>
+          </a:ln>
+          <a:effectLst/>
+        </p:spPr>
+        <p:txBody>
+          <a:bodyPr wrap="square" tIns="91440" bIns="91440" rtlCol="0" anchor="t">
+            <a:prstTxWarp prst="textNoShape">
+              <a:avLst/>
+            </a:prstTxWarp>
+            <a:noAutofit/>
+          </a:bodyPr>
+          <a:lstStyle/>
+          <a:p>
+            <a:pPr algn="ctr"/>
+            <a:endParaRPr lang="en-US" kern="0" dirty="0" err="1" smtClean="0">
+              <a:solidFill>
+                <a:prstClr val="white"/>
+              </a:solidFill>
+            </a:endParaRPr>
+          </a:p>
+        </p:txBody>
+      </p:sp>
+      <p:sp>
+        <p:nvSpPr>
+          <p:cNvPr id="3" name="TextBox 2"/>
+          <p:cNvSpPr txBox="1"/>
+          <p:nvPr/>
+        </p:nvSpPr>
+        <p:spPr>
+          <a:xfrm>
+            <a:off x="7383992" y="1748868"/>
+            <a:ext cx="1600200" cy="664156"/>
+          </a:xfrm>
+          <a:prstGeom prst="rect">
+            <a:avLst/>
+          </a:prstGeom>
+          <a:solidFill>
+            <a:schemeClr val="bg1"/>
+          </a:solidFill>
+          <a:ln>
+            <a:solidFill>
+              <a:schemeClr val="tx1"/>
+            </a:solidFill>
+          </a:ln>
+        </p:spPr>
+        <p:txBody>
+          <a:bodyPr wrap="square" rtlCol="0">
+            <a:spAutoFit/>
+          </a:bodyPr>
+          <a:lstStyle/>
+          <a:p>
+            <a:pPr>
+              <a:lnSpc>
+                <a:spcPct val="95000"/>
+              </a:lnSpc>
+              <a:spcBef>
+                <a:spcPts val="400"/>
+              </a:spcBef>
+            </a:pPr>
+            <a:r>
+              <a:rPr lang="en-US" sz="1300" dirty="0" smtClean="0">
+                <a:solidFill>
+                  <a:srgbClr val="231F20"/>
+                </a:solidFill>
+              </a:rPr>
+              <a:t>features tailored to organizational users</a:t>
+            </a:r>
+            <a:endParaRPr lang="en-US" sz="1300" dirty="0">
+              <a:solidFill>
+                <a:srgbClr val="231F20"/>
+              </a:solidFill>
+            </a:endParaRPr>
+          </a:p>
+        </p:txBody>
+      </p:sp>
+      <p:cxnSp>
+        <p:nvCxnSpPr>
+          <p:cNvPr id="7" name="Straight Connector 6"/>
+          <p:cNvCxnSpPr/>
+          <p:nvPr/>
+        </p:nvCxnSpPr>
+        <p:spPr>
+          <a:xfrm flipH="1" flipV="1">
+            <a:off x="7841442" y="1233460"/>
+            <a:ext cx="350058" cy="504061"/>
+          </a:xfrm>
+          <a:prstGeom prst="line">
+            <a:avLst/>
+          </a:prstGeom>
+          <a:ln w="12700">
+            <a:solidFill>
+              <a:srgbClr val="4876AD"/>
+            </a:solidFill>
+          </a:ln>
+        </p:spPr>
+        <p:style>
+          <a:lnRef idx="1">
+            <a:schemeClr val="accent1"/>
+          </a:lnRef>
+          <a:fillRef idx="0">
+            <a:schemeClr val="accent1"/>
+          </a:fillRef>
+          <a:effectRef idx="0">
+            <a:schemeClr val="accent1"/>
+          </a:effectRef>
+          <a:fontRef idx="minor">
+            <a:schemeClr val="tx1"/>
+          </a:fontRef>
+        </p:style>
+      </p:cxnSp>
+      <p:cxnSp>
+        <p:nvCxnSpPr>
+          <p:cNvPr id="15" name="Straight Connector 14"/>
+          <p:cNvCxnSpPr/>
+          <p:nvPr/>
+        </p:nvCxnSpPr>
+        <p:spPr>
+          <a:xfrm flipH="1">
+            <a:off x="7184308" y="1233460"/>
+            <a:ext cx="667560" cy="0"/>
+          </a:xfrm>
+          <a:prstGeom prst="line">
+            <a:avLst/>
+          </a:prstGeom>
+          <a:ln w="12700">
+            <a:solidFill>
+              <a:srgbClr val="4876AD"/>
+            </a:solidFill>
+          </a:ln>
+        </p:spPr>
+        <p:style>
+          <a:lnRef idx="1">
+            <a:schemeClr val="accent1"/>
+          </a:lnRef>
+          <a:fillRef idx="0">
+            <a:schemeClr val="accent1"/>
+          </a:fillRef>
+          <a:effectRef idx="0">
+            <a:schemeClr val="accent1"/>
+          </a:effectRef>
+          <a:fontRef idx="minor">
+            <a:schemeClr val="tx1"/>
+          </a:fontRef>
+        </p:style>
+      </p:cxnSp>
+      <p:cxnSp>
+        <p:nvCxnSpPr>
+          <p:cNvPr id="21" name="Straight Connector 20"/>
+          <p:cNvCxnSpPr/>
+          <p:nvPr/>
+        </p:nvCxnSpPr>
+        <p:spPr>
+          <a:xfrm flipH="1" flipV="1">
+            <a:off x="7085792" y="2697140"/>
+            <a:ext cx="305608" cy="384170"/>
+          </a:xfrm>
+          <a:prstGeom prst="line">
+            <a:avLst/>
+          </a:prstGeom>
+          <a:ln w="12700">
+            <a:solidFill>
+              <a:srgbClr val="4876AD"/>
+            </a:solidFill>
+          </a:ln>
+        </p:spPr>
+        <p:style>
+          <a:lnRef idx="1">
+            <a:schemeClr val="accent1"/>
+          </a:lnRef>
+          <a:fillRef idx="0">
+            <a:schemeClr val="accent1"/>
+          </a:fillRef>
+          <a:effectRef idx="0">
+            <a:schemeClr val="accent1"/>
+          </a:effectRef>
+          <a:fontRef idx="minor">
+            <a:schemeClr val="tx1"/>
+          </a:fontRef>
+        </p:style>
+      </p:cxnSp>
+      <p:cxnSp>
+        <p:nvCxnSpPr>
+          <p:cNvPr id="22" name="Straight Connector 21"/>
+          <p:cNvCxnSpPr/>
+          <p:nvPr/>
+        </p:nvCxnSpPr>
+        <p:spPr>
+          <a:xfrm flipH="1">
+            <a:off x="6417733" y="2697138"/>
+            <a:ext cx="678485" cy="0"/>
+          </a:xfrm>
+          <a:prstGeom prst="line">
+            <a:avLst/>
+          </a:prstGeom>
+          <a:ln w="12700">
+            <a:solidFill>
+              <a:srgbClr val="4876AD"/>
+            </a:solidFill>
+          </a:ln>
+        </p:spPr>
+        <p:style>
+          <a:lnRef idx="1">
+            <a:schemeClr val="accent1"/>
+          </a:lnRef>
+          <a:fillRef idx="0">
+            <a:schemeClr val="accent1"/>
+          </a:fillRef>
+          <a:effectRef idx="0">
+            <a:schemeClr val="accent1"/>
+          </a:effectRef>
+          <a:fontRef idx="minor">
+            <a:schemeClr val="tx1"/>
+          </a:fontRef>
+        </p:style>
+      </p:cxnSp>
+      <p:sp>
+        <p:nvSpPr>
+          <p:cNvPr id="26" name="TextBox 25"/>
+          <p:cNvSpPr txBox="1"/>
+          <p:nvPr/>
+        </p:nvSpPr>
+        <p:spPr>
+          <a:xfrm>
+            <a:off x="7404100" y="2641846"/>
+            <a:ext cx="1600200" cy="912814"/>
+          </a:xfrm>
+          <a:prstGeom prst="rect">
+            <a:avLst/>
+          </a:prstGeom>
+          <a:solidFill>
+            <a:schemeClr val="bg1"/>
+          </a:solidFill>
+          <a:ln>
+            <a:solidFill>
+              <a:schemeClr val="tx1"/>
+            </a:solidFill>
+          </a:ln>
+        </p:spPr>
+        <p:txBody>
+          <a:bodyPr wrap="square" rtlCol="0">
+            <a:spAutoFit/>
+          </a:bodyPr>
+          <a:lstStyle/>
+          <a:p>
+            <a:pPr>
+              <a:lnSpc>
+                <a:spcPct val="95000"/>
+              </a:lnSpc>
+              <a:spcBef>
+                <a:spcPts val="400"/>
+              </a:spcBef>
+            </a:pPr>
+            <a:r>
+              <a:rPr lang="en-US" sz="1400" dirty="0" smtClean="0">
+                <a:solidFill>
+                  <a:srgbClr val="231F20"/>
+                </a:solidFill>
+              </a:rPr>
+              <a:t>visual pipeline development</a:t>
+            </a:r>
+            <a:endParaRPr lang="en-US" sz="1400" dirty="0">
+              <a:solidFill>
+                <a:srgbClr val="231F20"/>
+              </a:solidFill>
+            </a:endParaRPr>
+          </a:p>
+          <a:p>
+            <a:pPr>
+              <a:lnSpc>
+                <a:spcPct val="95000"/>
+              </a:lnSpc>
+            </a:pPr>
+            <a:r>
+              <a:rPr lang="en-US" sz="1400" dirty="0" smtClean="0">
+                <a:solidFill>
+                  <a:srgbClr val="231F20"/>
+                </a:solidFill>
+              </a:rPr>
+              <a:t>streaming or batch feeds</a:t>
+            </a:r>
+            <a:endParaRPr lang="en-US" sz="1400" dirty="0">
+              <a:solidFill>
+                <a:srgbClr val="231F20"/>
+              </a:solidFill>
+            </a:endParaRPr>
+          </a:p>
+        </p:txBody>
+      </p:sp>
+      <p:sp>
+        <p:nvSpPr>
+          <p:cNvPr id="28" name="TextBox 27"/>
+          <p:cNvSpPr txBox="1"/>
+          <p:nvPr/>
+        </p:nvSpPr>
+        <p:spPr>
+          <a:xfrm>
+            <a:off x="6949578" y="3794903"/>
+            <a:ext cx="1600200" cy="708143"/>
+          </a:xfrm>
+          <a:prstGeom prst="rect">
+            <a:avLst/>
+          </a:prstGeom>
+          <a:solidFill>
+            <a:schemeClr val="bg1"/>
+          </a:solidFill>
+          <a:ln>
+            <a:solidFill>
+              <a:schemeClr val="tx1"/>
+            </a:solidFill>
+          </a:ln>
+        </p:spPr>
+        <p:txBody>
+          <a:bodyPr wrap="square" rtlCol="0">
+            <a:spAutoFit/>
+          </a:bodyPr>
+          <a:lstStyle/>
+          <a:p>
+            <a:pPr>
+              <a:lnSpc>
+                <a:spcPct val="95000"/>
+              </a:lnSpc>
+              <a:spcBef>
+                <a:spcPts val="400"/>
+              </a:spcBef>
+            </a:pPr>
+            <a:r>
+              <a:rPr lang="en-US" sz="1400" dirty="0" smtClean="0">
+                <a:solidFill>
+                  <a:srgbClr val="231F20"/>
+                </a:solidFill>
+              </a:rPr>
+              <a:t>scalable, </a:t>
+            </a:r>
+            <a:br>
+              <a:rPr lang="en-US" sz="1400" dirty="0" smtClean="0">
+                <a:solidFill>
+                  <a:srgbClr val="231F20"/>
+                </a:solidFill>
+              </a:rPr>
+            </a:br>
+            <a:r>
+              <a:rPr lang="en-US" sz="1400" dirty="0" smtClean="0">
+                <a:solidFill>
+                  <a:srgbClr val="231F20"/>
+                </a:solidFill>
+              </a:rPr>
+              <a:t>open-source architecture</a:t>
+            </a:r>
+            <a:endParaRPr lang="en-US" sz="1400" dirty="0">
+              <a:solidFill>
+                <a:srgbClr val="231F20"/>
+              </a:solidFill>
+            </a:endParaRPr>
+          </a:p>
+        </p:txBody>
+      </p:sp>
+      <p:cxnSp>
+        <p:nvCxnSpPr>
+          <p:cNvPr id="29" name="Straight Connector 28"/>
+          <p:cNvCxnSpPr/>
+          <p:nvPr/>
+        </p:nvCxnSpPr>
+        <p:spPr>
+          <a:xfrm flipH="1" flipV="1">
+            <a:off x="6921188" y="3611902"/>
+            <a:ext cx="350058" cy="183001"/>
+          </a:xfrm>
+          <a:prstGeom prst="line">
+            <a:avLst/>
+          </a:prstGeom>
+          <a:ln w="12700">
+            <a:solidFill>
+              <a:srgbClr val="4876AD"/>
+            </a:solidFill>
+          </a:ln>
+        </p:spPr>
+        <p:style>
+          <a:lnRef idx="1">
+            <a:schemeClr val="accent1"/>
+          </a:lnRef>
+          <a:fillRef idx="0">
+            <a:schemeClr val="accent1"/>
+          </a:fillRef>
+          <a:effectRef idx="0">
+            <a:schemeClr val="accent1"/>
+          </a:effectRef>
+          <a:fontRef idx="minor">
+            <a:schemeClr val="tx1"/>
+          </a:fontRef>
+        </p:style>
+      </p:cxnSp>
+      <p:cxnSp>
+        <p:nvCxnSpPr>
+          <p:cNvPr id="31" name="Straight Connector 30"/>
+          <p:cNvCxnSpPr/>
+          <p:nvPr/>
+        </p:nvCxnSpPr>
+        <p:spPr>
+          <a:xfrm flipH="1">
+            <a:off x="6239933" y="3611900"/>
+            <a:ext cx="691681" cy="0"/>
+          </a:xfrm>
+          <a:prstGeom prst="line">
+            <a:avLst/>
+          </a:prstGeom>
+          <a:ln w="12700">
+            <a:solidFill>
+              <a:srgbClr val="4876AD"/>
+            </a:solidFill>
+          </a:ln>
+        </p:spPr>
+        <p:style>
+          <a:lnRef idx="1">
+            <a:schemeClr val="accent1"/>
+          </a:lnRef>
+          <a:fillRef idx="0">
+            <a:schemeClr val="accent1"/>
+          </a:fillRef>
+          <a:effectRef idx="0">
+            <a:schemeClr val="accent1"/>
+          </a:effectRef>
+          <a:fontRef idx="minor">
+            <a:schemeClr val="tx1"/>
+          </a:fontRef>
+        </p:style>
+      </p:cxnSp>
+      <p:cxnSp>
+        <p:nvCxnSpPr>
+          <p:cNvPr id="40" name="Straight Connector 39"/>
+          <p:cNvCxnSpPr/>
+          <p:nvPr/>
+        </p:nvCxnSpPr>
+        <p:spPr>
+          <a:xfrm flipV="1">
+            <a:off x="952504" y="2638929"/>
+            <a:ext cx="452694" cy="203493"/>
+          </a:xfrm>
+          <a:prstGeom prst="line">
+            <a:avLst/>
+          </a:prstGeom>
+          <a:ln w="12700">
+            <a:solidFill>
+              <a:srgbClr val="4876AD"/>
+            </a:solidFill>
+          </a:ln>
+        </p:spPr>
+        <p:style>
+          <a:lnRef idx="1">
+            <a:schemeClr val="accent1"/>
+          </a:lnRef>
+          <a:fillRef idx="0">
+            <a:schemeClr val="accent1"/>
+          </a:fillRef>
+          <a:effectRef idx="0">
+            <a:schemeClr val="accent1"/>
+          </a:effectRef>
+          <a:fontRef idx="minor">
+            <a:schemeClr val="tx1"/>
+          </a:fontRef>
+        </p:style>
+      </p:cxnSp>
+      <p:cxnSp>
+        <p:nvCxnSpPr>
+          <p:cNvPr id="41" name="Straight Connector 40"/>
+          <p:cNvCxnSpPr/>
+          <p:nvPr/>
+        </p:nvCxnSpPr>
+        <p:spPr>
+          <a:xfrm flipH="1">
+            <a:off x="1405198" y="2638929"/>
+            <a:ext cx="360106" cy="0"/>
+          </a:xfrm>
+          <a:prstGeom prst="line">
+            <a:avLst/>
+          </a:prstGeom>
+          <a:ln w="12700">
+            <a:solidFill>
+              <a:srgbClr val="4876AD"/>
+            </a:solidFill>
+          </a:ln>
+        </p:spPr>
+        <p:style>
+          <a:lnRef idx="1">
+            <a:schemeClr val="accent1"/>
+          </a:lnRef>
+          <a:fillRef idx="0">
+            <a:schemeClr val="accent1"/>
+          </a:fillRef>
+          <a:effectRef idx="0">
+            <a:schemeClr val="accent1"/>
+          </a:effectRef>
+          <a:fontRef idx="minor">
+            <a:schemeClr val="tx1"/>
+          </a:fontRef>
+        </p:style>
+      </p:cxnSp>
+      <p:sp>
+        <p:nvSpPr>
+          <p:cNvPr id="42" name="Rectangle 41"/>
+          <p:cNvSpPr/>
+          <p:nvPr/>
+        </p:nvSpPr>
+        <p:spPr>
+          <a:xfrm>
+            <a:off x="171454" y="2836367"/>
+            <a:ext cx="1485900" cy="497093"/>
+          </a:xfrm>
+          <a:prstGeom prst="rect">
+            <a:avLst/>
+          </a:prstGeom>
+          <a:solidFill>
+            <a:srgbClr val="1F5689"/>
+          </a:solidFill>
+          <a:ln w="9525">
+            <a:noFill/>
+            <a:miter lim="800000"/>
+            <a:headEnd/>
+            <a:tailEnd/>
+          </a:ln>
+          <a:effectLst/>
+        </p:spPr>
+        <p:txBody>
+          <a:bodyPr wrap="square" tIns="91440" bIns="91440" rtlCol="0" anchor="t">
+            <a:prstTxWarp prst="textNoShape">
+              <a:avLst/>
+            </a:prstTxWarp>
+            <a:noAutofit/>
+          </a:bodyPr>
+          <a:lstStyle/>
+          <a:p>
+            <a:pPr algn="ctr"/>
+            <a:endParaRPr lang="en-US" kern="0" dirty="0" err="1" smtClean="0">
+              <a:solidFill>
+                <a:prstClr val="white"/>
+              </a:solidFill>
+            </a:endParaRPr>
+          </a:p>
+        </p:txBody>
+      </p:sp>
+      <p:sp>
+        <p:nvSpPr>
+          <p:cNvPr id="43" name="TextBox 42"/>
+          <p:cNvSpPr txBox="1"/>
+          <p:nvPr/>
+        </p:nvSpPr>
+        <p:spPr>
+          <a:xfrm>
+            <a:off x="182037" y="2842422"/>
+            <a:ext cx="1460500" cy="474104"/>
+          </a:xfrm>
+          <a:prstGeom prst="rect">
+            <a:avLst/>
+          </a:prstGeom>
+          <a:solidFill>
+            <a:schemeClr val="bg1"/>
+          </a:solidFill>
+          <a:ln>
+            <a:solidFill>
+              <a:schemeClr val="tx1"/>
+            </a:solidFill>
+          </a:ln>
+        </p:spPr>
+        <p:txBody>
+          <a:bodyPr wrap="square" rtlCol="0">
+            <a:spAutoFit/>
+          </a:bodyPr>
+          <a:lstStyle/>
+          <a:p>
+            <a:pPr>
+              <a:lnSpc>
+                <a:spcPct val="95000"/>
+              </a:lnSpc>
+              <a:spcBef>
+                <a:spcPts val="400"/>
+              </a:spcBef>
+            </a:pPr>
+            <a:r>
+              <a:rPr lang="en-US" sz="1300" dirty="0" smtClean="0">
+                <a:solidFill>
+                  <a:srgbClr val="231F20"/>
+                </a:solidFill>
+              </a:rPr>
+              <a:t>integrated best practices</a:t>
+            </a:r>
+            <a:endParaRPr lang="en-US" sz="1300" dirty="0">
+              <a:solidFill>
+                <a:srgbClr val="231F20"/>
+              </a:solidFill>
+            </a:endParaRPr>
+          </a:p>
+        </p:txBody>
+      </p:sp>
+      <p:cxnSp>
+        <p:nvCxnSpPr>
+          <p:cNvPr id="45" name="Straight Connector 44"/>
+          <p:cNvCxnSpPr/>
+          <p:nvPr/>
+        </p:nvCxnSpPr>
+        <p:spPr>
+          <a:xfrm flipV="1">
+            <a:off x="1163897" y="3703428"/>
+            <a:ext cx="452693" cy="262762"/>
+          </a:xfrm>
+          <a:prstGeom prst="line">
+            <a:avLst/>
+          </a:prstGeom>
+          <a:ln w="12700">
+            <a:solidFill>
+              <a:srgbClr val="4876AD"/>
+            </a:solidFill>
+          </a:ln>
+        </p:spPr>
+        <p:style>
+          <a:lnRef idx="1">
+            <a:schemeClr val="accent1"/>
+          </a:lnRef>
+          <a:fillRef idx="0">
+            <a:schemeClr val="accent1"/>
+          </a:fillRef>
+          <a:effectRef idx="0">
+            <a:schemeClr val="accent1"/>
+          </a:effectRef>
+          <a:fontRef idx="minor">
+            <a:schemeClr val="tx1"/>
+          </a:fontRef>
+        </p:style>
+      </p:cxnSp>
+      <p:cxnSp>
+        <p:nvCxnSpPr>
+          <p:cNvPr id="46" name="Straight Connector 45"/>
+          <p:cNvCxnSpPr/>
+          <p:nvPr/>
+        </p:nvCxnSpPr>
+        <p:spPr>
+          <a:xfrm flipH="1">
+            <a:off x="1616591" y="3683638"/>
+            <a:ext cx="320163" cy="19790"/>
+          </a:xfrm>
+          <a:prstGeom prst="line">
+            <a:avLst/>
+          </a:prstGeom>
+          <a:ln w="12700">
+            <a:solidFill>
+              <a:srgbClr val="4876AD"/>
+            </a:solidFill>
+          </a:ln>
+        </p:spPr>
+        <p:style>
+          <a:lnRef idx="1">
+            <a:schemeClr val="accent1"/>
+          </a:lnRef>
+          <a:fillRef idx="0">
+            <a:schemeClr val="accent1"/>
+          </a:fillRef>
+          <a:effectRef idx="0">
+            <a:schemeClr val="accent1"/>
+          </a:effectRef>
+          <a:fontRef idx="minor">
+            <a:schemeClr val="tx1"/>
+          </a:fontRef>
+        </p:style>
+      </p:cxnSp>
+      <p:sp>
+        <p:nvSpPr>
+          <p:cNvPr id="47" name="Rectangle 46"/>
+          <p:cNvSpPr/>
+          <p:nvPr/>
+        </p:nvSpPr>
+        <p:spPr>
+          <a:xfrm>
+            <a:off x="389197" y="3917801"/>
+            <a:ext cx="1485900" cy="301752"/>
+          </a:xfrm>
+          <a:prstGeom prst="rect">
+            <a:avLst/>
+          </a:prstGeom>
+          <a:solidFill>
+            <a:srgbClr val="1F5689"/>
+          </a:solidFill>
+          <a:ln w="9525">
+            <a:noFill/>
+            <a:miter lim="800000"/>
+            <a:headEnd/>
+            <a:tailEnd/>
+          </a:ln>
+          <a:effectLst/>
+        </p:spPr>
+        <p:txBody>
+          <a:bodyPr wrap="square" tIns="91440" bIns="91440" rtlCol="0" anchor="t">
+            <a:prstTxWarp prst="textNoShape">
+              <a:avLst/>
+            </a:prstTxWarp>
+            <a:noAutofit/>
+          </a:bodyPr>
+          <a:lstStyle/>
+          <a:p>
+            <a:pPr algn="ctr"/>
+            <a:endParaRPr lang="en-US" kern="0" dirty="0" err="1" smtClean="0">
+              <a:solidFill>
+                <a:prstClr val="white"/>
+              </a:solidFill>
+            </a:endParaRPr>
+          </a:p>
+        </p:txBody>
+      </p:sp>
+      <p:sp>
+        <p:nvSpPr>
+          <p:cNvPr id="48" name="TextBox 47"/>
+          <p:cNvSpPr txBox="1"/>
+          <p:nvPr/>
+        </p:nvSpPr>
+        <p:spPr>
+          <a:xfrm>
+            <a:off x="401897" y="3925973"/>
+            <a:ext cx="1460500" cy="284052"/>
+          </a:xfrm>
+          <a:prstGeom prst="rect">
+            <a:avLst/>
+          </a:prstGeom>
+          <a:solidFill>
+            <a:schemeClr val="bg1"/>
+          </a:solidFill>
+        </p:spPr>
+        <p:txBody>
+          <a:bodyPr wrap="square" rtlCol="0">
+            <a:spAutoFit/>
+          </a:bodyPr>
+          <a:lstStyle/>
+          <a:p>
+            <a:pPr>
+              <a:lnSpc>
+                <a:spcPct val="95000"/>
+              </a:lnSpc>
+              <a:spcBef>
+                <a:spcPts val="400"/>
+              </a:spcBef>
+            </a:pPr>
+            <a:r>
+              <a:rPr lang="en-US" sz="1300" dirty="0" smtClean="0">
+                <a:solidFill>
+                  <a:srgbClr val="231F20"/>
+                </a:solidFill>
+              </a:rPr>
+              <a:t>governance</a:t>
+            </a:r>
+          </a:p>
+        </p:txBody>
+      </p:sp>
+      <p:cxnSp>
+        <p:nvCxnSpPr>
+          <p:cNvPr id="8" name="Straight Connector 7"/>
+          <p:cNvCxnSpPr/>
+          <p:nvPr/>
+        </p:nvCxnSpPr>
+        <p:spPr>
+          <a:xfrm>
+            <a:off x="7482165" y="3098253"/>
+            <a:ext cx="1418167" cy="1055"/>
+          </a:xfrm>
+          <a:prstGeom prst="line">
+            <a:avLst/>
+          </a:prstGeom>
+          <a:ln w="12700">
+            <a:solidFill>
+              <a:schemeClr val="accent2"/>
+            </a:solidFill>
+          </a:ln>
+        </p:spPr>
+        <p:style>
+          <a:lnRef idx="1">
+            <a:schemeClr val="accent1"/>
+          </a:lnRef>
+          <a:fillRef idx="0">
+            <a:schemeClr val="accent1"/>
+          </a:fillRef>
+          <a:effectRef idx="0">
+            <a:schemeClr val="accent1"/>
+          </a:effectRef>
+          <a:fontRef idx="minor">
+            <a:schemeClr val="tx1"/>
+          </a:fontRef>
+        </p:style>
+      </p:cxnSp>
+      <p:cxnSp>
+        <p:nvCxnSpPr>
+          <p:cNvPr id="32" name="Straight Connector 31"/>
+          <p:cNvCxnSpPr/>
+          <p:nvPr/>
+        </p:nvCxnSpPr>
+        <p:spPr>
+          <a:xfrm flipV="1">
+            <a:off x="1284005" y="4419040"/>
+            <a:ext cx="357986" cy="123162"/>
+          </a:xfrm>
+          <a:prstGeom prst="line">
+            <a:avLst/>
+          </a:prstGeom>
+          <a:ln w="12700">
+            <a:solidFill>
+              <a:srgbClr val="4876AD"/>
+            </a:solidFill>
+          </a:ln>
+        </p:spPr>
+        <p:style>
+          <a:lnRef idx="1">
+            <a:schemeClr val="accent1"/>
+          </a:lnRef>
+          <a:fillRef idx="0">
+            <a:schemeClr val="accent1"/>
+          </a:fillRef>
+          <a:effectRef idx="0">
+            <a:schemeClr val="accent1"/>
+          </a:effectRef>
+          <a:fontRef idx="minor">
+            <a:schemeClr val="tx1"/>
+          </a:fontRef>
+        </p:style>
+      </p:cxnSp>
+      <p:cxnSp>
+        <p:nvCxnSpPr>
+          <p:cNvPr id="33" name="Straight Connector 32"/>
+          <p:cNvCxnSpPr/>
+          <p:nvPr/>
+        </p:nvCxnSpPr>
+        <p:spPr>
+          <a:xfrm flipH="1">
+            <a:off x="1642537" y="4419040"/>
+            <a:ext cx="838196" cy="0"/>
+          </a:xfrm>
+          <a:prstGeom prst="line">
+            <a:avLst/>
+          </a:prstGeom>
+          <a:ln w="12700">
+            <a:solidFill>
+              <a:srgbClr val="4876AD"/>
+            </a:solidFill>
+          </a:ln>
+        </p:spPr>
+        <p:style>
+          <a:lnRef idx="1">
+            <a:schemeClr val="accent1"/>
+          </a:lnRef>
+          <a:fillRef idx="0">
+            <a:schemeClr val="accent1"/>
+          </a:fillRef>
+          <a:effectRef idx="0">
+            <a:schemeClr val="accent1"/>
+          </a:effectRef>
+          <a:fontRef idx="minor">
+            <a:schemeClr val="tx1"/>
+          </a:fontRef>
+        </p:style>
+      </p:cxnSp>
+      <p:sp>
+        <p:nvSpPr>
+          <p:cNvPr id="34" name="Rectangle 33"/>
+          <p:cNvSpPr/>
+          <p:nvPr/>
+        </p:nvSpPr>
+        <p:spPr>
+          <a:xfrm>
+            <a:off x="182037" y="4493813"/>
+            <a:ext cx="2171695" cy="301752"/>
+          </a:xfrm>
+          <a:prstGeom prst="rect">
+            <a:avLst/>
+          </a:prstGeom>
+          <a:solidFill>
+            <a:srgbClr val="1F5689"/>
+          </a:solidFill>
+          <a:ln w="9525">
+            <a:noFill/>
+            <a:miter lim="800000"/>
+            <a:headEnd/>
+            <a:tailEnd/>
+          </a:ln>
+          <a:effectLst/>
+        </p:spPr>
+        <p:txBody>
+          <a:bodyPr wrap="square" tIns="91440" bIns="91440" rtlCol="0" anchor="t">
+            <a:prstTxWarp prst="textNoShape">
+              <a:avLst/>
+            </a:prstTxWarp>
+            <a:noAutofit/>
+          </a:bodyPr>
+          <a:lstStyle/>
+          <a:p>
+            <a:pPr algn="ctr"/>
+            <a:endParaRPr lang="en-US" kern="0" dirty="0" err="1" smtClean="0">
+              <a:solidFill>
+                <a:prstClr val="white"/>
+              </a:solidFill>
+            </a:endParaRPr>
+          </a:p>
+        </p:txBody>
+      </p:sp>
+      <p:sp>
+        <p:nvSpPr>
+          <p:cNvPr id="35" name="TextBox 34"/>
+          <p:cNvSpPr txBox="1"/>
+          <p:nvPr/>
+        </p:nvSpPr>
+        <p:spPr>
+          <a:xfrm>
+            <a:off x="190505" y="4503046"/>
+            <a:ext cx="2157710" cy="284052"/>
+          </a:xfrm>
+          <a:prstGeom prst="rect">
+            <a:avLst/>
+          </a:prstGeom>
+          <a:solidFill>
+            <a:schemeClr val="bg1"/>
+          </a:solidFill>
+          <a:ln>
+            <a:solidFill>
+              <a:schemeClr val="tx1"/>
+            </a:solidFill>
+          </a:ln>
+        </p:spPr>
+        <p:txBody>
+          <a:bodyPr wrap="square" rtlCol="0">
+            <a:spAutoFit/>
+          </a:bodyPr>
+          <a:lstStyle/>
+          <a:p>
+            <a:pPr>
+              <a:lnSpc>
+                <a:spcPct val="95000"/>
+              </a:lnSpc>
+              <a:spcBef>
+                <a:spcPts val="400"/>
+              </a:spcBef>
+            </a:pPr>
+            <a:r>
+              <a:rPr lang="en-US" sz="1300" dirty="0" smtClean="0">
+                <a:solidFill>
+                  <a:srgbClr val="231F20"/>
+                </a:solidFill>
+              </a:rPr>
+              <a:t>flexible deployment</a:t>
+            </a:r>
+          </a:p>
+        </p:txBody>
+      </p:sp>
+      <p:sp>
+        <p:nvSpPr>
+          <p:cNvPr id="36" name="Title 3"/>
+          <p:cNvSpPr txBox="1">
+            <a:spLocks/>
+          </p:cNvSpPr>
+          <p:nvPr/>
+        </p:nvSpPr>
+        <p:spPr bwMode="gray">
+          <a:xfrm>
+            <a:off x="306887" y="-131497"/>
+            <a:ext cx="8230965" cy="613818"/>
+          </a:xfrm>
+          <a:prstGeom prst="rect">
+            <a:avLst/>
+          </a:prstGeom>
+        </p:spPr>
+        <p:txBody>
+          <a:bodyPr vert="horz" lIns="0" tIns="0" rIns="0" bIns="0" rtlCol="0" anchor="b" anchorCtr="0">
+            <a:noAutofit/>
+          </a:bodyPr>
+          <a:lstStyle>
+            <a:lvl1pPr algn="l" defTabSz="914400" rtl="0" eaLnBrk="1" latinLnBrk="0" hangingPunct="1">
+              <a:lnSpc>
+                <a:spcPct val="95000"/>
+              </a:lnSpc>
+              <a:spcBef>
+                <a:spcPct val="0"/>
+              </a:spcBef>
+              <a:buNone/>
+              <a:defRPr sz="2200" b="0" kern="1200" baseline="0">
+                <a:solidFill>
+                  <a:schemeClr val="accent1"/>
+                </a:solidFill>
+                <a:latin typeface="+mj-lt"/>
+                <a:ea typeface="+mj-ea"/>
+                <a:cs typeface="+mj-cs"/>
+              </a:defRPr>
+            </a:lvl1pPr>
+          </a:lstStyle>
+          <a:p>
+            <a:r>
+              <a:rPr lang="en-US" dirty="0" err="1" smtClean="0">
+                <a:latin typeface="Microsoft YaHei" charset="-122"/>
+                <a:ea typeface="Microsoft YaHei" charset="-122"/>
+                <a:cs typeface="Microsoft YaHei" charset="-122"/>
+              </a:rPr>
+              <a:t>Kylo</a:t>
+            </a:r>
+            <a:r>
+              <a:rPr lang="en-US" dirty="0" smtClean="0">
+                <a:latin typeface="Microsoft YaHei" charset="-122"/>
+                <a:ea typeface="Microsoft YaHei" charset="-122"/>
+                <a:cs typeface="Microsoft YaHei" charset="-122"/>
+              </a:rPr>
+              <a:t> </a:t>
+            </a:r>
+            <a:r>
+              <a:rPr lang="zh-CN" altLang="en-US" dirty="0" smtClean="0">
+                <a:latin typeface="Microsoft YaHei" charset="-122"/>
+                <a:ea typeface="Microsoft YaHei" charset="-122"/>
+                <a:cs typeface="Microsoft YaHei" charset="-122"/>
+              </a:rPr>
+              <a:t>数据湖基础框架</a:t>
+            </a:r>
+            <a:endParaRPr lang="en-US" dirty="0">
+              <a:latin typeface="Microsoft YaHei" charset="-122"/>
+              <a:ea typeface="Microsoft YaHei" charset="-122"/>
+              <a:cs typeface="Microsoft YaHei" charset="-122"/>
+            </a:endParaRPr>
+          </a:p>
+        </p:txBody>
+      </p:sp>
+    </p:spTree>
+    <p:extLst>
+      <p:ext uri="{BB962C8B-B14F-4D97-AF65-F5344CB8AC3E}">
+        <p14:creationId xmlns:p14="http://schemas.microsoft.com/office/powerpoint/2010/main" val="773613594"/>
       </p:ext>
     </p:extLst>
   </p:cSld>
